--- a/JQuery.pptx
+++ b/JQuery.pptx
@@ -15,21 +15,27 @@
     <p:sldId id="264" r:id="rId9"/>
     <p:sldId id="265" r:id="rId10"/>
     <p:sldId id="266" r:id="rId11"/>
-    <p:sldId id="280" r:id="rId12"/>
-    <p:sldId id="267" r:id="rId13"/>
-    <p:sldId id="268" r:id="rId14"/>
-    <p:sldId id="269" r:id="rId15"/>
-    <p:sldId id="270" r:id="rId16"/>
-    <p:sldId id="271" r:id="rId17"/>
-    <p:sldId id="272" r:id="rId18"/>
-    <p:sldId id="273" r:id="rId19"/>
-    <p:sldId id="274" r:id="rId20"/>
-    <p:sldId id="275" r:id="rId21"/>
-    <p:sldId id="276" r:id="rId22"/>
-    <p:sldId id="277" r:id="rId23"/>
-    <p:sldId id="278" r:id="rId24"/>
-    <p:sldId id="279" r:id="rId25"/>
-    <p:sldId id="263" r:id="rId26"/>
+    <p:sldId id="267" r:id="rId12"/>
+    <p:sldId id="268" r:id="rId13"/>
+    <p:sldId id="269" r:id="rId14"/>
+    <p:sldId id="270" r:id="rId15"/>
+    <p:sldId id="271" r:id="rId16"/>
+    <p:sldId id="272" r:id="rId17"/>
+    <p:sldId id="273" r:id="rId18"/>
+    <p:sldId id="274" r:id="rId19"/>
+    <p:sldId id="275" r:id="rId20"/>
+    <p:sldId id="276" r:id="rId21"/>
+    <p:sldId id="277" r:id="rId22"/>
+    <p:sldId id="278" r:id="rId23"/>
+    <p:sldId id="288" r:id="rId24"/>
+    <p:sldId id="283" r:id="rId25"/>
+    <p:sldId id="284" r:id="rId26"/>
+    <p:sldId id="285" r:id="rId27"/>
+    <p:sldId id="286" r:id="rId28"/>
+    <p:sldId id="287" r:id="rId29"/>
+    <p:sldId id="280" r:id="rId30"/>
+    <p:sldId id="281" r:id="rId31"/>
+    <p:sldId id="282" r:id="rId32"/>
   </p:sldIdLst>
   <p:sldSz cx="12192000" cy="6858000"/>
   <p:notesSz cx="6858000" cy="9144000"/>
@@ -322,7 +328,7 @@
           <a:p>
             <a:fld id="{4AAD347D-5ACD-4C99-B74B-A9C85AD731AF}" type="datetimeFigureOut">
               <a:rPr lang="en-US" dirty="0"/>
-              <a:t>11/20/2019</a:t>
+              <a:t>11/27/2019</a:t>
             </a:fld>
             <a:endParaRPr lang="en-US" dirty="0"/>
           </a:p>
@@ -592,7 +598,7 @@
           <a:p>
             <a:fld id="{4509A250-FF31-4206-8172-F9D3106AACB1}" type="datetimeFigureOut">
               <a:rPr lang="en-US" dirty="0"/>
-              <a:t>11/20/2019</a:t>
+              <a:t>11/27/2019</a:t>
             </a:fld>
             <a:endParaRPr lang="en-US" dirty="0"/>
           </a:p>
@@ -781,7 +787,7 @@
           <a:p>
             <a:fld id="{4509A250-FF31-4206-8172-F9D3106AACB1}" type="datetimeFigureOut">
               <a:rPr lang="en-US" dirty="0"/>
-              <a:t>11/20/2019</a:t>
+              <a:t>11/27/2019</a:t>
             </a:fld>
             <a:endParaRPr lang="en-US" dirty="0"/>
           </a:p>
@@ -1049,7 +1055,7 @@
           <a:p>
             <a:fld id="{4509A250-FF31-4206-8172-F9D3106AACB1}" type="datetimeFigureOut">
               <a:rPr lang="en-US" dirty="0"/>
-              <a:t>11/20/2019</a:t>
+              <a:t>11/27/2019</a:t>
             </a:fld>
             <a:endParaRPr lang="en-US" dirty="0"/>
           </a:p>
@@ -1385,7 +1391,7 @@
           <a:p>
             <a:fld id="{4509A250-FF31-4206-8172-F9D3106AACB1}" type="datetimeFigureOut">
               <a:rPr lang="en-US" dirty="0"/>
-              <a:t>11/20/2019</a:t>
+              <a:t>11/27/2019</a:t>
             </a:fld>
             <a:endParaRPr lang="en-US" dirty="0"/>
           </a:p>
@@ -2003,7 +2009,7 @@
           <a:p>
             <a:fld id="{4509A250-FF31-4206-8172-F9D3106AACB1}" type="datetimeFigureOut">
               <a:rPr lang="en-US" dirty="0"/>
-              <a:t>11/20/2019</a:t>
+              <a:t>11/27/2019</a:t>
             </a:fld>
             <a:endParaRPr lang="en-US" dirty="0"/>
           </a:p>
@@ -2858,7 +2864,7 @@
           <a:p>
             <a:fld id="{4509A250-FF31-4206-8172-F9D3106AACB1}" type="datetimeFigureOut">
               <a:rPr lang="en-US" dirty="0"/>
-              <a:t>11/20/2019</a:t>
+              <a:t>11/27/2019</a:t>
             </a:fld>
             <a:endParaRPr lang="en-US" dirty="0"/>
           </a:p>
@@ -3023,7 +3029,7 @@
           <a:p>
             <a:fld id="{4509A250-FF31-4206-8172-F9D3106AACB1}" type="datetimeFigureOut">
               <a:rPr lang="en-US" dirty="0"/>
-              <a:t>11/20/2019</a:t>
+              <a:t>11/27/2019</a:t>
             </a:fld>
             <a:endParaRPr lang="en-US" dirty="0"/>
           </a:p>
@@ -3198,7 +3204,7 @@
           <a:p>
             <a:fld id="{4509A250-FF31-4206-8172-F9D3106AACB1}" type="datetimeFigureOut">
               <a:rPr lang="en-US" dirty="0"/>
-              <a:t>11/20/2019</a:t>
+              <a:t>11/27/2019</a:t>
             </a:fld>
             <a:endParaRPr lang="en-US" dirty="0"/>
           </a:p>
@@ -3363,7 +3369,7 @@
           <a:p>
             <a:fld id="{4509A250-FF31-4206-8172-F9D3106AACB1}" type="datetimeFigureOut">
               <a:rPr lang="en-US" dirty="0"/>
-              <a:t>11/20/2019</a:t>
+              <a:t>11/27/2019</a:t>
             </a:fld>
             <a:endParaRPr lang="en-US" dirty="0"/>
           </a:p>
@@ -3605,7 +3611,7 @@
           <a:p>
             <a:fld id="{9796027F-7875-4030-9381-8BD8C4F21935}" type="datetimeFigureOut">
               <a:rPr lang="en-US" dirty="0"/>
-              <a:t>11/20/2019</a:t>
+              <a:t>11/27/2019</a:t>
             </a:fld>
             <a:endParaRPr lang="en-US" dirty="0"/>
           </a:p>
@@ -3892,7 +3898,7 @@
           <a:p>
             <a:fld id="{9796027F-7875-4030-9381-8BD8C4F21935}" type="datetimeFigureOut">
               <a:rPr lang="en-US" dirty="0"/>
-              <a:t>11/20/2019</a:t>
+              <a:t>11/27/2019</a:t>
             </a:fld>
             <a:endParaRPr lang="en-US" dirty="0"/>
           </a:p>
@@ -4331,7 +4337,7 @@
           <a:p>
             <a:fld id="{9796027F-7875-4030-9381-8BD8C4F21935}" type="datetimeFigureOut">
               <a:rPr lang="en-US" dirty="0"/>
-              <a:t>11/20/2019</a:t>
+              <a:t>11/27/2019</a:t>
             </a:fld>
             <a:endParaRPr lang="en-US" dirty="0"/>
           </a:p>
@@ -4444,7 +4450,7 @@
           <a:p>
             <a:fld id="{4509A250-FF31-4206-8172-F9D3106AACB1}" type="datetimeFigureOut">
               <a:rPr lang="en-US" dirty="0"/>
-              <a:t>11/20/2019</a:t>
+              <a:t>11/27/2019</a:t>
             </a:fld>
             <a:endParaRPr lang="en-US" dirty="0"/>
           </a:p>
@@ -4534,7 +4540,7 @@
           <a:p>
             <a:fld id="{4509A250-FF31-4206-8172-F9D3106AACB1}" type="datetimeFigureOut">
               <a:rPr lang="en-US" dirty="0"/>
-              <a:t>11/20/2019</a:t>
+              <a:t>11/27/2019</a:t>
             </a:fld>
             <a:endParaRPr lang="en-US" dirty="0"/>
           </a:p>
@@ -4808,7 +4814,7 @@
           <a:p>
             <a:fld id="{4509A250-FF31-4206-8172-F9D3106AACB1}" type="datetimeFigureOut">
               <a:rPr lang="en-US" dirty="0"/>
-              <a:t>11/20/2019</a:t>
+              <a:t>11/27/2019</a:t>
             </a:fld>
             <a:endParaRPr lang="en-US" dirty="0"/>
           </a:p>
@@ -5078,7 +5084,7 @@
           <a:p>
             <a:fld id="{4509A250-FF31-4206-8172-F9D3106AACB1}" type="datetimeFigureOut">
               <a:rPr lang="en-US" dirty="0"/>
-              <a:t>11/20/2019</a:t>
+              <a:t>11/27/2019</a:t>
             </a:fld>
             <a:endParaRPr lang="en-US" dirty="0"/>
           </a:p>
@@ -5502,7 +5508,7 @@
           <a:p>
             <a:fld id="{4AAD347D-5ACD-4C99-B74B-A9C85AD731AF}" type="datetimeFigureOut">
               <a:rPr lang="en-US" dirty="0"/>
-              <a:t>11/20/2019</a:t>
+              <a:t>11/27/2019</a:t>
             </a:fld>
             <a:endParaRPr lang="en-US" dirty="0"/>
           </a:p>
@@ -6299,175 +6305,6 @@
           <a:lstStyle/>
           <a:p>
             <a:r>
-              <a:rPr lang="es-AR" dirty="0" smtClean="0"/>
-              <a:t>Método </a:t>
-            </a:r>
-            <a:r>
-              <a:rPr lang="es-AR" dirty="0" err="1" smtClean="0"/>
-              <a:t>css</a:t>
-            </a:r>
-            <a:endParaRPr lang="es-AR" dirty="0"/>
-          </a:p>
-        </p:txBody>
-      </p:sp>
-      <p:sp>
-        <p:nvSpPr>
-          <p:cNvPr id="3" name="Marcador de contenido 2"/>
-          <p:cNvSpPr>
-            <a:spLocks noGrp="1"/>
-          </p:cNvSpPr>
-          <p:nvPr>
-            <p:ph idx="1"/>
-          </p:nvPr>
-        </p:nvSpPr>
-        <p:spPr>
-          <a:xfrm>
-            <a:off x="553792" y="1712890"/>
-            <a:ext cx="10702343" cy="4535509"/>
-          </a:xfrm>
-        </p:spPr>
-        <p:txBody>
-          <a:bodyPr>
-            <a:normAutofit/>
-          </a:bodyPr>
-          <a:lstStyle/>
-          <a:p>
-            <a:r>
-              <a:rPr lang="es-AR" dirty="0"/>
-              <a:t>El método </a:t>
-            </a:r>
-            <a:r>
-              <a:rPr lang="es-AR" dirty="0" err="1"/>
-              <a:t>css</a:t>
-            </a:r>
-            <a:r>
-              <a:rPr lang="es-AR" dirty="0"/>
-              <a:t>() sirve tanto para recibir el valor de un atributo CSS como para asignarle un nuevo valor y su funcionamiento depende de los parámetros que podamos </a:t>
-            </a:r>
-            <a:r>
-              <a:rPr lang="es-AR" dirty="0" smtClean="0"/>
-              <a:t>enviarle</a:t>
-            </a:r>
-          </a:p>
-          <a:p>
-            <a:pPr marL="0" indent="0">
-              <a:buNone/>
-            </a:pPr>
-            <a:r>
-              <a:rPr lang="es-AR" smtClean="0"/>
-              <a:t>                                       </a:t>
-            </a:r>
-            <a:r>
-              <a:rPr lang="es-AR" dirty="0" smtClean="0"/>
-              <a:t>.</a:t>
-            </a:r>
-            <a:r>
-              <a:rPr lang="es-AR" dirty="0" err="1"/>
-              <a:t>css</a:t>
-            </a:r>
-            <a:r>
-              <a:rPr lang="es-AR" dirty="0"/>
-              <a:t>( </a:t>
-            </a:r>
-            <a:r>
-              <a:rPr lang="es-AR" dirty="0" err="1"/>
-              <a:t>nombre_propiedad_css</a:t>
-            </a:r>
-            <a:r>
-              <a:rPr lang="es-AR" dirty="0"/>
-              <a:t> )</a:t>
-            </a:r>
-          </a:p>
-          <a:p>
-            <a:r>
-              <a:rPr lang="es-AR" dirty="0"/>
-              <a:t>Si enviamos un solo parámetro al método CSS estamos indicando que queremos recibir el valor de una propiedad CSS. En este caso la función devolverá el valor del atributo CSS que le hayamos indicado</a:t>
-            </a:r>
-            <a:r>
-              <a:rPr lang="es-AR" dirty="0" smtClean="0"/>
-              <a:t>.</a:t>
-            </a:r>
-          </a:p>
-          <a:p>
-            <a:pPr marL="0" indent="0">
-              <a:buNone/>
-            </a:pPr>
-            <a:r>
-              <a:rPr lang="es-AR" dirty="0" smtClean="0"/>
-              <a:t>                                  </a:t>
-            </a:r>
-            <a:r>
-              <a:rPr lang="es-AR" dirty="0" err="1" smtClean="0"/>
-              <a:t>css</a:t>
-            </a:r>
-            <a:r>
-              <a:rPr lang="es-AR" dirty="0"/>
-              <a:t>( </a:t>
-            </a:r>
-            <a:r>
-              <a:rPr lang="es-AR" dirty="0" err="1"/>
-              <a:t>nombre_propiedad_css</a:t>
-            </a:r>
-            <a:r>
-              <a:rPr lang="es-AR" dirty="0"/>
-              <a:t>, valor )</a:t>
-            </a:r>
-          </a:p>
-          <a:p>
-            <a:r>
-              <a:rPr lang="es-AR" dirty="0"/>
-              <a:t>En este segundo caso, aparte del nombre de una propiedad CSS estamos enviando un segundo parámetro con un valor y nos servirá para asignar un nuevo estado a dicho atributo</a:t>
-            </a:r>
-            <a:endParaRPr lang="es-AR" dirty="0"/>
-          </a:p>
-        </p:txBody>
-      </p:sp>
-    </p:spTree>
-    <p:extLst>
-      <p:ext uri="{BB962C8B-B14F-4D97-AF65-F5344CB8AC3E}">
-        <p14:creationId xmlns:p14="http://schemas.microsoft.com/office/powerpoint/2010/main" val="1057874303"/>
-      </p:ext>
-    </p:extLst>
-  </p:cSld>
-  <p:clrMapOvr>
-    <a:masterClrMapping/>
-  </p:clrMapOvr>
-</p:sld>
-</file>
-
-<file path=ppt/slides/slide12.xml><?xml version="1.0" encoding="utf-8"?>
-<p:sld xmlns:a="http://schemas.openxmlformats.org/drawingml/2006/main" xmlns:r="http://schemas.openxmlformats.org/officeDocument/2006/relationships" xmlns:p="http://schemas.openxmlformats.org/presentationml/2006/main">
-  <p:cSld>
-    <p:spTree>
-      <p:nvGrpSpPr>
-        <p:cNvPr id="1" name=""/>
-        <p:cNvGrpSpPr/>
-        <p:nvPr/>
-      </p:nvGrpSpPr>
-      <p:grpSpPr>
-        <a:xfrm>
-          <a:off x="0" y="0"/>
-          <a:ext cx="0" cy="0"/>
-          <a:chOff x="0" y="0"/>
-          <a:chExt cx="0" cy="0"/>
-        </a:xfrm>
-      </p:grpSpPr>
-      <p:sp>
-        <p:nvSpPr>
-          <p:cNvPr id="2" name="Título 1"/>
-          <p:cNvSpPr>
-            <a:spLocks noGrp="1"/>
-          </p:cNvSpPr>
-          <p:nvPr>
-            <p:ph type="title"/>
-          </p:nvPr>
-        </p:nvSpPr>
-        <p:spPr/>
-        <p:txBody>
-          <a:bodyPr/>
-          <a:lstStyle/>
-          <a:p>
-            <a:r>
               <a:rPr lang="es-AR" dirty="0"/>
               <a:t>Métodos addClass / removeClass</a:t>
             </a:r>
@@ -6677,6 +6514,120 @@
 </p:sld>
 </file>
 
+<file path=ppt/slides/slide12.xml><?xml version="1.0" encoding="utf-8"?>
+<p:sld xmlns:a="http://schemas.openxmlformats.org/drawingml/2006/main" xmlns:r="http://schemas.openxmlformats.org/officeDocument/2006/relationships" xmlns:p="http://schemas.openxmlformats.org/presentationml/2006/main">
+  <p:cSld>
+    <p:spTree>
+      <p:nvGrpSpPr>
+        <p:cNvPr id="1" name=""/>
+        <p:cNvGrpSpPr/>
+        <p:nvPr/>
+      </p:nvGrpSpPr>
+      <p:grpSpPr>
+        <a:xfrm>
+          <a:off x="0" y="0"/>
+          <a:ext cx="0" cy="0"/>
+          <a:chOff x="0" y="0"/>
+          <a:chExt cx="0" cy="0"/>
+        </a:xfrm>
+      </p:grpSpPr>
+      <p:sp>
+        <p:nvSpPr>
+          <p:cNvPr id="2" name="Título 1">
+            <a:extLst>
+              <a:ext uri="{FF2B5EF4-FFF2-40B4-BE49-F238E27FC236}">
+                <a16:creationId xmlns:a16="http://schemas.microsoft.com/office/drawing/2014/main" xmlns="" id="{67B24200-8AA2-4FEC-82B7-6A99DF837AA9}"/>
+              </a:ext>
+            </a:extLst>
+          </p:cNvPr>
+          <p:cNvSpPr>
+            <a:spLocks noGrp="1"/>
+          </p:cNvSpPr>
+          <p:nvPr>
+            <p:ph type="title"/>
+          </p:nvPr>
+        </p:nvSpPr>
+        <p:spPr/>
+        <p:txBody>
+          <a:bodyPr/>
+          <a:lstStyle/>
+          <a:p>
+            <a:r>
+              <a:rPr lang="es-AR" dirty="0"/>
+              <a:t>Método html</a:t>
+            </a:r>
+          </a:p>
+        </p:txBody>
+      </p:sp>
+      <p:sp>
+        <p:nvSpPr>
+          <p:cNvPr id="3" name="Marcador de contenido 2">
+            <a:extLst>
+              <a:ext uri="{FF2B5EF4-FFF2-40B4-BE49-F238E27FC236}">
+                <a16:creationId xmlns:a16="http://schemas.microsoft.com/office/drawing/2014/main" xmlns="" id="{DAD3A43E-10EF-4B34-B2C2-6357ED29A5C6}"/>
+              </a:ext>
+            </a:extLst>
+          </p:cNvPr>
+          <p:cNvSpPr>
+            <a:spLocks noGrp="1"/>
+          </p:cNvSpPr>
+          <p:nvPr>
+            <p:ph idx="1"/>
+          </p:nvPr>
+        </p:nvSpPr>
+        <p:spPr>
+          <a:xfrm>
+            <a:off x="645131" y="1428750"/>
+            <a:ext cx="10870593" cy="4819649"/>
+          </a:xfrm>
+        </p:spPr>
+        <p:txBody>
+          <a:bodyPr/>
+          <a:lstStyle/>
+          <a:p>
+            <a:r>
+              <a:rPr lang="es-AR" dirty="0"/>
+              <a:t>El método html, nos permite agregar un bloque de html a partir de un elemento de la página. Básicamente es la propiedad </a:t>
+            </a:r>
+            <a:r>
+              <a:rPr lang="es-AR" dirty="0" err="1"/>
+              <a:t>innerHTML</a:t>
+            </a:r>
+            <a:r>
+              <a:rPr lang="es-AR" dirty="0"/>
+              <a:t> del DOM.</a:t>
+            </a:r>
+          </a:p>
+          <a:p>
+            <a:endParaRPr lang="es-AR" dirty="0"/>
+          </a:p>
+          <a:p>
+            <a:r>
+              <a:rPr lang="es-AR" dirty="0"/>
+              <a:t>El método html(). Nos retorna el bloque html contenido a partir del elemento html que hace referencia el objeto jQuery.</a:t>
+            </a:r>
+          </a:p>
+          <a:p>
+            <a:endParaRPr lang="es-AR" dirty="0"/>
+          </a:p>
+          <a:p>
+            <a:endParaRPr lang="es-AR" dirty="0"/>
+          </a:p>
+        </p:txBody>
+      </p:sp>
+    </p:spTree>
+    <p:extLst>
+      <p:ext uri="{BB962C8B-B14F-4D97-AF65-F5344CB8AC3E}">
+        <p14:creationId xmlns:p14="http://schemas.microsoft.com/office/powerpoint/2010/main" val="3283851970"/>
+      </p:ext>
+    </p:extLst>
+  </p:cSld>
+  <p:clrMapOvr>
+    <a:masterClrMapping/>
+  </p:clrMapOvr>
+</p:sld>
+</file>
+
 <file path=ppt/slides/slide13.xml><?xml version="1.0" encoding="utf-8"?>
 <p:sld xmlns:a="http://schemas.openxmlformats.org/drawingml/2006/main" xmlns:r="http://schemas.openxmlformats.org/officeDocument/2006/relationships" xmlns:p="http://schemas.openxmlformats.org/presentationml/2006/main">
   <p:cSld>
@@ -6699,7 +6650,7 @@
           <p:cNvPr id="2" name="Título 1">
             <a:extLst>
               <a:ext uri="{FF2B5EF4-FFF2-40B4-BE49-F238E27FC236}">
-                <a16:creationId xmlns:a16="http://schemas.microsoft.com/office/drawing/2014/main" xmlns="" id="{67B24200-8AA2-4FEC-82B7-6A99DF837AA9}"/>
+                <a16:creationId xmlns:a16="http://schemas.microsoft.com/office/drawing/2014/main" xmlns="" id="{5116D227-E0E7-440D-B160-B3614A1F01AB}"/>
               </a:ext>
             </a:extLst>
           </p:cNvPr>
@@ -6717,7 +6668,7 @@
           <a:p>
             <a:r>
               <a:rPr lang="es-AR" dirty="0"/>
-              <a:t>Método html</a:t>
+              <a:t>Administración de eventos </a:t>
             </a:r>
           </a:p>
         </p:txBody>
@@ -6727,7 +6678,7 @@
           <p:cNvPr id="3" name="Marcador de contenido 2">
             <a:extLst>
               <a:ext uri="{FF2B5EF4-FFF2-40B4-BE49-F238E27FC236}">
-                <a16:creationId xmlns:a16="http://schemas.microsoft.com/office/drawing/2014/main" xmlns="" id="{DAD3A43E-10EF-4B34-B2C2-6357ED29A5C6}"/>
+                <a16:creationId xmlns:a16="http://schemas.microsoft.com/office/drawing/2014/main" xmlns="" id="{CB5A9A71-BA4B-4614-BD1C-781DFBE908D4}"/>
               </a:ext>
             </a:extLst>
           </p:cNvPr>
@@ -6740,40 +6691,101 @@
         </p:nvSpPr>
         <p:spPr>
           <a:xfrm>
-            <a:off x="645131" y="1428750"/>
-            <a:ext cx="10870593" cy="4819649"/>
+            <a:off x="382589" y="1257300"/>
+            <a:ext cx="11163300" cy="5147982"/>
           </a:xfrm>
         </p:spPr>
         <p:txBody>
-          <a:bodyPr/>
+          <a:bodyPr>
+            <a:normAutofit/>
+          </a:bodyPr>
           <a:lstStyle/>
           <a:p>
-            <a:r>
-              <a:rPr lang="es-AR" dirty="0"/>
-              <a:t>El método html, nos permite agregar un bloque de html a partir de un elemento de la página. Básicamente es la propiedad </a:t>
+            <a:pPr algn="just"/>
+            <a:r>
+              <a:rPr lang="es-AR" dirty="0"/>
+              <a:t>jQuery facilita la administración de eventos de JavaScript y lo más importante nos hace transparente la diferencia en la registración de eventos entre distintos navegadores (IExplorer, FireFox, Chrome, Safari, Opera)</a:t>
+            </a:r>
+          </a:p>
+          <a:p>
+            <a:pPr marL="0" indent="0" algn="just">
+              <a:buNone/>
+            </a:pPr>
+            <a:r>
+              <a:rPr lang="es-AR" dirty="0"/>
+              <a:t>                                  $(documento).ready(nombre de función)</a:t>
+            </a:r>
+          </a:p>
+          <a:p>
+            <a:pPr algn="just"/>
+            <a:r>
+              <a:rPr lang="es-AR" dirty="0"/>
+              <a:t>Dijimos que este función que registramos mediante el método ready se ejecuta cuando el DOM del documento está en memoria. Si no utilizamos la librería jQuery hacemos esto a través del evento load.</a:t>
+            </a:r>
+          </a:p>
+          <a:p>
+            <a:pPr algn="just"/>
+            <a:r>
+              <a:rPr lang="es-AR" dirty="0"/>
+              <a:t>Otro evento que vimos en conceptos anteriores es el </a:t>
             </a:r>
             <a:r>
               <a:rPr lang="es-AR" dirty="0" err="1"/>
-              <a:t>innerHTML</a:t>
-            </a:r>
-            <a:r>
-              <a:rPr lang="es-AR" dirty="0"/>
-              <a:t> del DOM.</a:t>
-            </a:r>
-          </a:p>
-          <a:p>
+              <a:t>click</a:t>
+            </a:r>
+            <a:r>
+              <a:rPr lang="es-AR" dirty="0"/>
+              <a:t> de un elemento, la sintaxis utilizada:</a:t>
+            </a:r>
+          </a:p>
+          <a:p>
+            <a:pPr marL="0" indent="0" algn="just">
+              <a:buNone/>
+            </a:pPr>
+            <a:r>
+              <a:rPr lang="es-AR" dirty="0"/>
+              <a:t>                                              ("button").</a:t>
+            </a:r>
+            <a:r>
+              <a:rPr lang="es-AR" dirty="0" err="1"/>
+              <a:t>click</a:t>
+            </a:r>
+            <a:r>
+              <a:rPr lang="es-AR" dirty="0"/>
+              <a:t>(</a:t>
+            </a:r>
+            <a:r>
+              <a:rPr lang="es-AR" dirty="0" err="1"/>
+              <a:t>presionBoton</a:t>
+            </a:r>
+            <a:r>
+              <a:rPr lang="es-AR" dirty="0"/>
+              <a:t>)</a:t>
+            </a:r>
+          </a:p>
+          <a:p>
+            <a:pPr marL="0" indent="0" algn="just">
+              <a:buNone/>
+            </a:pPr>
             <a:endParaRPr lang="es-AR" dirty="0"/>
           </a:p>
           <a:p>
-            <a:r>
-              <a:rPr lang="es-AR" dirty="0"/>
-              <a:t>El método html(). Nos retorna el bloque html contenido a partir del elemento html que hace referencia el objeto jQuery.</a:t>
-            </a:r>
-          </a:p>
-          <a:p>
-            <a:endParaRPr lang="es-AR" dirty="0"/>
-          </a:p>
-          <a:p>
+            <a:pPr algn="just"/>
+            <a:r>
+              <a:rPr lang="es-AR" dirty="0"/>
+              <a:t>Con este pequeño código registramos la función </a:t>
+            </a:r>
+            <a:r>
+              <a:rPr lang="es-AR" dirty="0" err="1"/>
+              <a:t>presionBoton</a:t>
+            </a:r>
+            <a:r>
+              <a:rPr lang="es-AR" dirty="0"/>
+              <a:t> para todos los elementos de tipo button del documento.</a:t>
+            </a:r>
+          </a:p>
+          <a:p>
+            <a:pPr algn="just"/>
             <a:endParaRPr lang="es-AR" dirty="0"/>
           </a:p>
         </p:txBody>
@@ -6781,7 +6793,7 @@
     </p:spTree>
     <p:extLst>
       <p:ext uri="{BB962C8B-B14F-4D97-AF65-F5344CB8AC3E}">
-        <p14:creationId xmlns:p14="http://schemas.microsoft.com/office/powerpoint/2010/main" val="3283851970"/>
+        <p14:creationId xmlns:p14="http://schemas.microsoft.com/office/powerpoint/2010/main" val="960416135"/>
       </p:ext>
     </p:extLst>
   </p:cSld>
@@ -6813,7 +6825,7 @@
           <p:cNvPr id="2" name="Título 1">
             <a:extLst>
               <a:ext uri="{FF2B5EF4-FFF2-40B4-BE49-F238E27FC236}">
-                <a16:creationId xmlns:a16="http://schemas.microsoft.com/office/drawing/2014/main" xmlns="" id="{5116D227-E0E7-440D-B160-B3614A1F01AB}"/>
+                <a16:creationId xmlns:a16="http://schemas.microsoft.com/office/drawing/2014/main" xmlns="" id="{972770C0-9966-44A9-A15F-662917F94FC7}"/>
               </a:ext>
             </a:extLst>
           </p:cNvPr>
@@ -6831,8 +6843,21 @@
           <a:p>
             <a:r>
               <a:rPr lang="es-AR" dirty="0"/>
-              <a:t>Administración de eventos </a:t>
-            </a:r>
+              <a:t>Eventos </a:t>
+            </a:r>
+            <a:r>
+              <a:rPr lang="es-AR" dirty="0" err="1"/>
+              <a:t>mouseOver</a:t>
+            </a:r>
+            <a:r>
+              <a:rPr lang="es-AR" dirty="0"/>
+              <a:t> / </a:t>
+            </a:r>
+            <a:r>
+              <a:rPr lang="es-AR" dirty="0" err="1"/>
+              <a:t>mouseOut</a:t>
+            </a:r>
+            <a:endParaRPr lang="es-AR" dirty="0"/>
           </a:p>
         </p:txBody>
       </p:sp>
@@ -6841,7 +6866,7 @@
           <p:cNvPr id="3" name="Marcador de contenido 2">
             <a:extLst>
               <a:ext uri="{FF2B5EF4-FFF2-40B4-BE49-F238E27FC236}">
-                <a16:creationId xmlns:a16="http://schemas.microsoft.com/office/drawing/2014/main" xmlns="" id="{CB5A9A71-BA4B-4614-BD1C-781DFBE908D4}"/>
+                <a16:creationId xmlns:a16="http://schemas.microsoft.com/office/drawing/2014/main" xmlns="" id="{F1CC3C12-6671-41A8-9BAA-D3138C0A04B9}"/>
               </a:ext>
             </a:extLst>
           </p:cNvPr>
@@ -6854,109 +6879,148 @@
         </p:nvSpPr>
         <p:spPr>
           <a:xfrm>
-            <a:off x="382589" y="1257300"/>
-            <a:ext cx="11163300" cy="5147982"/>
+            <a:off x="300037" y="1490943"/>
+            <a:ext cx="11591925" cy="5128932"/>
           </a:xfrm>
         </p:spPr>
         <p:txBody>
-          <a:bodyPr>
-            <a:normAutofit/>
-          </a:bodyPr>
+          <a:bodyPr/>
           <a:lstStyle/>
           <a:p>
-            <a:pPr algn="just"/>
-            <a:r>
-              <a:rPr lang="es-AR" dirty="0"/>
-              <a:t>jQuery facilita la administración de eventos de JavaScript y lo más importante nos hace transparente la diferencia en la registración de eventos entre distintos navegadores (IExplorer, FireFox, Chrome, Safari, Opera)</a:t>
-            </a:r>
-          </a:p>
-          <a:p>
-            <a:pPr marL="0" indent="0" algn="just">
-              <a:buNone/>
-            </a:pPr>
-            <a:r>
-              <a:rPr lang="es-AR" dirty="0"/>
-              <a:t>                                  $(documento).ready(nombre de función)</a:t>
-            </a:r>
-          </a:p>
-          <a:p>
-            <a:pPr algn="just"/>
-            <a:r>
-              <a:rPr lang="es-AR" dirty="0"/>
-              <a:t>Dijimos que este función que registramos mediante el método ready se ejecuta cuando el DOM del documento está en memoria. Si no utilizamos la librería jQuery hacemos esto a través del evento load.</a:t>
-            </a:r>
-          </a:p>
-          <a:p>
-            <a:pPr algn="just"/>
-            <a:r>
-              <a:rPr lang="es-AR" dirty="0"/>
-              <a:t>Otro evento que vimos en conceptos anteriores es el </a:t>
+            <a:r>
+              <a:rPr lang="es-AR" dirty="0"/>
+              <a:t>Los eventos de JavaScript </a:t>
             </a:r>
             <a:r>
               <a:rPr lang="es-AR" dirty="0" err="1"/>
-              <a:t>click</a:t>
-            </a:r>
-            <a:r>
-              <a:rPr lang="es-AR" dirty="0"/>
-              <a:t> de un elemento, la sintaxis utilizada:</a:t>
-            </a:r>
-          </a:p>
-          <a:p>
-            <a:pPr marL="0" indent="0" algn="just">
-              <a:buNone/>
-            </a:pPr>
-            <a:r>
-              <a:rPr lang="es-AR" dirty="0"/>
-              <a:t>                                              ("button").</a:t>
+              <a:t>onmouseover</a:t>
+            </a:r>
+            <a:r>
+              <a:rPr lang="es-AR" dirty="0"/>
+              <a:t> y </a:t>
             </a:r>
             <a:r>
               <a:rPr lang="es-AR" dirty="0" err="1"/>
-              <a:t>click</a:t>
-            </a:r>
-            <a:r>
-              <a:rPr lang="es-AR" dirty="0"/>
-              <a:t>(</a:t>
+              <a:t>onmouseout</a:t>
+            </a:r>
+            <a:r>
+              <a:rPr lang="es-AR" dirty="0"/>
+              <a:t> son los equivalentes </a:t>
             </a:r>
             <a:r>
               <a:rPr lang="es-AR" dirty="0" err="1"/>
-              <a:t>presionBoton</a:t>
-            </a:r>
-            <a:r>
-              <a:rPr lang="es-AR" dirty="0"/>
-              <a:t>)</a:t>
-            </a:r>
-          </a:p>
-          <a:p>
-            <a:pPr marL="0" indent="0" algn="just">
-              <a:buNone/>
-            </a:pPr>
+              <a:t>mouseover</a:t>
+            </a:r>
+            <a:r>
+              <a:rPr lang="es-AR" dirty="0"/>
+              <a:t> y </a:t>
+            </a:r>
+            <a:r>
+              <a:rPr lang="es-AR" dirty="0" err="1"/>
+              <a:t>mouseout</a:t>
+            </a:r>
+            <a:r>
+              <a:rPr lang="es-AR" dirty="0"/>
+              <a:t> de jQuery. </a:t>
+            </a:r>
+          </a:p>
+          <a:p>
+            <a:r>
+              <a:rPr lang="es-AR" dirty="0"/>
+              <a:t>Estos eventos están generalmente unidos. </a:t>
+            </a:r>
+          </a:p>
+          <a:p>
+            <a:r>
+              <a:rPr lang="es-AR" dirty="0"/>
+              <a:t>El primero se dispara cuando ingresamos la flecha del mouse a un </a:t>
+            </a:r>
+            <a:r>
+              <a:rPr lang="es-AR" u="sng" dirty="0"/>
+              <a:t>elemento</a:t>
+            </a:r>
+            <a:r>
+              <a:rPr lang="es-AR" dirty="0"/>
+              <a:t> HTML y el segundo cuando sacamos la flecha del control.</a:t>
+            </a:r>
+          </a:p>
+          <a:p>
             <a:endParaRPr lang="es-AR" dirty="0"/>
           </a:p>
           <a:p>
-            <a:pPr algn="just"/>
-            <a:r>
-              <a:rPr lang="es-AR" dirty="0"/>
-              <a:t>Con este pequeño código registramos la función </a:t>
-            </a:r>
             <a:r>
               <a:rPr lang="es-AR" dirty="0" err="1"/>
-              <a:t>presionBoton</a:t>
-            </a:r>
-            <a:r>
-              <a:rPr lang="es-AR" dirty="0"/>
-              <a:t> para todos los elementos de tipo button del documento.</a:t>
-            </a:r>
-          </a:p>
-          <a:p>
-            <a:pPr algn="just"/>
-            <a:endParaRPr lang="es-AR" dirty="0"/>
+              <a:t>Query</a:t>
+            </a:r>
+            <a:r>
+              <a:rPr lang="es-AR" dirty="0"/>
+              <a:t> no solo mapea los eventos del DOM sino que provee otros que combinan estos.</a:t>
+            </a:r>
+          </a:p>
+          <a:p>
+            <a:r>
+              <a:rPr lang="es-AR" dirty="0"/>
+              <a:t>Como decíamos es común utilizar los eventos </a:t>
+            </a:r>
+            <a:r>
+              <a:rPr lang="es-AR" dirty="0" err="1"/>
+              <a:t>mouseover</a:t>
+            </a:r>
+            <a:r>
+              <a:rPr lang="es-AR" dirty="0"/>
+              <a:t> y </a:t>
+            </a:r>
+            <a:r>
+              <a:rPr lang="es-AR" dirty="0" err="1"/>
+              <a:t>mouseout</a:t>
+            </a:r>
+            <a:r>
+              <a:rPr lang="es-AR" dirty="0"/>
+              <a:t> en común, por eso en jQuery existe un evento llamado </a:t>
+            </a:r>
+            <a:r>
+              <a:rPr lang="es-AR" dirty="0" err="1"/>
+              <a:t>hover</a:t>
+            </a:r>
+            <a:r>
+              <a:rPr lang="es-AR" dirty="0"/>
+              <a:t> que tiene dos parámetros:</a:t>
+            </a:r>
+          </a:p>
+          <a:p>
+            <a:r>
+              <a:rPr lang="es-AR" dirty="0"/>
+              <a:t>$(elemento).</a:t>
+            </a:r>
+            <a:r>
+              <a:rPr lang="es-AR" dirty="0" err="1"/>
+              <a:t>hover</a:t>
+            </a:r>
+            <a:r>
+              <a:rPr lang="es-AR" dirty="0"/>
+              <a:t>([función de ingreso del mouse],[función de salida del mouse])</a:t>
+            </a:r>
+          </a:p>
+          <a:p>
+            <a:r>
+              <a:rPr lang="es-AR" dirty="0"/>
+              <a:t>Es decir que al evento </a:t>
+            </a:r>
+            <a:r>
+              <a:rPr lang="es-AR" dirty="0" err="1"/>
+              <a:t>hover</a:t>
+            </a:r>
+            <a:r>
+              <a:rPr lang="es-AR" dirty="0"/>
+              <a:t> asociamos dos funciones, la primera se ejecuta cuando ingresamos la flecha del mouse dentro del elemento y la segunda cuando retiramos la flecha del mouse.</a:t>
+            </a:r>
           </a:p>
         </p:txBody>
       </p:sp>
     </p:spTree>
     <p:extLst>
       <p:ext uri="{BB962C8B-B14F-4D97-AF65-F5344CB8AC3E}">
-        <p14:creationId xmlns:p14="http://schemas.microsoft.com/office/powerpoint/2010/main" val="960416135"/>
+        <p14:creationId xmlns:p14="http://schemas.microsoft.com/office/powerpoint/2010/main" val="303465492"/>
       </p:ext>
     </p:extLst>
   </p:cSld>
@@ -6988,7 +7052,7 @@
           <p:cNvPr id="2" name="Título 1">
             <a:extLst>
               <a:ext uri="{FF2B5EF4-FFF2-40B4-BE49-F238E27FC236}">
-                <a16:creationId xmlns:a16="http://schemas.microsoft.com/office/drawing/2014/main" xmlns="" id="{972770C0-9966-44A9-A15F-662917F94FC7}"/>
+                <a16:creationId xmlns:a16="http://schemas.microsoft.com/office/drawing/2014/main" xmlns="" id="{866A9286-1038-441B-9924-3C7DBF45EB08}"/>
               </a:ext>
             </a:extLst>
           </p:cNvPr>
@@ -7005,20 +7069,20 @@
           <a:lstStyle/>
           <a:p>
             <a:r>
-              <a:rPr lang="es-AR" dirty="0"/>
-              <a:t>Eventos </a:t>
-            </a:r>
-            <a:r>
-              <a:rPr lang="es-AR" dirty="0" err="1"/>
-              <a:t>mouseOver</a:t>
-            </a:r>
-            <a:r>
-              <a:rPr lang="es-AR" dirty="0"/>
+              <a:rPr lang="es-ES" dirty="0"/>
+              <a:t>Evento </a:t>
+            </a:r>
+            <a:r>
+              <a:rPr lang="es-ES" dirty="0" err="1"/>
+              <a:t>focus</a:t>
+            </a:r>
+            <a:r>
+              <a:rPr lang="es-ES" dirty="0"/>
               <a:t> / </a:t>
             </a:r>
             <a:r>
-              <a:rPr lang="es-AR" dirty="0" err="1"/>
-              <a:t>mouseOut</a:t>
+              <a:rPr lang="es-ES" dirty="0" err="1"/>
+              <a:t>blur</a:t>
             </a:r>
             <a:endParaRPr lang="es-AR" dirty="0"/>
           </a:p>
@@ -7029,7 +7093,7 @@
           <p:cNvPr id="3" name="Marcador de contenido 2">
             <a:extLst>
               <a:ext uri="{FF2B5EF4-FFF2-40B4-BE49-F238E27FC236}">
-                <a16:creationId xmlns:a16="http://schemas.microsoft.com/office/drawing/2014/main" xmlns="" id="{F1CC3C12-6671-41A8-9BAA-D3138C0A04B9}"/>
+                <a16:creationId xmlns:a16="http://schemas.microsoft.com/office/drawing/2014/main" xmlns="" id="{7E14E4B8-E093-47EA-95E4-867865DE8E72}"/>
               </a:ext>
             </a:extLst>
           </p:cNvPr>
@@ -7040,23 +7104,66 @@
             <p:ph idx="1"/>
           </p:nvPr>
         </p:nvSpPr>
-        <p:spPr>
-          <a:xfrm>
-            <a:off x="300037" y="1490943"/>
-            <a:ext cx="11591925" cy="5128932"/>
-          </a:xfrm>
-        </p:spPr>
+        <p:spPr/>
         <p:txBody>
           <a:bodyPr/>
           <a:lstStyle/>
           <a:p>
             <a:r>
               <a:rPr lang="es-AR" dirty="0"/>
-              <a:t>Los eventos de JavaScript </a:t>
+              <a:t>El evento </a:t>
             </a:r>
             <a:r>
               <a:rPr lang="es-AR" dirty="0" err="1"/>
-              <a:t>onmouseover</a:t>
+              <a:t>focus</a:t>
+            </a:r>
+            <a:r>
+              <a:rPr lang="es-AR" dirty="0"/>
+              <a:t> se produce cuando se activa el control. Podemos capturar el evento </a:t>
+            </a:r>
+            <a:r>
+              <a:rPr lang="es-AR" dirty="0" err="1"/>
+              <a:t>focus</a:t>
+            </a:r>
+            <a:r>
+              <a:rPr lang="es-AR" dirty="0"/>
+              <a:t> de un control de tipo text, </a:t>
+            </a:r>
+            <a:r>
+              <a:rPr lang="es-AR" dirty="0" err="1"/>
+              <a:t>textarea</a:t>
+            </a:r>
+            <a:r>
+              <a:rPr lang="es-AR" dirty="0"/>
+              <a:t>, button, </a:t>
+            </a:r>
+            <a:r>
+              <a:rPr lang="es-AR" dirty="0" err="1"/>
+              <a:t>checkbox</a:t>
+            </a:r>
+            <a:r>
+              <a:rPr lang="es-AR" dirty="0"/>
+              <a:t>, </a:t>
+            </a:r>
+            <a:r>
+              <a:rPr lang="es-AR" dirty="0" err="1"/>
+              <a:t>fileupload</a:t>
+            </a:r>
+            <a:r>
+              <a:rPr lang="es-AR" dirty="0"/>
+              <a:t>, </a:t>
+            </a:r>
+            <a:r>
+              <a:rPr lang="es-AR" dirty="0" err="1"/>
+              <a:t>password</a:t>
+            </a:r>
+            <a:r>
+              <a:rPr lang="es-AR" dirty="0"/>
+              <a:t>, radio, </a:t>
+            </a:r>
+            <a:r>
+              <a:rPr lang="es-AR" dirty="0" err="1"/>
+              <a:t>reset</a:t>
             </a:r>
             <a:r>
               <a:rPr lang="es-AR" dirty="0"/>
@@ -7064,15 +7171,79 @@
             </a:r>
             <a:r>
               <a:rPr lang="es-AR" dirty="0" err="1"/>
-              <a:t>onmouseout</a:t>
-            </a:r>
-            <a:r>
-              <a:rPr lang="es-AR" dirty="0"/>
-              <a:t> son los equivalentes </a:t>
+              <a:t>submit</a:t>
+            </a:r>
+            <a:r>
+              <a:rPr lang="es-AR" dirty="0"/>
+              <a:t>.</a:t>
+            </a:r>
+          </a:p>
+          <a:p>
+            <a:endParaRPr lang="es-AR" dirty="0"/>
+          </a:p>
+          <a:p>
+            <a:r>
+              <a:rPr lang="es-AR" dirty="0"/>
+              <a:t>El evento </a:t>
             </a:r>
             <a:r>
               <a:rPr lang="es-AR" dirty="0" err="1"/>
-              <a:t>mouseover</a:t>
+              <a:t>blur</a:t>
+            </a:r>
+            <a:r>
+              <a:rPr lang="es-AR" dirty="0"/>
+              <a:t> se dispara cuando pierde el foco el control.</a:t>
+            </a:r>
+            <a:br>
+              <a:rPr lang="es-AR" dirty="0"/>
+            </a:br>
+            <a:r>
+              <a:rPr lang="es-AR" dirty="0"/>
+              <a:t>Podemos capturar el evento </a:t>
+            </a:r>
+            <a:r>
+              <a:rPr lang="es-AR" dirty="0" err="1"/>
+              <a:t>blur</a:t>
+            </a:r>
+            <a:r>
+              <a:rPr lang="es-AR" dirty="0"/>
+              <a:t> de un control de tipo text, </a:t>
+            </a:r>
+            <a:r>
+              <a:rPr lang="es-AR" dirty="0" err="1"/>
+              <a:t>textarea</a:t>
+            </a:r>
+            <a:r>
+              <a:rPr lang="es-AR" dirty="0"/>
+              <a:t>, button, </a:t>
+            </a:r>
+            <a:r>
+              <a:rPr lang="es-AR" dirty="0" err="1"/>
+              <a:t>checkbox</a:t>
+            </a:r>
+            <a:r>
+              <a:rPr lang="es-AR" dirty="0"/>
+              <a:t>, </a:t>
+            </a:r>
+            <a:r>
+              <a:rPr lang="es-AR" dirty="0" err="1"/>
+              <a:t>fileupload</a:t>
+            </a:r>
+            <a:r>
+              <a:rPr lang="es-AR" dirty="0"/>
+              <a:t>, </a:t>
+            </a:r>
+            <a:r>
+              <a:rPr lang="es-AR" dirty="0" err="1"/>
+              <a:t>password</a:t>
+            </a:r>
+            <a:r>
+              <a:rPr lang="es-AR" dirty="0"/>
+              <a:t>, radio, </a:t>
+            </a:r>
+            <a:r>
+              <a:rPr lang="es-AR" dirty="0" err="1"/>
+              <a:t>reset</a:t>
             </a:r>
             <a:r>
               <a:rPr lang="es-AR" dirty="0"/>
@@ -7080,102 +7251,11 @@
             </a:r>
             <a:r>
               <a:rPr lang="es-AR" dirty="0" err="1"/>
-              <a:t>mouseout</a:t>
-            </a:r>
-            <a:r>
-              <a:rPr lang="es-AR" dirty="0"/>
-              <a:t> de jQuery. </a:t>
-            </a:r>
-          </a:p>
-          <a:p>
-            <a:r>
-              <a:rPr lang="es-AR" dirty="0"/>
-              <a:t>Estos eventos están generalmente unidos. </a:t>
-            </a:r>
-          </a:p>
-          <a:p>
-            <a:r>
-              <a:rPr lang="es-AR" dirty="0"/>
-              <a:t>El primero se dispara cuando ingresamos la flecha del mouse a un </a:t>
-            </a:r>
-            <a:r>
-              <a:rPr lang="es-AR" u="sng" dirty="0"/>
-              <a:t>elemento</a:t>
-            </a:r>
-            <a:r>
-              <a:rPr lang="es-AR" dirty="0"/>
-              <a:t> HTML y el segundo cuando sacamos la flecha del control.</a:t>
-            </a:r>
-          </a:p>
-          <a:p>
-            <a:endParaRPr lang="es-AR" dirty="0"/>
-          </a:p>
-          <a:p>
-            <a:r>
-              <a:rPr lang="es-AR" dirty="0" err="1"/>
-              <a:t>Query</a:t>
-            </a:r>
-            <a:r>
-              <a:rPr lang="es-AR" dirty="0"/>
-              <a:t> no solo mapea los eventos del DOM sino que provee otros que combinan estos.</a:t>
-            </a:r>
-          </a:p>
-          <a:p>
-            <a:r>
-              <a:rPr lang="es-AR" dirty="0"/>
-              <a:t>Como decíamos es común utilizar los eventos </a:t>
-            </a:r>
-            <a:r>
-              <a:rPr lang="es-AR" dirty="0" err="1"/>
-              <a:t>mouseover</a:t>
-            </a:r>
-            <a:r>
-              <a:rPr lang="es-AR" dirty="0"/>
-              <a:t> y </a:t>
-            </a:r>
-            <a:r>
-              <a:rPr lang="es-AR" dirty="0" err="1"/>
-              <a:t>mouseout</a:t>
-            </a:r>
-            <a:r>
-              <a:rPr lang="es-AR" dirty="0"/>
-              <a:t> en común, por eso en jQuery existe un evento llamado </a:t>
-            </a:r>
-            <a:r>
-              <a:rPr lang="es-AR" dirty="0" err="1"/>
-              <a:t>hover</a:t>
-            </a:r>
-            <a:r>
-              <a:rPr lang="es-AR" dirty="0"/>
-              <a:t> que tiene dos parámetros:</a:t>
-            </a:r>
-          </a:p>
-          <a:p>
-            <a:r>
-              <a:rPr lang="es-AR" dirty="0"/>
-              <a:t>$(elemento).</a:t>
-            </a:r>
-            <a:r>
-              <a:rPr lang="es-AR" dirty="0" err="1"/>
-              <a:t>hover</a:t>
-            </a:r>
-            <a:r>
-              <a:rPr lang="es-AR" dirty="0"/>
-              <a:t>([función de ingreso del mouse],[función de salida del mouse])</a:t>
-            </a:r>
-          </a:p>
-          <a:p>
-            <a:r>
-              <a:rPr lang="es-AR" dirty="0"/>
-              <a:t>Es decir que al evento </a:t>
-            </a:r>
-            <a:r>
-              <a:rPr lang="es-AR" dirty="0" err="1"/>
-              <a:t>hover</a:t>
-            </a:r>
-            <a:r>
-              <a:rPr lang="es-AR" dirty="0"/>
-              <a:t> asociamos dos funciones, la primera se ejecuta cuando ingresamos la flecha del mouse dentro del elemento y la segunda cuando retiramos la flecha del mouse.</a:t>
+              <a:t>submit</a:t>
+            </a:r>
+            <a:r>
+              <a:rPr lang="es-AR" dirty="0"/>
+              <a:t>.</a:t>
             </a:r>
           </a:p>
         </p:txBody>
@@ -7183,7 +7263,7 @@
     </p:spTree>
     <p:extLst>
       <p:ext uri="{BB962C8B-B14F-4D97-AF65-F5344CB8AC3E}">
-        <p14:creationId xmlns:p14="http://schemas.microsoft.com/office/powerpoint/2010/main" val="303465492"/>
+        <p14:creationId xmlns:p14="http://schemas.microsoft.com/office/powerpoint/2010/main" val="3323803779"/>
       </p:ext>
     </p:extLst>
   </p:cSld>
@@ -7215,7 +7295,7 @@
           <p:cNvPr id="2" name="Título 1">
             <a:extLst>
               <a:ext uri="{FF2B5EF4-FFF2-40B4-BE49-F238E27FC236}">
-                <a16:creationId xmlns:a16="http://schemas.microsoft.com/office/drawing/2014/main" xmlns="" id="{866A9286-1038-441B-9924-3C7DBF45EB08}"/>
+                <a16:creationId xmlns:a16="http://schemas.microsoft.com/office/drawing/2014/main" xmlns="" id="{1EA4DD78-51E9-4A09-97AB-00EC56D5E854}"/>
               </a:ext>
             </a:extLst>
           </p:cNvPr>
@@ -7233,19 +7313,7 @@
           <a:p>
             <a:r>
               <a:rPr lang="es-ES" dirty="0"/>
-              <a:t>Evento </a:t>
-            </a:r>
-            <a:r>
-              <a:rPr lang="es-ES" dirty="0" err="1"/>
-              <a:t>focus</a:t>
-            </a:r>
-            <a:r>
-              <a:rPr lang="es-ES" dirty="0"/>
-              <a:t> / </a:t>
-            </a:r>
-            <a:r>
-              <a:rPr lang="es-ES" dirty="0" err="1"/>
-              <a:t>blur</a:t>
+              <a:t>Manipulación de los elementos del DOM</a:t>
             </a:r>
             <a:endParaRPr lang="es-AR" dirty="0"/>
           </a:p>
@@ -7256,7 +7324,7 @@
           <p:cNvPr id="3" name="Marcador de contenido 2">
             <a:extLst>
               <a:ext uri="{FF2B5EF4-FFF2-40B4-BE49-F238E27FC236}">
-                <a16:creationId xmlns:a16="http://schemas.microsoft.com/office/drawing/2014/main" xmlns="" id="{7E14E4B8-E093-47EA-95E4-867865DE8E72}"/>
+                <a16:creationId xmlns:a16="http://schemas.microsoft.com/office/drawing/2014/main" xmlns="" id="{99272891-A30D-4385-B254-FD4DDC6D480F}"/>
               </a:ext>
             </a:extLst>
           </p:cNvPr>
@@ -7267,166 +7335,134 @@
             <p:ph idx="1"/>
           </p:nvPr>
         </p:nvSpPr>
-        <p:spPr/>
+        <p:spPr>
+          <a:xfrm>
+            <a:off x="645131" y="2085975"/>
+            <a:ext cx="11003943" cy="4162424"/>
+          </a:xfrm>
+        </p:spPr>
         <p:txBody>
           <a:bodyPr/>
           <a:lstStyle/>
           <a:p>
             <a:r>
               <a:rPr lang="es-AR" dirty="0"/>
-              <a:t>El evento </a:t>
+              <a:t>jQuery dispone de una serie de métodos que nos facilitan el tratamiento de los elementos del Dom.</a:t>
+            </a:r>
+          </a:p>
+          <a:p>
+            <a:r>
+              <a:rPr lang="es-AR" dirty="0"/>
+              <a:t>Si queremos eliminar los elementos contenidos dentro de una etiqueta ( lista, tabla, select, etc.) podemos utilizar la función </a:t>
             </a:r>
             <a:r>
               <a:rPr lang="es-AR" dirty="0" err="1"/>
-              <a:t>focus</a:t>
-            </a:r>
-            <a:r>
-              <a:rPr lang="es-AR" dirty="0"/>
-              <a:t> se produce cuando se activa el control. Podemos capturar el evento </a:t>
+              <a:t>empty</a:t>
+            </a:r>
+            <a:r>
+              <a:rPr lang="es-AR" dirty="0"/>
+              <a:t>()</a:t>
+            </a:r>
+          </a:p>
+          <a:p>
+            <a:pPr marL="0" indent="0">
+              <a:buNone/>
+            </a:pPr>
+            <a:r>
+              <a:rPr lang="es-AR" dirty="0"/>
+              <a:t>                                                 $(‘</a:t>
             </a:r>
             <a:r>
               <a:rPr lang="es-AR" dirty="0" err="1"/>
-              <a:t>focus</a:t>
-            </a:r>
-            <a:r>
-              <a:rPr lang="es-AR" dirty="0"/>
-              <a:t> de un control de tipo text, </a:t>
+              <a:t>ul</a:t>
+            </a:r>
+            <a:r>
+              <a:rPr lang="es-AR" dirty="0"/>
+              <a:t>’).</a:t>
             </a:r>
             <a:r>
               <a:rPr lang="es-AR" dirty="0" err="1"/>
-              <a:t>textarea</a:t>
-            </a:r>
-            <a:r>
-              <a:rPr lang="es-AR" dirty="0"/>
-              <a:t>, button, </a:t>
+              <a:t>empty</a:t>
+            </a:r>
+            <a:r>
+              <a:rPr lang="es-AR" dirty="0"/>
+              <a:t>();</a:t>
+            </a:r>
+          </a:p>
+          <a:p>
+            <a:r>
+              <a:rPr lang="es-AR" dirty="0"/>
+              <a:t>Para añadir un elemento al final de una colección se puede usar </a:t>
             </a:r>
             <a:r>
               <a:rPr lang="es-AR" dirty="0" err="1"/>
-              <a:t>checkbox</a:t>
-            </a:r>
-            <a:r>
-              <a:rPr lang="es-AR" dirty="0"/>
-              <a:t>, </a:t>
+              <a:t>append</a:t>
+            </a:r>
+            <a:r>
+              <a:rPr lang="es-AR" dirty="0"/>
+              <a:t>().</a:t>
+            </a:r>
+          </a:p>
+          <a:p>
+            <a:r>
+              <a:rPr lang="es-AR" dirty="0"/>
+              <a:t>Para añadir un elemento al inicio de una colección se puede usar </a:t>
             </a:r>
             <a:r>
               <a:rPr lang="es-AR" dirty="0" err="1"/>
-              <a:t>fileupload</a:t>
-            </a:r>
-            <a:r>
-              <a:rPr lang="es-AR" dirty="0"/>
-              <a:t>, </a:t>
+              <a:t>prepend</a:t>
+            </a:r>
+            <a:r>
+              <a:rPr lang="es-AR" dirty="0"/>
+              <a:t>().</a:t>
+            </a:r>
+          </a:p>
+          <a:p>
+            <a:r>
+              <a:rPr lang="es-AR" dirty="0"/>
+              <a:t>Si queremos obtener la referencia a un elemento dentro de la lista lo podemos hacer con la función </a:t>
             </a:r>
             <a:r>
               <a:rPr lang="es-AR" dirty="0" err="1"/>
-              <a:t>password</a:t>
-            </a:r>
-            <a:r>
-              <a:rPr lang="es-AR" dirty="0"/>
-              <a:t>, radio, </a:t>
+              <a:t>eq</a:t>
+            </a:r>
+            <a:r>
+              <a:rPr lang="es-AR" dirty="0"/>
+              <a:t>  (</a:t>
             </a:r>
             <a:r>
               <a:rPr lang="es-AR" dirty="0" err="1"/>
-              <a:t>reset</a:t>
-            </a:r>
-            <a:r>
-              <a:rPr lang="es-AR" dirty="0"/>
-              <a:t> y </a:t>
-            </a:r>
-            <a:r>
-              <a:rPr lang="es-AR" dirty="0" err="1"/>
-              <a:t>submit</a:t>
-            </a:r>
-            <a:r>
-              <a:rPr lang="es-AR" dirty="0"/>
-              <a:t>.</a:t>
+              <a:t>equal</a:t>
+            </a:r>
+            <a:r>
+              <a:rPr lang="es-AR" dirty="0"/>
+              <a:t>) pasándole el índice del elemento.</a:t>
+            </a:r>
+          </a:p>
+          <a:p>
+            <a:r>
+              <a:rPr lang="es-AR" dirty="0"/>
+              <a:t>Para eliminar un elemento usamos la función remove.</a:t>
             </a:r>
           </a:p>
           <a:p>
             <a:endParaRPr lang="es-AR" dirty="0"/>
           </a:p>
           <a:p>
-            <a:r>
-              <a:rPr lang="es-AR" dirty="0"/>
-              <a:t>El evento </a:t>
-            </a:r>
-            <a:r>
-              <a:rPr lang="es-AR" dirty="0" err="1"/>
-              <a:t>blur</a:t>
-            </a:r>
-            <a:r>
-              <a:rPr lang="es-AR" dirty="0"/>
-              <a:t> se dispara cuando pierde el foco el control.</a:t>
-            </a:r>
-            <a:br>
-              <a:rPr lang="es-AR" dirty="0"/>
-            </a:br>
-            <a:r>
-              <a:rPr lang="es-AR" dirty="0"/>
-              <a:t>Podemos capturar el evento </a:t>
-            </a:r>
-            <a:r>
-              <a:rPr lang="es-AR" dirty="0" err="1"/>
-              <a:t>blur</a:t>
-            </a:r>
-            <a:r>
-              <a:rPr lang="es-AR" dirty="0"/>
-              <a:t> de un control de tipo text, </a:t>
-            </a:r>
-            <a:r>
-              <a:rPr lang="es-AR" dirty="0" err="1"/>
-              <a:t>textarea</a:t>
-            </a:r>
-            <a:r>
-              <a:rPr lang="es-AR" dirty="0"/>
-              <a:t>, button, </a:t>
-            </a:r>
-            <a:r>
-              <a:rPr lang="es-AR" dirty="0" err="1"/>
-              <a:t>checkbox</a:t>
-            </a:r>
-            <a:r>
-              <a:rPr lang="es-AR" dirty="0"/>
-              <a:t>, </a:t>
-            </a:r>
-            <a:r>
-              <a:rPr lang="es-AR" dirty="0" err="1"/>
-              <a:t>fileupload</a:t>
-            </a:r>
-            <a:r>
-              <a:rPr lang="es-AR" dirty="0"/>
-              <a:t>, </a:t>
-            </a:r>
-            <a:r>
-              <a:rPr lang="es-AR" dirty="0" err="1"/>
-              <a:t>password</a:t>
-            </a:r>
-            <a:r>
-              <a:rPr lang="es-AR" dirty="0"/>
-              <a:t>, radio, </a:t>
-            </a:r>
-            <a:r>
-              <a:rPr lang="es-AR" dirty="0" err="1"/>
-              <a:t>reset</a:t>
-            </a:r>
-            <a:r>
-              <a:rPr lang="es-AR" dirty="0"/>
-              <a:t> y </a:t>
-            </a:r>
-            <a:r>
-              <a:rPr lang="es-AR" dirty="0" err="1"/>
-              <a:t>submit</a:t>
-            </a:r>
-            <a:r>
-              <a:rPr lang="es-AR" dirty="0"/>
-              <a:t>.</a:t>
-            </a:r>
+            <a:pPr marL="0" indent="0">
+              <a:buNone/>
+            </a:pPr>
+            <a:endParaRPr lang="es-AR" dirty="0"/>
+          </a:p>
+          <a:p>
+            <a:endParaRPr lang="es-AR" u="sng" dirty="0"/>
           </a:p>
         </p:txBody>
       </p:sp>
     </p:spTree>
     <p:extLst>
       <p:ext uri="{BB962C8B-B14F-4D97-AF65-F5344CB8AC3E}">
-        <p14:creationId xmlns:p14="http://schemas.microsoft.com/office/powerpoint/2010/main" val="3323803779"/>
+        <p14:creationId xmlns:p14="http://schemas.microsoft.com/office/powerpoint/2010/main" val="2400480109"/>
       </p:ext>
     </p:extLst>
   </p:cSld>
@@ -7458,7 +7494,7 @@
           <p:cNvPr id="2" name="Título 1">
             <a:extLst>
               <a:ext uri="{FF2B5EF4-FFF2-40B4-BE49-F238E27FC236}">
-                <a16:creationId xmlns:a16="http://schemas.microsoft.com/office/drawing/2014/main" xmlns="" id="{1EA4DD78-51E9-4A09-97AB-00EC56D5E854}"/>
+                <a16:creationId xmlns:a16="http://schemas.microsoft.com/office/drawing/2014/main" xmlns="" id="{ED381788-FBC9-4C97-B3DA-D348D7F34D4F}"/>
               </a:ext>
             </a:extLst>
           </p:cNvPr>
@@ -7475,10 +7511,9 @@
           <a:lstStyle/>
           <a:p>
             <a:r>
-              <a:rPr lang="es-ES" dirty="0"/>
-              <a:t>Manipulación de los elementos del DOM</a:t>
-            </a:r>
-            <a:endParaRPr lang="es-AR" dirty="0"/>
+              <a:rPr lang="es-AR" dirty="0"/>
+              <a:t>Efectos con show / hide</a:t>
+            </a:r>
           </a:p>
         </p:txBody>
       </p:sp>
@@ -7487,7 +7522,7 @@
           <p:cNvPr id="3" name="Marcador de contenido 2">
             <a:extLst>
               <a:ext uri="{FF2B5EF4-FFF2-40B4-BE49-F238E27FC236}">
-                <a16:creationId xmlns:a16="http://schemas.microsoft.com/office/drawing/2014/main" xmlns="" id="{99272891-A30D-4385-B254-FD4DDC6D480F}"/>
+                <a16:creationId xmlns:a16="http://schemas.microsoft.com/office/drawing/2014/main" xmlns="" id="{E336F88A-3E64-40DB-9DFE-4E3BC25D9B4A}"/>
               </a:ext>
             </a:extLst>
           </p:cNvPr>
@@ -7500,8 +7535,8 @@
         </p:nvSpPr>
         <p:spPr>
           <a:xfrm>
-            <a:off x="645131" y="2085975"/>
-            <a:ext cx="11003943" cy="4162424"/>
+            <a:off x="646111" y="1647825"/>
+            <a:ext cx="11088689" cy="4876799"/>
           </a:xfrm>
         </p:spPr>
         <p:txBody>
@@ -7510,122 +7545,45 @@
           <a:p>
             <a:r>
               <a:rPr lang="es-AR" dirty="0"/>
-              <a:t>jQuery dispone de una serie de métodos que nos facilitan el tratamiento de los elementos del Dom.</a:t>
-            </a:r>
-          </a:p>
-          <a:p>
-            <a:r>
-              <a:rPr lang="es-AR" dirty="0"/>
-              <a:t>Si queremos eliminar los elementos contenidos dentro de una etiqueta ( lista, tabla, select, etc.) podemos utilizar la función </a:t>
-            </a:r>
-            <a:r>
-              <a:rPr lang="es-AR" dirty="0" err="1"/>
-              <a:t>empty</a:t>
-            </a:r>
-            <a:r>
-              <a:rPr lang="es-AR" dirty="0"/>
-              <a:t>()</a:t>
-            </a:r>
-          </a:p>
-          <a:p>
-            <a:pPr marL="0" indent="0">
-              <a:buNone/>
-            </a:pPr>
-            <a:r>
-              <a:rPr lang="es-AR" dirty="0"/>
-              <a:t>                                                 $(‘</a:t>
-            </a:r>
-            <a:r>
-              <a:rPr lang="es-AR" dirty="0" err="1"/>
-              <a:t>ul</a:t>
-            </a:r>
-            <a:r>
-              <a:rPr lang="es-AR" dirty="0"/>
-              <a:t>’).</a:t>
-            </a:r>
-            <a:r>
-              <a:rPr lang="es-AR" dirty="0" err="1"/>
-              <a:t>empty</a:t>
-            </a:r>
-            <a:r>
-              <a:rPr lang="es-AR" dirty="0"/>
-              <a:t>();</a:t>
-            </a:r>
-          </a:p>
-          <a:p>
-            <a:r>
-              <a:rPr lang="es-AR" dirty="0"/>
-              <a:t>Para añadir un elemento al final de una colección se puede usar </a:t>
-            </a:r>
-            <a:r>
-              <a:rPr lang="es-AR" dirty="0" err="1"/>
-              <a:t>append</a:t>
-            </a:r>
-            <a:r>
-              <a:rPr lang="es-AR" dirty="0"/>
-              <a:t>().</a:t>
-            </a:r>
-          </a:p>
-          <a:p>
-            <a:r>
-              <a:rPr lang="es-AR" dirty="0"/>
-              <a:t>Para añadir un elemento al inicio de una colección se puede usar </a:t>
-            </a:r>
-            <a:r>
-              <a:rPr lang="es-AR" dirty="0" err="1"/>
-              <a:t>prepend</a:t>
-            </a:r>
-            <a:r>
-              <a:rPr lang="es-AR" dirty="0"/>
-              <a:t>().</a:t>
-            </a:r>
-          </a:p>
-          <a:p>
-            <a:r>
-              <a:rPr lang="es-AR" dirty="0"/>
-              <a:t>Si queremos obtener la referencia a un elemento dentro de la lista lo podemos hacer con la función </a:t>
-            </a:r>
-            <a:r>
-              <a:rPr lang="es-AR" dirty="0" err="1"/>
-              <a:t>eq</a:t>
-            </a:r>
-            <a:r>
-              <a:rPr lang="es-AR" dirty="0"/>
-              <a:t>  (</a:t>
-            </a:r>
-            <a:r>
-              <a:rPr lang="es-AR" dirty="0" err="1"/>
-              <a:t>equal</a:t>
-            </a:r>
-            <a:r>
-              <a:rPr lang="es-AR" dirty="0"/>
-              <a:t>) pasándole el índice del elemento.</a:t>
-            </a:r>
-          </a:p>
-          <a:p>
-            <a:r>
-              <a:rPr lang="es-AR" dirty="0"/>
-              <a:t>Para eliminar un elemento usamos la función remove.</a:t>
+              <a:t>Una característica muy interesante de jQuery que nos provee de un serie de efectos visuales.</a:t>
             </a:r>
           </a:p>
           <a:p>
             <a:endParaRPr lang="es-AR" dirty="0"/>
           </a:p>
           <a:p>
-            <a:pPr marL="0" indent="0">
-              <a:buNone/>
-            </a:pPr>
+            <a:r>
+              <a:rPr lang="es-AR" dirty="0"/>
+              <a:t>Los métodos hide() y show(), tienen por objetivo ocultar y mostrar elementos HTML. </a:t>
+            </a:r>
+          </a:p>
+          <a:p>
             <a:endParaRPr lang="es-AR" dirty="0"/>
           </a:p>
           <a:p>
-            <a:endParaRPr lang="es-AR" u="sng" dirty="0"/>
+            <a:r>
+              <a:rPr lang="es-AR" dirty="0"/>
+              <a:t>Veremos que podemos hacer que cuando se oculte o muestre un elemento lo haga con una pequeña animación (que se oculte o muestre lentamente)</a:t>
+            </a:r>
+          </a:p>
+          <a:p>
+            <a:endParaRPr lang="es-AR" dirty="0"/>
+          </a:p>
+          <a:p>
+            <a:r>
+              <a:rPr lang="es-AR" dirty="0"/>
+              <a:t>Estas características pueden ayudar al usuario a concentrarse en una parte de la página donde sucede la animación</a:t>
+            </a:r>
+          </a:p>
+          <a:p>
+            <a:endParaRPr lang="es-AR" dirty="0"/>
           </a:p>
         </p:txBody>
       </p:sp>
     </p:spTree>
     <p:extLst>
       <p:ext uri="{BB962C8B-B14F-4D97-AF65-F5344CB8AC3E}">
-        <p14:creationId xmlns:p14="http://schemas.microsoft.com/office/powerpoint/2010/main" val="2400480109"/>
+        <p14:creationId xmlns:p14="http://schemas.microsoft.com/office/powerpoint/2010/main" val="363279525"/>
       </p:ext>
     </p:extLst>
   </p:cSld>
@@ -7657,7 +7615,7 @@
           <p:cNvPr id="2" name="Título 1">
             <a:extLst>
               <a:ext uri="{FF2B5EF4-FFF2-40B4-BE49-F238E27FC236}">
-                <a16:creationId xmlns:a16="http://schemas.microsoft.com/office/drawing/2014/main" xmlns="" id="{ED381788-FBC9-4C97-B3DA-D348D7F34D4F}"/>
+                <a16:creationId xmlns:a16="http://schemas.microsoft.com/office/drawing/2014/main" xmlns="" id="{11311917-597D-419E-AA57-ECE4F9934CD4}"/>
               </a:ext>
             </a:extLst>
           </p:cNvPr>
@@ -7675,7 +7633,7 @@
           <a:p>
             <a:r>
               <a:rPr lang="es-AR" dirty="0"/>
-              <a:t>Efectos con show / hide</a:t>
+              <a:t>Efectos con show / hide II</a:t>
             </a:r>
           </a:p>
         </p:txBody>
@@ -7685,7 +7643,7 @@
           <p:cNvPr id="3" name="Marcador de contenido 2">
             <a:extLst>
               <a:ext uri="{FF2B5EF4-FFF2-40B4-BE49-F238E27FC236}">
-                <a16:creationId xmlns:a16="http://schemas.microsoft.com/office/drawing/2014/main" xmlns="" id="{E336F88A-3E64-40DB-9DFE-4E3BC25D9B4A}"/>
+                <a16:creationId xmlns:a16="http://schemas.microsoft.com/office/drawing/2014/main" xmlns="" id="{5CC20569-D683-4FD2-80FA-0B06D40ABB88}"/>
               </a:ext>
             </a:extLst>
           </p:cNvPr>
@@ -7698,55 +7656,118 @@
         </p:nvSpPr>
         <p:spPr>
           <a:xfrm>
-            <a:off x="646111" y="1647825"/>
-            <a:ext cx="11088689" cy="4876799"/>
+            <a:off x="645132" y="2052918"/>
+            <a:ext cx="10118118" cy="4614582"/>
           </a:xfrm>
         </p:spPr>
         <p:txBody>
-          <a:bodyPr/>
+          <a:bodyPr>
+            <a:normAutofit fontScale="92500" lnSpcReduction="10000"/>
+          </a:bodyPr>
           <a:lstStyle/>
           <a:p>
             <a:r>
               <a:rPr lang="es-AR" dirty="0"/>
-              <a:t>Una característica muy interesante de jQuery que nos provee de un serie de efectos visuales.</a:t>
+              <a:t>Hay varias formas para llamar a los métodos show y hide:</a:t>
             </a:r>
           </a:p>
           <a:p>
             <a:endParaRPr lang="es-AR" dirty="0"/>
           </a:p>
           <a:p>
-            <a:r>
-              <a:rPr lang="es-AR" dirty="0"/>
-              <a:t>Los métodos hide() y show(), tienen por objetivo ocultar y mostrar elementos HTML. </a:t>
-            </a:r>
-          </a:p>
-          <a:p>
-            <a:endParaRPr lang="es-AR" dirty="0"/>
-          </a:p>
-          <a:p>
-            <a:r>
-              <a:rPr lang="es-AR" dirty="0"/>
-              <a:t>Veremos que podemos hacer que cuando se oculte o muestre un elemento lo haga con una pequeña animación (que se oculte o muestre lentamente)</a:t>
-            </a:r>
-          </a:p>
-          <a:p>
-            <a:endParaRPr lang="es-AR" dirty="0"/>
-          </a:p>
-          <a:p>
-            <a:r>
-              <a:rPr lang="es-AR" dirty="0"/>
-              <a:t>Estas características pueden ayudar al usuario a concentrarse en una parte de la página donde sucede la animación</a:t>
-            </a:r>
-          </a:p>
-          <a:p>
-            <a:endParaRPr lang="es-AR" dirty="0"/>
+            <a:pPr marL="0" indent="0">
+              <a:buNone/>
+            </a:pPr>
+            <a:r>
+              <a:rPr lang="es-AR" dirty="0"/>
+              <a:t>       Lo muestra en forma instantánea:       show() </a:t>
+            </a:r>
+          </a:p>
+          <a:p>
+            <a:pPr marL="0" indent="0">
+              <a:buNone/>
+            </a:pPr>
+            <a:r>
+              <a:rPr lang="es-AR" dirty="0"/>
+              <a:t>       Lo muestra con una animación rápida:   show("</a:t>
+            </a:r>
+            <a:r>
+              <a:rPr lang="es-AR" dirty="0" err="1"/>
+              <a:t>fast</a:t>
+            </a:r>
+            <a:r>
+              <a:rPr lang="es-AR" dirty="0"/>
+              <a:t>")</a:t>
+            </a:r>
+          </a:p>
+          <a:p>
+            <a:pPr marL="0" indent="0">
+              <a:buNone/>
+            </a:pPr>
+            <a:r>
+              <a:rPr lang="es-AR" dirty="0"/>
+              <a:t>       Lo muestra con una animación normal:  show("normal")</a:t>
+            </a:r>
+          </a:p>
+          <a:p>
+            <a:pPr marL="0" indent="0">
+              <a:buNone/>
+            </a:pPr>
+            <a:r>
+              <a:rPr lang="es-AR" dirty="0"/>
+              <a:t>      Lo muestra con una animación lenta:   show("</a:t>
+            </a:r>
+            <a:r>
+              <a:rPr lang="es-AR" dirty="0" err="1"/>
+              <a:t>slow</a:t>
+            </a:r>
+            <a:r>
+              <a:rPr lang="es-AR" dirty="0"/>
+              <a:t>")</a:t>
+            </a:r>
+          </a:p>
+          <a:p>
+            <a:pPr marL="0" indent="0">
+              <a:buNone/>
+            </a:pPr>
+            <a:r>
+              <a:rPr lang="es-AR" dirty="0"/>
+              <a:t>      Lo muestra con una animación que tarda tantos milisegundos como le     indicamos:</a:t>
+            </a:r>
+          </a:p>
+          <a:p>
+            <a:pPr marL="0" indent="0">
+              <a:buNone/>
+            </a:pPr>
+            <a:r>
+              <a:rPr lang="es-AR" dirty="0"/>
+              <a:t>       show([cantidad de milisegundos])</a:t>
+            </a:r>
+          </a:p>
+          <a:p>
+            <a:pPr marL="0" indent="0">
+              <a:buNone/>
+            </a:pPr>
+            <a:r>
+              <a:rPr lang="es-AR" dirty="0"/>
+              <a:t>      Lo muestra con una animación que tarda tantos milisegundos como le indicamos y ejecuta al final la función que le pasamos como segundo parámetro:</a:t>
+            </a:r>
+          </a:p>
+          <a:p>
+            <a:pPr marL="0" indent="0">
+              <a:buNone/>
+            </a:pPr>
+            <a:r>
+              <a:rPr lang="es-AR" dirty="0"/>
+              <a:t>       show([cantidad de milisegundos],[función])</a:t>
+            </a:r>
           </a:p>
         </p:txBody>
       </p:sp>
     </p:spTree>
     <p:extLst>
       <p:ext uri="{BB962C8B-B14F-4D97-AF65-F5344CB8AC3E}">
-        <p14:creationId xmlns:p14="http://schemas.microsoft.com/office/powerpoint/2010/main" val="363279525"/>
+        <p14:creationId xmlns:p14="http://schemas.microsoft.com/office/powerpoint/2010/main" val="66145373"/>
       </p:ext>
     </p:extLst>
   </p:cSld>
@@ -7778,7 +7799,7 @@
           <p:cNvPr id="2" name="Título 1">
             <a:extLst>
               <a:ext uri="{FF2B5EF4-FFF2-40B4-BE49-F238E27FC236}">
-                <a16:creationId xmlns:a16="http://schemas.microsoft.com/office/drawing/2014/main" xmlns="" id="{11311917-597D-419E-AA57-ECE4F9934CD4}"/>
+                <a16:creationId xmlns:a16="http://schemas.microsoft.com/office/drawing/2014/main" xmlns="" id="{6B78DAAD-0D9A-4C6E-B4E2-0312F8EFD09A}"/>
               </a:ext>
             </a:extLst>
           </p:cNvPr>
@@ -7796,8 +7817,21 @@
           <a:p>
             <a:r>
               <a:rPr lang="es-AR" dirty="0"/>
-              <a:t>Efectos con show / hide II</a:t>
-            </a:r>
+              <a:t>Efectos con </a:t>
+            </a:r>
+            <a:r>
+              <a:rPr lang="es-AR" dirty="0" err="1"/>
+              <a:t>fadeIn</a:t>
+            </a:r>
+            <a:r>
+              <a:rPr lang="es-AR" dirty="0"/>
+              <a:t> / </a:t>
+            </a:r>
+            <a:r>
+              <a:rPr lang="es-AR" dirty="0" err="1"/>
+              <a:t>fadeOut</a:t>
+            </a:r>
+            <a:endParaRPr lang="es-AR" dirty="0"/>
           </a:p>
         </p:txBody>
       </p:sp>
@@ -7806,7 +7840,7 @@
           <p:cNvPr id="3" name="Marcador de contenido 2">
             <a:extLst>
               <a:ext uri="{FF2B5EF4-FFF2-40B4-BE49-F238E27FC236}">
-                <a16:creationId xmlns:a16="http://schemas.microsoft.com/office/drawing/2014/main" xmlns="" id="{5CC20569-D683-4FD2-80FA-0B06D40ABB88}"/>
+                <a16:creationId xmlns:a16="http://schemas.microsoft.com/office/drawing/2014/main" xmlns="" id="{D55A34F8-4999-409C-8D52-D9D5C746DAD8}"/>
               </a:ext>
             </a:extLst>
           </p:cNvPr>
@@ -7817,112 +7851,36 @@
             <p:ph idx="1"/>
           </p:nvPr>
         </p:nvSpPr>
-        <p:spPr>
-          <a:xfrm>
-            <a:off x="645132" y="2052918"/>
-            <a:ext cx="10118118" cy="4614582"/>
-          </a:xfrm>
-        </p:spPr>
-        <p:txBody>
-          <a:bodyPr>
-            <a:normAutofit fontScale="92500" lnSpcReduction="10000"/>
-          </a:bodyPr>
+        <p:spPr/>
+        <p:txBody>
+          <a:bodyPr/>
           <a:lstStyle/>
           <a:p>
             <a:r>
               <a:rPr lang="es-AR" dirty="0"/>
-              <a:t>Hay varias formas para llamar a los métodos show y hide:</a:t>
-            </a:r>
-          </a:p>
-          <a:p>
-            <a:endParaRPr lang="es-AR" dirty="0"/>
-          </a:p>
-          <a:p>
-            <a:pPr marL="0" indent="0">
-              <a:buNone/>
-            </a:pPr>
-            <a:r>
-              <a:rPr lang="es-AR" dirty="0"/>
-              <a:t>       Lo muestra en forma instantánea:       show() </a:t>
-            </a:r>
-          </a:p>
-          <a:p>
-            <a:pPr marL="0" indent="0">
-              <a:buNone/>
-            </a:pPr>
-            <a:r>
-              <a:rPr lang="es-AR" dirty="0"/>
-              <a:t>       Lo muestra con una animación rápida:   show("</a:t>
+              <a:t>Estos dos métodos son similares a show y hide pero con la diferencia que </a:t>
             </a:r>
             <a:r>
               <a:rPr lang="es-AR" dirty="0" err="1"/>
-              <a:t>fast</a:t>
-            </a:r>
-            <a:r>
-              <a:rPr lang="es-AR" dirty="0"/>
-              <a:t>")</a:t>
-            </a:r>
-          </a:p>
-          <a:p>
-            <a:pPr marL="0" indent="0">
-              <a:buNone/>
-            </a:pPr>
-            <a:r>
-              <a:rPr lang="es-AR" dirty="0"/>
-              <a:t>       Lo muestra con una animación normal:  show("normal")</a:t>
-            </a:r>
-          </a:p>
-          <a:p>
-            <a:pPr marL="0" indent="0">
-              <a:buNone/>
-            </a:pPr>
-            <a:r>
-              <a:rPr lang="es-AR" dirty="0"/>
-              <a:t>      Lo muestra con una animación lenta:   show("</a:t>
+              <a:t>fadeIn</a:t>
+            </a:r>
+            <a:r>
+              <a:rPr lang="es-AR" dirty="0"/>
+              <a:t> hace aparecer los elementos HTML con opacidad. </a:t>
+            </a:r>
+          </a:p>
+          <a:p>
+            <a:r>
+              <a:rPr lang="es-AR" dirty="0"/>
+              <a:t>El método </a:t>
             </a:r>
             <a:r>
               <a:rPr lang="es-AR" dirty="0" err="1"/>
-              <a:t>slow</a:t>
-            </a:r>
-            <a:r>
-              <a:rPr lang="es-AR" dirty="0"/>
-              <a:t>")</a:t>
-            </a:r>
-          </a:p>
-          <a:p>
-            <a:pPr marL="0" indent="0">
-              <a:buNone/>
-            </a:pPr>
-            <a:r>
-              <a:rPr lang="es-AR" dirty="0"/>
-              <a:t>      Lo muestra con una animación que tarda tantos milisegundos como le     indicamos:</a:t>
-            </a:r>
-          </a:p>
-          <a:p>
-            <a:pPr marL="0" indent="0">
-              <a:buNone/>
-            </a:pPr>
-            <a:r>
-              <a:rPr lang="es-AR" dirty="0"/>
-              <a:t>       show([cantidad de milisegundos])</a:t>
-            </a:r>
-          </a:p>
-          <a:p>
-            <a:pPr marL="0" indent="0">
-              <a:buNone/>
-            </a:pPr>
-            <a:r>
-              <a:rPr lang="es-AR" dirty="0"/>
-              <a:t>      Lo muestra con una animación que tarda tantos milisegundos como le indicamos y ejecuta al final la función que le pasamos como segundo parámetro:</a:t>
-            </a:r>
-          </a:p>
-          <a:p>
-            <a:pPr marL="0" indent="0">
-              <a:buNone/>
-            </a:pPr>
-            <a:r>
-              <a:rPr lang="es-AR" dirty="0"/>
-              <a:t>       show([cantidad de milisegundos],[función])</a:t>
+              <a:t>fadeOut</a:t>
+            </a:r>
+            <a:r>
+              <a:rPr lang="es-AR" dirty="0"/>
+              <a:t> decolora hasta desaparecer, es decir reduce la opacidad del elemento en forma progresiva.</a:t>
             </a:r>
           </a:p>
         </p:txBody>
@@ -7930,7 +7888,7 @@
     </p:spTree>
     <p:extLst>
       <p:ext uri="{BB962C8B-B14F-4D97-AF65-F5344CB8AC3E}">
-        <p14:creationId xmlns:p14="http://schemas.microsoft.com/office/powerpoint/2010/main" val="66145373"/>
+        <p14:creationId xmlns:p14="http://schemas.microsoft.com/office/powerpoint/2010/main" val="4258394352"/>
       </p:ext>
     </p:extLst>
   </p:cSld>
@@ -8161,7 +8119,7 @@
           <p:cNvPr id="2" name="Título 1">
             <a:extLst>
               <a:ext uri="{FF2B5EF4-FFF2-40B4-BE49-F238E27FC236}">
-                <a16:creationId xmlns:a16="http://schemas.microsoft.com/office/drawing/2014/main" xmlns="" id="{6B78DAAD-0D9A-4C6E-B4E2-0312F8EFD09A}"/>
+                <a16:creationId xmlns:a16="http://schemas.microsoft.com/office/drawing/2014/main" xmlns="" id="{73822370-ED1A-49D7-890E-B23F7BC810FB}"/>
               </a:ext>
             </a:extLst>
           </p:cNvPr>
@@ -8179,21 +8137,16 @@
           <a:p>
             <a:r>
               <a:rPr lang="es-AR" dirty="0"/>
-              <a:t>Efectos con </a:t>
+              <a:t>Efecto con el método </a:t>
             </a:r>
             <a:r>
               <a:rPr lang="es-AR" dirty="0" err="1"/>
-              <a:t>fadeIn</a:t>
-            </a:r>
-            <a:r>
-              <a:rPr lang="es-AR" dirty="0"/>
-              <a:t> / </a:t>
-            </a:r>
-            <a:r>
-              <a:rPr lang="es-AR" dirty="0" err="1"/>
-              <a:t>fadeOut</a:t>
-            </a:r>
-            <a:endParaRPr lang="es-AR" dirty="0"/>
+              <a:t>fadeTo</a:t>
+            </a:r>
+            <a:r>
+              <a:rPr lang="es-AR" dirty="0"/>
+              <a:t>()</a:t>
+            </a:r>
           </a:p>
         </p:txBody>
       </p:sp>
@@ -8202,7 +8155,7 @@
           <p:cNvPr id="3" name="Marcador de contenido 2">
             <a:extLst>
               <a:ext uri="{FF2B5EF4-FFF2-40B4-BE49-F238E27FC236}">
-                <a16:creationId xmlns:a16="http://schemas.microsoft.com/office/drawing/2014/main" xmlns="" id="{D55A34F8-4999-409C-8D52-D9D5C746DAD8}"/>
+                <a16:creationId xmlns:a16="http://schemas.microsoft.com/office/drawing/2014/main" xmlns="" id="{4AAA25C0-D359-486B-8034-5B6E72CCCE81}"/>
               </a:ext>
             </a:extLst>
           </p:cNvPr>
@@ -8213,36 +8166,144 @@
             <p:ph idx="1"/>
           </p:nvPr>
         </p:nvSpPr>
-        <p:spPr/>
-        <p:txBody>
-          <a:bodyPr/>
+        <p:spPr>
+          <a:xfrm>
+            <a:off x="552451" y="1853248"/>
+            <a:ext cx="10734674" cy="4552034"/>
+          </a:xfrm>
+        </p:spPr>
+        <p:txBody>
+          <a:bodyPr>
+            <a:normAutofit fontScale="85000" lnSpcReduction="10000"/>
+          </a:bodyPr>
           <a:lstStyle/>
           <a:p>
             <a:r>
               <a:rPr lang="es-AR" dirty="0"/>
-              <a:t>Estos dos métodos son similares a show y hide pero con la diferencia que </a:t>
+              <a:t>El método </a:t>
             </a:r>
             <a:r>
               <a:rPr lang="es-AR" dirty="0" err="1"/>
-              <a:t>fadeIn</a:t>
-            </a:r>
-            <a:r>
-              <a:rPr lang="es-AR" dirty="0"/>
-              <a:t> hace aparecer los elementos HTML con opacidad. </a:t>
-            </a:r>
-          </a:p>
-          <a:p>
-            <a:r>
-              <a:rPr lang="es-AR" dirty="0"/>
-              <a:t>El método </a:t>
+              <a:t>fadeTo</a:t>
+            </a:r>
+            <a:r>
+              <a:rPr lang="es-AR" dirty="0"/>
+              <a:t> puede modificar la opacidad de un elemento, el efecto es llevar la opacidad actual hasta el valor que le pasamos al método </a:t>
             </a:r>
             <a:r>
               <a:rPr lang="es-AR" dirty="0" err="1"/>
-              <a:t>fadeOut</a:t>
-            </a:r>
-            <a:r>
-              <a:rPr lang="es-AR" dirty="0"/>
-              <a:t> decolora hasta desaparecer, es decir reduce la opacidad del elemento en forma progresiva.</a:t>
+              <a:t>fadeTo</a:t>
+            </a:r>
+            <a:endParaRPr lang="es-AR" dirty="0"/>
+          </a:p>
+          <a:p>
+            <a:r>
+              <a:rPr lang="es-AR" dirty="0"/>
+              <a:t>Podemos inicializar este método de las siguientes formas:</a:t>
+            </a:r>
+          </a:p>
+          <a:p>
+            <a:pPr marL="0" indent="0">
+              <a:buNone/>
+            </a:pPr>
+            <a:r>
+              <a:rPr lang="es-AR" dirty="0"/>
+              <a:t>                                                   </a:t>
+            </a:r>
+            <a:r>
+              <a:rPr lang="es-AR" dirty="0" err="1"/>
+              <a:t>fadeTo</a:t>
+            </a:r>
+            <a:r>
+              <a:rPr lang="es-AR" dirty="0"/>
+              <a:t>([velocidad],[valor de opacidad])</a:t>
+            </a:r>
+          </a:p>
+          <a:p>
+            <a:r>
+              <a:rPr lang="es-AR" dirty="0"/>
+              <a:t>Indicamos la velocidad de transición del estado actual al nuevo estado (</a:t>
+            </a:r>
+            <a:r>
+              <a:rPr lang="es-AR" dirty="0" err="1"/>
+              <a:t>slow</a:t>
+            </a:r>
+            <a:r>
+              <a:rPr lang="es-AR" dirty="0"/>
+              <a:t>/normal/</a:t>
+            </a:r>
+            <a:r>
+              <a:rPr lang="es-AR" dirty="0" err="1"/>
+              <a:t>fast</a:t>
+            </a:r>
+            <a:r>
+              <a:rPr lang="es-AR" dirty="0"/>
+              <a:t>) o un valor indicado en </a:t>
+            </a:r>
+            <a:r>
+              <a:rPr lang="es-AR" dirty="0" err="1"/>
+              <a:t>milisegúndos</a:t>
+            </a:r>
+            <a:r>
+              <a:rPr lang="es-AR" dirty="0"/>
+              <a:t>.</a:t>
+            </a:r>
+          </a:p>
+          <a:p>
+            <a:r>
+              <a:rPr lang="es-AR" dirty="0"/>
+              <a:t>El valor de la opacidad es un numero real entre 0 y 1. 1 significa sin opacidad y 0 es transparente.</a:t>
+            </a:r>
+          </a:p>
+          <a:p>
+            <a:r>
+              <a:rPr lang="es-AR" dirty="0"/>
+              <a:t>También podemos llamar al método </a:t>
+            </a:r>
+            <a:r>
+              <a:rPr lang="es-AR" dirty="0" err="1"/>
+              <a:t>fadeTo</a:t>
+            </a:r>
+            <a:r>
+              <a:rPr lang="es-AR" dirty="0"/>
+              <a:t> con tres parámetros:</a:t>
+            </a:r>
+          </a:p>
+          <a:p>
+            <a:pPr marL="0" indent="0">
+              <a:buNone/>
+            </a:pPr>
+            <a:r>
+              <a:rPr lang="es-AR" dirty="0"/>
+              <a:t>                                          </a:t>
+            </a:r>
+            <a:r>
+              <a:rPr lang="es-AR" dirty="0" err="1"/>
+              <a:t>fadeTo</a:t>
+            </a:r>
+            <a:r>
+              <a:rPr lang="es-AR" dirty="0"/>
+              <a:t>([velocidad],[valor de opacidad],[función])</a:t>
+            </a:r>
+          </a:p>
+          <a:p>
+            <a:r>
+              <a:rPr lang="es-AR" dirty="0"/>
+              <a:t>Esta segunda estructura de la función permite ejecutar una función cuando finaliza la transición.</a:t>
+            </a:r>
+          </a:p>
+          <a:p>
+            <a:r>
+              <a:rPr lang="es-AR" dirty="0"/>
+              <a:t>Hay que tener en cuenta que </a:t>
+            </a:r>
+            <a:r>
+              <a:rPr lang="es-AR" dirty="0" err="1"/>
+              <a:t>fadeTo</a:t>
+            </a:r>
+            <a:r>
+              <a:rPr lang="es-AR" dirty="0"/>
+              <a:t> por más que indiquemos el valor 0 en opacidad el espacio que ocupa el elemento en la página seguirá ocupado por un recuadro vacío.</a:t>
             </a:r>
           </a:p>
         </p:txBody>
@@ -8250,7 +8311,7 @@
     </p:spTree>
     <p:extLst>
       <p:ext uri="{BB962C8B-B14F-4D97-AF65-F5344CB8AC3E}">
-        <p14:creationId xmlns:p14="http://schemas.microsoft.com/office/powerpoint/2010/main" val="4258394352"/>
+        <p14:creationId xmlns:p14="http://schemas.microsoft.com/office/powerpoint/2010/main" val="1853241866"/>
       </p:ext>
     </p:extLst>
   </p:cSld>
@@ -8282,7 +8343,7 @@
           <p:cNvPr id="2" name="Título 1">
             <a:extLst>
               <a:ext uri="{FF2B5EF4-FFF2-40B4-BE49-F238E27FC236}">
-                <a16:creationId xmlns:a16="http://schemas.microsoft.com/office/drawing/2014/main" xmlns="" id="{73822370-ED1A-49D7-890E-B23F7BC810FB}"/>
+                <a16:creationId xmlns:a16="http://schemas.microsoft.com/office/drawing/2014/main" xmlns="" id="{C687B408-CEFC-443C-ADD4-30CC6D6CFB1A}"/>
               </a:ext>
             </a:extLst>
           </p:cNvPr>
@@ -8300,15 +8361,7 @@
           <a:p>
             <a:r>
               <a:rPr lang="es-AR" dirty="0"/>
-              <a:t>Efecto con el método </a:t>
-            </a:r>
-            <a:r>
-              <a:rPr lang="es-AR" dirty="0" err="1"/>
-              <a:t>fadeTo</a:t>
-            </a:r>
-            <a:r>
-              <a:rPr lang="es-AR" dirty="0"/>
-              <a:t>()</a:t>
+              <a:t>Efecto con el método toggle()</a:t>
             </a:r>
           </a:p>
         </p:txBody>
@@ -8318,7 +8371,7 @@
           <p:cNvPr id="3" name="Marcador de contenido 2">
             <a:extLst>
               <a:ext uri="{FF2B5EF4-FFF2-40B4-BE49-F238E27FC236}">
-                <a16:creationId xmlns:a16="http://schemas.microsoft.com/office/drawing/2014/main" xmlns="" id="{4AAA25C0-D359-486B-8034-5B6E72CCCE81}"/>
+                <a16:creationId xmlns:a16="http://schemas.microsoft.com/office/drawing/2014/main" xmlns="" id="{6FAB4CA6-0CD8-4918-B928-89FF9E525557}"/>
               </a:ext>
             </a:extLst>
           </p:cNvPr>
@@ -8329,144 +8382,14 @@
             <p:ph idx="1"/>
           </p:nvPr>
         </p:nvSpPr>
-        <p:spPr>
-          <a:xfrm>
-            <a:off x="552451" y="1853248"/>
-            <a:ext cx="10734674" cy="4552034"/>
-          </a:xfrm>
-        </p:spPr>
-        <p:txBody>
-          <a:bodyPr>
-            <a:normAutofit fontScale="85000" lnSpcReduction="10000"/>
-          </a:bodyPr>
+        <p:spPr/>
+        <p:txBody>
+          <a:bodyPr/>
           <a:lstStyle/>
           <a:p>
             <a:r>
               <a:rPr lang="es-AR" dirty="0"/>
-              <a:t>El método </a:t>
-            </a:r>
-            <a:r>
-              <a:rPr lang="es-AR" dirty="0" err="1"/>
-              <a:t>fadeTo</a:t>
-            </a:r>
-            <a:r>
-              <a:rPr lang="es-AR" dirty="0"/>
-              <a:t> puede modificar la opacidad de un elemento, el efecto es llevar la opacidad actual hasta el valor que le pasamos al método </a:t>
-            </a:r>
-            <a:r>
-              <a:rPr lang="es-AR" dirty="0" err="1"/>
-              <a:t>fadeTo</a:t>
-            </a:r>
-            <a:endParaRPr lang="es-AR" dirty="0"/>
-          </a:p>
-          <a:p>
-            <a:r>
-              <a:rPr lang="es-AR" dirty="0"/>
-              <a:t>Podemos inicializar este método de las siguientes formas:</a:t>
-            </a:r>
-          </a:p>
-          <a:p>
-            <a:pPr marL="0" indent="0">
-              <a:buNone/>
-            </a:pPr>
-            <a:r>
-              <a:rPr lang="es-AR" dirty="0"/>
-              <a:t>                                                   </a:t>
-            </a:r>
-            <a:r>
-              <a:rPr lang="es-AR" dirty="0" err="1"/>
-              <a:t>fadeTo</a:t>
-            </a:r>
-            <a:r>
-              <a:rPr lang="es-AR" dirty="0"/>
-              <a:t>([velocidad],[valor de opacidad])</a:t>
-            </a:r>
-          </a:p>
-          <a:p>
-            <a:r>
-              <a:rPr lang="es-AR" dirty="0"/>
-              <a:t>Indicamos la velocidad de transición del estado actual al nuevo estado (</a:t>
-            </a:r>
-            <a:r>
-              <a:rPr lang="es-AR" dirty="0" err="1"/>
-              <a:t>slow</a:t>
-            </a:r>
-            <a:r>
-              <a:rPr lang="es-AR" dirty="0"/>
-              <a:t>/normal/</a:t>
-            </a:r>
-            <a:r>
-              <a:rPr lang="es-AR" dirty="0" err="1"/>
-              <a:t>fast</a:t>
-            </a:r>
-            <a:r>
-              <a:rPr lang="es-AR" dirty="0"/>
-              <a:t>) o un valor indicado en </a:t>
-            </a:r>
-            <a:r>
-              <a:rPr lang="es-AR" dirty="0" err="1"/>
-              <a:t>milisegúndos</a:t>
-            </a:r>
-            <a:r>
-              <a:rPr lang="es-AR" dirty="0"/>
-              <a:t>.</a:t>
-            </a:r>
-          </a:p>
-          <a:p>
-            <a:r>
-              <a:rPr lang="es-AR" dirty="0"/>
-              <a:t>El valor de la opacidad es un numero real entre 0 y 1. 1 significa sin opacidad y 0 es transparente.</a:t>
-            </a:r>
-          </a:p>
-          <a:p>
-            <a:r>
-              <a:rPr lang="es-AR" dirty="0"/>
-              <a:t>También podemos llamar al método </a:t>
-            </a:r>
-            <a:r>
-              <a:rPr lang="es-AR" dirty="0" err="1"/>
-              <a:t>fadeTo</a:t>
-            </a:r>
-            <a:r>
-              <a:rPr lang="es-AR" dirty="0"/>
-              <a:t> con tres parámetros:</a:t>
-            </a:r>
-          </a:p>
-          <a:p>
-            <a:pPr marL="0" indent="0">
-              <a:buNone/>
-            </a:pPr>
-            <a:r>
-              <a:rPr lang="es-AR" dirty="0"/>
-              <a:t>                                          </a:t>
-            </a:r>
-            <a:r>
-              <a:rPr lang="es-AR" dirty="0" err="1"/>
-              <a:t>fadeTo</a:t>
-            </a:r>
-            <a:r>
-              <a:rPr lang="es-AR" dirty="0"/>
-              <a:t>([velocidad],[valor de opacidad],[función])</a:t>
-            </a:r>
-          </a:p>
-          <a:p>
-            <a:r>
-              <a:rPr lang="es-AR" dirty="0"/>
-              <a:t>Esta segunda estructura de la función permite ejecutar una función cuando finaliza la transición.</a:t>
-            </a:r>
-          </a:p>
-          <a:p>
-            <a:r>
-              <a:rPr lang="es-AR" dirty="0"/>
-              <a:t>Hay que tener en cuenta que </a:t>
-            </a:r>
-            <a:r>
-              <a:rPr lang="es-AR" dirty="0" err="1"/>
-              <a:t>fadeTo</a:t>
-            </a:r>
-            <a:r>
-              <a:rPr lang="es-AR" dirty="0"/>
-              <a:t> por más que indiquemos el valor 0 en opacidad el espacio que ocupa el elemento en la página seguirá ocupado por un recuadro vacío.</a:t>
+              <a:t>El método toggle permite cada vez que se ejecute cambiar de estado la visibilidad del elemento HTML, es decir si está visible pasa a oculto y si se encuentra oculto pasa a visible.</a:t>
             </a:r>
           </a:p>
         </p:txBody>
@@ -8474,7 +8397,7 @@
     </p:spTree>
     <p:extLst>
       <p:ext uri="{BB962C8B-B14F-4D97-AF65-F5344CB8AC3E}">
-        <p14:creationId xmlns:p14="http://schemas.microsoft.com/office/powerpoint/2010/main" val="1853241866"/>
+        <p14:creationId xmlns:p14="http://schemas.microsoft.com/office/powerpoint/2010/main" val="2445412574"/>
       </p:ext>
     </p:extLst>
   </p:cSld>
@@ -8506,7 +8429,7 @@
           <p:cNvPr id="2" name="Título 1">
             <a:extLst>
               <a:ext uri="{FF2B5EF4-FFF2-40B4-BE49-F238E27FC236}">
-                <a16:creationId xmlns:a16="http://schemas.microsoft.com/office/drawing/2014/main" xmlns="" id="{C687B408-CEFC-443C-ADD4-30CC6D6CFB1A}"/>
+                <a16:creationId xmlns:a16="http://schemas.microsoft.com/office/drawing/2014/main" xmlns="" id="{6990C3D8-8598-46D6-80D2-29150FEBC22D}"/>
               </a:ext>
             </a:extLst>
           </p:cNvPr>
@@ -8524,7 +8447,14 @@
           <a:p>
             <a:r>
               <a:rPr lang="es-AR" dirty="0"/>
-              <a:t>Efecto con el método toggle()</a:t>
+              <a:t>Método each()</a:t>
+            </a:r>
+            <a:br>
+              <a:rPr lang="es-AR" dirty="0"/>
+            </a:br>
+            <a:r>
+              <a:rPr lang="es-AR" dirty="0"/>
+              <a:t>Iteración por los elementos</a:t>
             </a:r>
           </a:p>
         </p:txBody>
@@ -8534,7 +8464,7 @@
           <p:cNvPr id="3" name="Marcador de contenido 2">
             <a:extLst>
               <a:ext uri="{FF2B5EF4-FFF2-40B4-BE49-F238E27FC236}">
-                <a16:creationId xmlns:a16="http://schemas.microsoft.com/office/drawing/2014/main" xmlns="" id="{6FAB4CA6-0CD8-4918-B928-89FF9E525557}"/>
+                <a16:creationId xmlns:a16="http://schemas.microsoft.com/office/drawing/2014/main" xmlns="" id="{753EFEE5-FF46-4D45-8158-F4573B4BF865}"/>
               </a:ext>
             </a:extLst>
           </p:cNvPr>
@@ -8552,7 +8482,31 @@
           <a:p>
             <a:r>
               <a:rPr lang="es-AR" dirty="0"/>
-              <a:t>El método toggle permite cada vez que se ejecute cambiar de estado la visibilidad del elemento HTML, es decir si está visible pasa a oculto y si se encuentra oculto pasa a visible.</a:t>
+              <a:t>jQuery dispone de un método que nos permite asociar una función que se ejecutará por cada elemento que contenga la lista del objeto jQuery.</a:t>
+            </a:r>
+          </a:p>
+          <a:p>
+            <a:r>
+              <a:rPr lang="es-AR" dirty="0"/>
+              <a:t>Dentro de esta función podemos manipular el elemento actual.</a:t>
+            </a:r>
+          </a:p>
+          <a:p>
+            <a:r>
+              <a:rPr lang="es-AR" dirty="0"/>
+              <a:t>La sintaxis del iterador each es:</a:t>
+            </a:r>
+          </a:p>
+          <a:p>
+            <a:endParaRPr lang="es-AR" dirty="0"/>
+          </a:p>
+          <a:p>
+            <a:pPr marL="0" indent="0">
+              <a:buNone/>
+            </a:pPr>
+            <a:r>
+              <a:rPr lang="es-AR" dirty="0"/>
+              <a:t>                      $([elementos])each([nombre de función])</a:t>
             </a:r>
           </a:p>
         </p:txBody>
@@ -8560,7 +8514,7 @@
     </p:spTree>
     <p:extLst>
       <p:ext uri="{BB962C8B-B14F-4D97-AF65-F5344CB8AC3E}">
-        <p14:creationId xmlns:p14="http://schemas.microsoft.com/office/powerpoint/2010/main" val="2445412574"/>
+        <p14:creationId xmlns:p14="http://schemas.microsoft.com/office/powerpoint/2010/main" val="2838094301"/>
       </p:ext>
     </p:extLst>
   </p:cSld>
@@ -8603,21 +8557,26 @@
             <p:ph type="title"/>
           </p:nvPr>
         </p:nvSpPr>
-        <p:spPr/>
+        <p:spPr>
+          <a:xfrm>
+            <a:off x="427829" y="375221"/>
+            <a:ext cx="11336339" cy="1400530"/>
+          </a:xfrm>
+        </p:spPr>
         <p:txBody>
           <a:bodyPr/>
           <a:lstStyle/>
           <a:p>
             <a:r>
               <a:rPr lang="es-AR" dirty="0"/>
-              <a:t>Método each()</a:t>
+              <a:t>Método each() II</a:t>
             </a:r>
             <a:br>
               <a:rPr lang="es-AR" dirty="0"/>
             </a:br>
             <a:r>
               <a:rPr lang="es-AR" dirty="0"/>
-              <a:t>Iteración por los elementos</a:t>
+              <a:t>Iteración por las propiedades de un objeto</a:t>
             </a:r>
           </a:p>
         </p:txBody>
@@ -8645,39 +8604,57 @@
           <a:p>
             <a:r>
               <a:rPr lang="es-AR" dirty="0"/>
-              <a:t>jQuery dispone de un método que nos permite asociar una función que se ejecutará por cada elemento que contenga la lista del objeto jQuery.</a:t>
-            </a:r>
-          </a:p>
-          <a:p>
-            <a:r>
-              <a:rPr lang="es-AR" dirty="0"/>
-              <a:t>Dentro de esta función podemos manipular el elemento actual.</a:t>
-            </a:r>
-          </a:p>
-          <a:p>
-            <a:r>
-              <a:rPr lang="es-AR" dirty="0"/>
-              <a:t>La sintaxis del iterador each es:</a:t>
-            </a:r>
-          </a:p>
-          <a:p>
-            <a:endParaRPr lang="es-AR" dirty="0"/>
-          </a:p>
-          <a:p>
-            <a:pPr marL="0" indent="0">
-              <a:buNone/>
-            </a:pPr>
-            <a:r>
-              <a:rPr lang="es-AR" dirty="0"/>
-              <a:t>                      $([elementos])each([nombre de función])</a:t>
-            </a:r>
-          </a:p>
-        </p:txBody>
-      </p:sp>
+              <a:t>Con $.each( objeto, function( clave, valor{ ………});</a:t>
+            </a:r>
+          </a:p>
+          <a:p>
+            <a:r>
+              <a:rPr lang="es-AR" dirty="0"/>
+              <a:t>El primer parámetro es un objeto</a:t>
+            </a:r>
+          </a:p>
+          <a:p>
+            <a:r>
+              <a:rPr lang="es-AR" dirty="0"/>
+              <a:t>El segundo parámetro es un Callback que va a recibir clave y valor de una propiedad del objeto</a:t>
+            </a:r>
+          </a:p>
+        </p:txBody>
+      </p:sp>
+      <p:pic>
+        <p:nvPicPr>
+          <p:cNvPr id="5" name="Imagen 4">
+            <a:extLst>
+              <a:ext uri="{FF2B5EF4-FFF2-40B4-BE49-F238E27FC236}">
+                <a16:creationId xmlns:a16="http://schemas.microsoft.com/office/drawing/2014/main" xmlns="" id="{901A2180-F65F-48AE-A83C-9E1D7E2532A1}"/>
+              </a:ext>
+            </a:extLst>
+          </p:cNvPr>
+          <p:cNvPicPr>
+            <a:picLocks noChangeAspect="1"/>
+          </p:cNvPicPr>
+          <p:nvPr/>
+        </p:nvPicPr>
+        <p:blipFill>
+          <a:blip r:embed="rId2"/>
+          <a:stretch>
+            <a:fillRect/>
+          </a:stretch>
+        </p:blipFill>
+        <p:spPr>
+          <a:xfrm>
+            <a:off x="2390702" y="4007783"/>
+            <a:ext cx="7410595" cy="2312172"/>
+          </a:xfrm>
+          <a:prstGeom prst="rect">
+            <a:avLst/>
+          </a:prstGeom>
+        </p:spPr>
+      </p:pic>
     </p:spTree>
     <p:extLst>
       <p:ext uri="{BB962C8B-B14F-4D97-AF65-F5344CB8AC3E}">
-        <p14:creationId xmlns:p14="http://schemas.microsoft.com/office/powerpoint/2010/main" val="2838094301"/>
+        <p14:creationId xmlns:p14="http://schemas.microsoft.com/office/powerpoint/2010/main" val="3321685932"/>
       </p:ext>
     </p:extLst>
   </p:cSld>
@@ -8709,7 +8686,7 @@
           <p:cNvPr id="2" name="Título 1">
             <a:extLst>
               <a:ext uri="{FF2B5EF4-FFF2-40B4-BE49-F238E27FC236}">
-                <a16:creationId xmlns:a16="http://schemas.microsoft.com/office/drawing/2014/main" xmlns="" id="{EC745541-7995-4BA2-8920-1BAE562213D1}"/>
+                <a16:creationId xmlns:a16="http://schemas.microsoft.com/office/drawing/2014/main" xmlns="" id="{2A9F5733-9B37-4549-914B-BCABF136EC87}"/>
               </a:ext>
             </a:extLst>
           </p:cNvPr>
@@ -8727,7 +8704,7 @@
           <a:p>
             <a:r>
               <a:rPr lang="es-AR" dirty="0"/>
-              <a:t>Ajax con jQuery</a:t>
+              <a:t>Método load()</a:t>
             </a:r>
           </a:p>
         </p:txBody>
@@ -8737,7 +8714,7 @@
           <p:cNvPr id="3" name="Marcador de contenido 2">
             <a:extLst>
               <a:ext uri="{FF2B5EF4-FFF2-40B4-BE49-F238E27FC236}">
-                <a16:creationId xmlns:a16="http://schemas.microsoft.com/office/drawing/2014/main" xmlns="" id="{4EB507DC-0214-487F-A50A-CD479C91EA5D}"/>
+                <a16:creationId xmlns:a16="http://schemas.microsoft.com/office/drawing/2014/main" xmlns="" id="{06A6DA2E-546E-4F92-9DA5-524BA7E0F55E}"/>
               </a:ext>
             </a:extLst>
           </p:cNvPr>
@@ -8748,25 +8725,337 @@
             <p:ph idx="1"/>
           </p:nvPr>
         </p:nvSpPr>
-        <p:spPr/>
-        <p:txBody>
-          <a:bodyPr>
-            <a:normAutofit/>
+        <p:spPr>
+          <a:xfrm>
+            <a:off x="295275" y="1476379"/>
+            <a:ext cx="11344275" cy="4857744"/>
+          </a:xfrm>
+        </p:spPr>
+        <p:txBody>
+          <a:bodyPr/>
+          <a:lstStyle/>
+          <a:p>
+            <a:r>
+              <a:rPr lang="es-AR" dirty="0"/>
+              <a:t>Es el método más sencillo de Ajax con jQuery para recuperar datos del servidor.</a:t>
+            </a:r>
+          </a:p>
+          <a:p>
+            <a:r>
+              <a:rPr lang="es-AR" dirty="0"/>
+              <a:t>Load carga los datos de un servidor y coloca los datos devueltos en el elemento seleccionado.</a:t>
+            </a:r>
+          </a:p>
+          <a:p>
+            <a:pPr marL="0" indent="0">
+              <a:buNone/>
+            </a:pPr>
+            <a:r>
+              <a:rPr lang="es-AR" dirty="0"/>
+              <a:t>  Sintaxis:                         $(selector).load(URL, data, callback);</a:t>
+            </a:r>
+          </a:p>
+          <a:p>
+            <a:r>
+              <a:rPr lang="es-AR" dirty="0"/>
+              <a:t>URL (requerido).  Especifica la url que desea cargar.</a:t>
+            </a:r>
+          </a:p>
+          <a:p>
+            <a:r>
+              <a:rPr lang="es-AR" dirty="0"/>
+              <a:t>data (opcional). Especifica un conjunto de pares clave, valor que se enviarán con la consulta.</a:t>
+            </a:r>
+          </a:p>
+          <a:p>
+            <a:endParaRPr lang="es-AR" dirty="0"/>
+          </a:p>
+        </p:txBody>
+      </p:sp>
+      <p:sp>
+        <p:nvSpPr>
+          <p:cNvPr id="5" name="Rectangle 2">
+            <a:extLst>
+              <a:ext uri="{FF2B5EF4-FFF2-40B4-BE49-F238E27FC236}">
+                <a16:creationId xmlns:a16="http://schemas.microsoft.com/office/drawing/2014/main" xmlns="" id="{CD1F639B-346E-4A7D-872B-F9EAD9F66B24}"/>
+              </a:ext>
+            </a:extLst>
+          </p:cNvPr>
+          <p:cNvSpPr>
+            <a:spLocks noChangeArrowheads="1"/>
+          </p:cNvSpPr>
+          <p:nvPr/>
+        </p:nvSpPr>
+        <p:spPr bwMode="auto">
+          <a:xfrm>
+            <a:off x="0" y="0"/>
+            <a:ext cx="12192000" cy="0"/>
+          </a:xfrm>
+          <a:prstGeom prst="rect">
+            <a:avLst/>
+          </a:prstGeom>
+          <a:solidFill>
+            <a:srgbClr val="FFFFFF"/>
+          </a:solidFill>
+          <a:ln>
+            <a:noFill/>
+          </a:ln>
+          <a:effectLst/>
+          <a:extLst>
+            <a:ext uri="{91240B29-F687-4F45-9708-019B960494DF}">
+              <a14:hiddenLine xmlns:a14="http://schemas.microsoft.com/office/drawing/2010/main" w="9525">
+                <a:solidFill>
+                  <a:schemeClr val="tx1"/>
+                </a:solidFill>
+                <a:miter lim="800000"/>
+                <a:headEnd/>
+                <a:tailEnd/>
+              </a14:hiddenLine>
+            </a:ext>
+            <a:ext uri="{AF507438-7753-43E0-B8FC-AC1667EBCBE1}">
+              <a14:hiddenEffects xmlns:a14="http://schemas.microsoft.com/office/drawing/2010/main">
+                <a:effectLst>
+                  <a:outerShdw dist="35921" dir="2700000" algn="ctr" rotWithShape="0">
+                    <a:schemeClr val="bg2"/>
+                  </a:outerShdw>
+                </a:effectLst>
+              </a14:hiddenEffects>
+            </a:ext>
+          </a:extLst>
+        </p:spPr>
+        <p:txBody>
+          <a:bodyPr vert="horz" wrap="none" lIns="91440" tIns="45720" rIns="91440" bIns="45720" numCol="1" anchor="ctr" anchorCtr="0" compatLnSpc="1">
+            <a:prstTxWarp prst="textNoShape">
+              <a:avLst/>
+            </a:prstTxWarp>
+            <a:spAutoFit/>
           </a:bodyPr>
           <a:lstStyle/>
           <a:p>
-            <a:pPr algn="ctr"/>
-            <a:r>
-              <a:rPr lang="es-AR" sz="4400" dirty="0"/>
-              <a:t>Próximamente</a:t>
-            </a:r>
+            <a:pPr marL="0" marR="0" lvl="0" indent="0" algn="l" defTabSz="914400" rtl="0" eaLnBrk="0" fontAlgn="base" latinLnBrk="0" hangingPunct="0">
+              <a:lnSpc>
+                <a:spcPct val="100000"/>
+              </a:lnSpc>
+              <a:spcBef>
+                <a:spcPct val="0"/>
+              </a:spcBef>
+              <a:spcAft>
+                <a:spcPct val="0"/>
+              </a:spcAft>
+              <a:buClrTx/>
+              <a:buSzTx/>
+              <a:buFontTx/>
+              <a:buNone/>
+              <a:tabLst/>
+            </a:pPr>
+            <a:r>
+              <a:rPr kumimoji="0" lang="es-AR" altLang="es-AR" sz="1100" b="0" i="0" u="none" strike="noStrike" cap="none" normalizeH="0" baseline="0">
+                <a:ln>
+                  <a:noFill/>
+                </a:ln>
+                <a:solidFill>
+                  <a:srgbClr val="000000"/>
+                </a:solidFill>
+                <a:effectLst/>
+                <a:latin typeface="Verdana" panose="020B0604030504040204" pitchFamily="34" charset="0"/>
+              </a:rPr>
+              <a:t>El </a:t>
+            </a:r>
+            <a:r>
+              <a:rPr kumimoji="0" lang="es-AR" altLang="es-AR" sz="1100" b="0" i="0" u="none" strike="noStrike" cap="none" normalizeH="0" baseline="0">
+                <a:ln>
+                  <a:noFill/>
+                </a:ln>
+                <a:solidFill>
+                  <a:srgbClr val="DC143C"/>
+                </a:solidFill>
+                <a:effectLst/>
+                <a:latin typeface="Consolas" panose="020B0609020204030204" pitchFamily="49" charset="0"/>
+              </a:rPr>
+              <a:t>load()</a:t>
+            </a:r>
+            <a:r>
+              <a:rPr kumimoji="0" lang="es-AR" altLang="es-AR" sz="1100" b="0" i="0" u="none" strike="noStrike" cap="none" normalizeH="0" baseline="0">
+                <a:ln>
+                  <a:noFill/>
+                </a:ln>
+                <a:solidFill>
+                  <a:srgbClr val="000000"/>
+                </a:solidFill>
+                <a:effectLst/>
+                <a:latin typeface="Verdana" panose="020B0604030504040204" pitchFamily="34" charset="0"/>
+              </a:rPr>
+              <a:t>método jQuery es un método AJAX simple pero poderoso.</a:t>
+            </a:r>
+            <a:r>
+              <a:rPr kumimoji="0" lang="es-AR" altLang="es-AR" sz="800" b="0" i="0" u="none" strike="noStrike" cap="none" normalizeH="0" baseline="0">
+                <a:ln>
+                  <a:noFill/>
+                </a:ln>
+                <a:solidFill>
+                  <a:schemeClr val="tx1"/>
+                </a:solidFill>
+                <a:effectLst/>
+              </a:rPr>
+              <a:t> </a:t>
+            </a:r>
+            <a:endParaRPr kumimoji="0" lang="es-AR" altLang="es-AR" sz="1800" b="0" i="0" u="none" strike="noStrike" cap="none" normalizeH="0" baseline="0">
+              <a:ln>
+                <a:noFill/>
+              </a:ln>
+              <a:solidFill>
+                <a:schemeClr val="tx1"/>
+              </a:solidFill>
+              <a:effectLst/>
+              <a:latin typeface="Arial" panose="020B0604020202020204" pitchFamily="34" charset="0"/>
+            </a:endParaRPr>
+          </a:p>
+        </p:txBody>
+      </p:sp>
+      <p:sp>
+        <p:nvSpPr>
+          <p:cNvPr id="6" name="Rectangle 3">
+            <a:extLst>
+              <a:ext uri="{FF2B5EF4-FFF2-40B4-BE49-F238E27FC236}">
+                <a16:creationId xmlns:a16="http://schemas.microsoft.com/office/drawing/2014/main" xmlns="" id="{F25A8009-D47B-49D2-A32B-403777BE4DD7}"/>
+              </a:ext>
+            </a:extLst>
+          </p:cNvPr>
+          <p:cNvSpPr>
+            <a:spLocks noChangeArrowheads="1"/>
+          </p:cNvSpPr>
+          <p:nvPr/>
+        </p:nvSpPr>
+        <p:spPr bwMode="auto">
+          <a:xfrm>
+            <a:off x="646111" y="0"/>
+            <a:ext cx="12192000" cy="0"/>
+          </a:xfrm>
+          <a:prstGeom prst="rect">
+            <a:avLst/>
+          </a:prstGeom>
+          <a:solidFill>
+            <a:srgbClr val="FFFFFF"/>
+          </a:solidFill>
+          <a:ln>
+            <a:noFill/>
+          </a:ln>
+          <a:effectLst/>
+          <a:extLst>
+            <a:ext uri="{91240B29-F687-4F45-9708-019B960494DF}">
+              <a14:hiddenLine xmlns:a14="http://schemas.microsoft.com/office/drawing/2010/main" w="9525">
+                <a:solidFill>
+                  <a:schemeClr val="tx1"/>
+                </a:solidFill>
+                <a:miter lim="800000"/>
+                <a:headEnd/>
+                <a:tailEnd/>
+              </a14:hiddenLine>
+            </a:ext>
+            <a:ext uri="{AF507438-7753-43E0-B8FC-AC1667EBCBE1}">
+              <a14:hiddenEffects xmlns:a14="http://schemas.microsoft.com/office/drawing/2010/main">
+                <a:effectLst>
+                  <a:outerShdw dist="35921" dir="2700000" algn="ctr" rotWithShape="0">
+                    <a:schemeClr val="bg2"/>
+                  </a:outerShdw>
+                </a:effectLst>
+              </a14:hiddenEffects>
+            </a:ext>
+          </a:extLst>
+        </p:spPr>
+        <p:txBody>
+          <a:bodyPr vert="horz" wrap="none" lIns="91440" tIns="45720" rIns="91440" bIns="45720" numCol="1" anchor="ctr" anchorCtr="0" compatLnSpc="1">
+            <a:prstTxWarp prst="textNoShape">
+              <a:avLst/>
+            </a:prstTxWarp>
+            <a:spAutoFit/>
+          </a:bodyPr>
+          <a:lstStyle/>
+          <a:p>
+            <a:pPr marL="0" marR="0" lvl="0" indent="0" algn="l" defTabSz="914400" rtl="0" eaLnBrk="0" fontAlgn="base" latinLnBrk="0" hangingPunct="0">
+              <a:lnSpc>
+                <a:spcPct val="100000"/>
+              </a:lnSpc>
+              <a:spcBef>
+                <a:spcPct val="0"/>
+              </a:spcBef>
+              <a:spcAft>
+                <a:spcPct val="0"/>
+              </a:spcAft>
+              <a:buClrTx/>
+              <a:buSzTx/>
+              <a:buFontTx/>
+              <a:buNone/>
+              <a:tabLst/>
+            </a:pPr>
+            <a:r>
+              <a:rPr kumimoji="0" lang="es-AR" altLang="es-AR" sz="1100" b="0" i="0" u="none" strike="noStrike" cap="none" normalizeH="0" baseline="0" dirty="0">
+                <a:ln>
+                  <a:noFill/>
+                </a:ln>
+                <a:solidFill>
+                  <a:srgbClr val="000000"/>
+                </a:solidFill>
+                <a:effectLst/>
+                <a:latin typeface="Verdana" panose="020B0604030504040204" pitchFamily="34" charset="0"/>
+              </a:rPr>
+              <a:t>El </a:t>
+            </a:r>
+            <a:r>
+              <a:rPr kumimoji="0" lang="es-AR" altLang="es-AR" sz="1100" b="0" i="0" u="none" strike="noStrike" cap="none" normalizeH="0" baseline="0" dirty="0">
+                <a:ln>
+                  <a:noFill/>
+                </a:ln>
+                <a:solidFill>
+                  <a:srgbClr val="DC143C"/>
+                </a:solidFill>
+                <a:effectLst/>
+                <a:latin typeface="Consolas" panose="020B0609020204030204" pitchFamily="49" charset="0"/>
+              </a:rPr>
+              <a:t>load()</a:t>
+            </a:r>
+            <a:r>
+              <a:rPr kumimoji="0" lang="es-AR" altLang="es-AR" sz="1100" b="0" i="0" u="none" strike="noStrike" cap="none" normalizeH="0" baseline="0" dirty="0">
+                <a:ln>
+                  <a:noFill/>
+                </a:ln>
+                <a:solidFill>
+                  <a:srgbClr val="000000"/>
+                </a:solidFill>
+                <a:effectLst/>
+                <a:latin typeface="Verdana" panose="020B0604030504040204" pitchFamily="34" charset="0"/>
+              </a:rPr>
+              <a:t>método carga datos de un servidor y coloca los datos devueltos en el elemento seleccionado.</a:t>
+            </a:r>
+            <a:r>
+              <a:rPr kumimoji="0" lang="es-AR" altLang="es-AR" sz="800" b="0" i="0" u="none" strike="noStrike" cap="none" normalizeH="0" baseline="0" dirty="0">
+                <a:ln>
+                  <a:noFill/>
+                </a:ln>
+                <a:solidFill>
+                  <a:schemeClr val="tx1"/>
+                </a:solidFill>
+                <a:effectLst/>
+              </a:rPr>
+              <a:t> </a:t>
+            </a:r>
+            <a:endParaRPr kumimoji="0" lang="es-AR" altLang="es-AR" sz="1800" b="0" i="0" u="none" strike="noStrike" cap="none" normalizeH="0" baseline="0" dirty="0">
+              <a:ln>
+                <a:noFill/>
+              </a:ln>
+              <a:solidFill>
+                <a:schemeClr val="tx1"/>
+              </a:solidFill>
+              <a:effectLst/>
+              <a:latin typeface="Arial" panose="020B0604020202020204" pitchFamily="34" charset="0"/>
+            </a:endParaRPr>
           </a:p>
         </p:txBody>
       </p:sp>
     </p:spTree>
     <p:extLst>
       <p:ext uri="{BB962C8B-B14F-4D97-AF65-F5344CB8AC3E}">
-        <p14:creationId xmlns:p14="http://schemas.microsoft.com/office/powerpoint/2010/main" val="4161902379"/>
+        <p14:creationId xmlns:p14="http://schemas.microsoft.com/office/powerpoint/2010/main" val="296153328"/>
       </p:ext>
     </p:extLst>
   </p:cSld>
@@ -8795,7 +9084,13 @@
       </p:grpSpPr>
       <p:sp>
         <p:nvSpPr>
-          <p:cNvPr id="2" name="Título 1"/>
+          <p:cNvPr id="2" name="Título 1">
+            <a:extLst>
+              <a:ext uri="{FF2B5EF4-FFF2-40B4-BE49-F238E27FC236}">
+                <a16:creationId xmlns:a16="http://schemas.microsoft.com/office/drawing/2014/main" xmlns="" id="{54330617-8278-439D-9F4B-FBB6308FF867}"/>
+              </a:ext>
+            </a:extLst>
+          </p:cNvPr>
           <p:cNvSpPr>
             <a:spLocks noGrp="1"/>
           </p:cNvSpPr>
@@ -8810,18 +9105,20 @@
           <a:p>
             <a:r>
               <a:rPr lang="es-AR" dirty="0"/>
-              <a:t>Plugins para jQuery</a:t>
-            </a:r>
-            <a:br>
-              <a:rPr lang="es-AR" dirty="0"/>
-            </a:br>
-            <a:endParaRPr lang="es-AR" dirty="0"/>
-          </a:p>
-        </p:txBody>
-      </p:sp>
-      <p:sp>
-        <p:nvSpPr>
-          <p:cNvPr id="3" name="Marcador de contenido 2"/>
+              <a:t>ajaxStart / ajaxStop</a:t>
+            </a:r>
+          </a:p>
+        </p:txBody>
+      </p:sp>
+      <p:sp>
+        <p:nvSpPr>
+          <p:cNvPr id="3" name="Marcador de contenido 2">
+            <a:extLst>
+              <a:ext uri="{FF2B5EF4-FFF2-40B4-BE49-F238E27FC236}">
+                <a16:creationId xmlns:a16="http://schemas.microsoft.com/office/drawing/2014/main" xmlns="" id="{6F08C714-DF74-4E23-B570-46D6AE9D59E6}"/>
+              </a:ext>
+            </a:extLst>
+          </p:cNvPr>
           <p:cNvSpPr>
             <a:spLocks noGrp="1"/>
           </p:cNvSpPr>
@@ -8829,17 +9126,66 @@
             <p:ph idx="1"/>
           </p:nvPr>
         </p:nvSpPr>
-        <p:spPr/>
+        <p:spPr>
+          <a:xfrm>
+            <a:off x="1103312" y="1438276"/>
+            <a:ext cx="10098088" cy="4810124"/>
+          </a:xfrm>
+        </p:spPr>
         <p:txBody>
           <a:bodyPr>
             <a:normAutofit/>
           </a:bodyPr>
           <a:lstStyle/>
           <a:p>
-            <a:pPr algn="ctr"/>
-            <a:r>
-              <a:rPr lang="es-AR" sz="4800" dirty="0"/>
-              <a:t>Próximamente</a:t>
+            <a:r>
+              <a:rPr lang="es-AR" dirty="0"/>
+              <a:t>Estos dos métodos se deben asociar al documento ( $(document) ), tienen como parámetro una función:</a:t>
+            </a:r>
+          </a:p>
+          <a:p>
+            <a:endParaRPr lang="es-AR" dirty="0"/>
+          </a:p>
+          <a:p>
+            <a:pPr marL="0" indent="0">
+              <a:buNone/>
+            </a:pPr>
+            <a:r>
+              <a:rPr lang="es-AR" dirty="0"/>
+              <a:t>                                    ajaxStart([callback])</a:t>
+            </a:r>
+          </a:p>
+          <a:p>
+            <a:pPr marL="0" indent="0">
+              <a:buNone/>
+            </a:pPr>
+            <a:endParaRPr lang="es-AR" dirty="0"/>
+          </a:p>
+          <a:p>
+            <a:r>
+              <a:rPr lang="es-AR" dirty="0"/>
+              <a:t>La función de ajaxStart se dispara cuando inicia la petición al servidor y nos puede servir para mostrar en pantalla al usuario que están llegando datos del servidor.  </a:t>
+            </a:r>
+          </a:p>
+          <a:p>
+            <a:pPr marL="0" indent="0">
+              <a:buNone/>
+            </a:pPr>
+            <a:r>
+              <a:rPr lang="es-AR" dirty="0"/>
+              <a:t>                                   ajaxStop([callback])</a:t>
+            </a:r>
+          </a:p>
+          <a:p>
+            <a:pPr marL="0" indent="0">
+              <a:buNone/>
+            </a:pPr>
+            <a:endParaRPr lang="es-AR" dirty="0"/>
+          </a:p>
+          <a:p>
+            <a:r>
+              <a:rPr lang="es-AR" dirty="0"/>
+              <a:t>Se dispara esta función cuando finaliza la petición de datos al servidor.</a:t>
             </a:r>
           </a:p>
         </p:txBody>
@@ -8847,7 +9193,1467 @@
     </p:spTree>
     <p:extLst>
       <p:ext uri="{BB962C8B-B14F-4D97-AF65-F5344CB8AC3E}">
-        <p14:creationId xmlns:p14="http://schemas.microsoft.com/office/powerpoint/2010/main" val="2567267635"/>
+        <p14:creationId xmlns:p14="http://schemas.microsoft.com/office/powerpoint/2010/main" val="4270172751"/>
+      </p:ext>
+    </p:extLst>
+  </p:cSld>
+  <p:clrMapOvr>
+    <a:masterClrMapping/>
+  </p:clrMapOvr>
+</p:sld>
+</file>
+
+<file path=ppt/slides/slide26.xml><?xml version="1.0" encoding="utf-8"?>
+<p:sld xmlns:a="http://schemas.openxmlformats.org/drawingml/2006/main" xmlns:r="http://schemas.openxmlformats.org/officeDocument/2006/relationships" xmlns:p="http://schemas.openxmlformats.org/presentationml/2006/main">
+  <p:cSld>
+    <p:spTree>
+      <p:nvGrpSpPr>
+        <p:cNvPr id="1" name=""/>
+        <p:cNvGrpSpPr/>
+        <p:nvPr/>
+      </p:nvGrpSpPr>
+      <p:grpSpPr>
+        <a:xfrm>
+          <a:off x="0" y="0"/>
+          <a:ext cx="0" cy="0"/>
+          <a:chOff x="0" y="0"/>
+          <a:chExt cx="0" cy="0"/>
+        </a:xfrm>
+      </p:grpSpPr>
+      <p:sp>
+        <p:nvSpPr>
+          <p:cNvPr id="2" name="Título 1">
+            <a:extLst>
+              <a:ext uri="{FF2B5EF4-FFF2-40B4-BE49-F238E27FC236}">
+                <a16:creationId xmlns:a16="http://schemas.microsoft.com/office/drawing/2014/main" xmlns="" id="{C8E95FA3-9DEA-41A5-8DBC-B93528A14968}"/>
+              </a:ext>
+            </a:extLst>
+          </p:cNvPr>
+          <p:cNvSpPr>
+            <a:spLocks noGrp="1"/>
+          </p:cNvSpPr>
+          <p:nvPr>
+            <p:ph type="title"/>
+          </p:nvPr>
+        </p:nvSpPr>
+        <p:spPr/>
+        <p:txBody>
+          <a:bodyPr/>
+          <a:lstStyle/>
+          <a:p>
+            <a:r>
+              <a:rPr lang="es-AR" dirty="0"/>
+              <a:t>$.get() / $.post() / $.</a:t>
+            </a:r>
+            <a:r>
+              <a:rPr lang="es-AR" dirty="0" err="1"/>
+              <a:t>getJSON</a:t>
+            </a:r>
+            <a:r>
+              <a:rPr lang="es-AR" dirty="0"/>
+              <a:t>()</a:t>
+            </a:r>
+          </a:p>
+        </p:txBody>
+      </p:sp>
+      <p:sp>
+        <p:nvSpPr>
+          <p:cNvPr id="3" name="Marcador de contenido 2">
+            <a:extLst>
+              <a:ext uri="{FF2B5EF4-FFF2-40B4-BE49-F238E27FC236}">
+                <a16:creationId xmlns:a16="http://schemas.microsoft.com/office/drawing/2014/main" xmlns="" id="{CB8823F6-9801-4DED-995F-2DFF0410A08D}"/>
+              </a:ext>
+            </a:extLst>
+          </p:cNvPr>
+          <p:cNvSpPr>
+            <a:spLocks noGrp="1"/>
+          </p:cNvSpPr>
+          <p:nvPr>
+            <p:ph idx="1"/>
+          </p:nvPr>
+        </p:nvSpPr>
+        <p:spPr>
+          <a:xfrm>
+            <a:off x="420916" y="1428751"/>
+            <a:ext cx="11466284" cy="5076824"/>
+          </a:xfrm>
+        </p:spPr>
+        <p:txBody>
+          <a:bodyPr/>
+          <a:lstStyle/>
+          <a:p>
+            <a:r>
+              <a:rPr lang="es-AR" dirty="0"/>
+              <a:t>El método $ .get () carga datos del servidor utilizando una petición HTTP GET.</a:t>
+            </a:r>
+          </a:p>
+          <a:p>
+            <a:endParaRPr lang="es-AR" dirty="0"/>
+          </a:p>
+          <a:p>
+            <a:pPr marL="0" indent="0">
+              <a:buNone/>
+            </a:pPr>
+            <a:r>
+              <a:rPr lang="en-US" dirty="0"/>
+              <a:t> </a:t>
+            </a:r>
+            <a:r>
+              <a:rPr lang="en-US" dirty="0" err="1"/>
+              <a:t>Sintaxis</a:t>
+            </a:r>
+            <a:r>
+              <a:rPr lang="en-US" dirty="0"/>
+              <a:t>:                  $.get(</a:t>
+            </a:r>
+            <a:r>
+              <a:rPr lang="en-US" i="1" dirty="0" err="1"/>
+              <a:t>URL,data,function</a:t>
+            </a:r>
+            <a:r>
+              <a:rPr lang="en-US" i="1" dirty="0"/>
+              <a:t>(</a:t>
+            </a:r>
+            <a:r>
+              <a:rPr lang="en-US" i="1" dirty="0" err="1"/>
+              <a:t>data,status,xhr</a:t>
+            </a:r>
+            <a:r>
+              <a:rPr lang="en-US" i="1" dirty="0"/>
+              <a:t>),</a:t>
+            </a:r>
+            <a:r>
+              <a:rPr lang="en-US" i="1" dirty="0" err="1"/>
+              <a:t>dataType</a:t>
+            </a:r>
+            <a:r>
+              <a:rPr lang="en-US" i="1" dirty="0"/>
+              <a:t>)</a:t>
+            </a:r>
+            <a:endParaRPr lang="es-AR" dirty="0"/>
+          </a:p>
+          <a:p>
+            <a:endParaRPr lang="es-AR" dirty="0"/>
+          </a:p>
+          <a:p>
+            <a:r>
+              <a:rPr lang="es-AR" dirty="0"/>
+              <a:t>URL(requerido) Especifica la URL donde se hace la petición.</a:t>
+            </a:r>
+          </a:p>
+          <a:p>
+            <a:r>
+              <a:rPr lang="es-AR" dirty="0"/>
+              <a:t>data(opcional). Especifica los datos a enviarse en la petición.</a:t>
+            </a:r>
+          </a:p>
+          <a:p>
+            <a:r>
+              <a:rPr lang="es-AR" dirty="0"/>
+              <a:t>function (opcional). Especifica una función para ejecutar si la solicitud tiene éxito.</a:t>
+            </a:r>
+          </a:p>
+          <a:p>
+            <a:r>
+              <a:rPr lang="es-AR" dirty="0" err="1"/>
+              <a:t>Parametros</a:t>
+            </a:r>
+            <a:r>
+              <a:rPr lang="es-AR" dirty="0"/>
+              <a:t> adicionales:</a:t>
+            </a:r>
+          </a:p>
+          <a:p>
+            <a:pPr lvl="1"/>
+            <a:r>
+              <a:rPr lang="es-AR" dirty="0"/>
+              <a:t>data: contiene el resultado de la petición.</a:t>
+            </a:r>
+          </a:p>
+          <a:p>
+            <a:pPr lvl="1"/>
+            <a:r>
+              <a:rPr lang="es-AR" dirty="0"/>
+              <a:t>Status: contiene el status de la petición( éxito, error, </a:t>
+            </a:r>
+            <a:r>
+              <a:rPr lang="es-AR" dirty="0" err="1"/>
+              <a:t>timeout</a:t>
+            </a:r>
+            <a:r>
+              <a:rPr lang="es-AR" dirty="0"/>
+              <a:t>, </a:t>
+            </a:r>
+            <a:r>
+              <a:rPr lang="es-AR" dirty="0" err="1"/>
+              <a:t>etc</a:t>
+            </a:r>
+            <a:r>
+              <a:rPr lang="es-AR" dirty="0"/>
+              <a:t>)</a:t>
+            </a:r>
+          </a:p>
+          <a:p>
+            <a:pPr lvl="1"/>
+            <a:r>
+              <a:rPr lang="es-AR" dirty="0" err="1"/>
+              <a:t>Xhr</a:t>
+            </a:r>
+            <a:r>
+              <a:rPr lang="es-AR" dirty="0"/>
+              <a:t>: contiene la referencia al objeto </a:t>
+            </a:r>
+            <a:r>
+              <a:rPr lang="es-AR" dirty="0" err="1"/>
+              <a:t>xmlhttprequest</a:t>
+            </a:r>
+            <a:r>
+              <a:rPr lang="es-AR" dirty="0"/>
+              <a:t>.</a:t>
+            </a:r>
+          </a:p>
+          <a:p>
+            <a:r>
+              <a:rPr lang="es-AR" dirty="0" err="1"/>
+              <a:t>dataType</a:t>
+            </a:r>
+            <a:r>
+              <a:rPr lang="es-AR" dirty="0"/>
+              <a:t>: opcional. Especifica el tipo de dato de la respuesta del servidor.</a:t>
+            </a:r>
+          </a:p>
+          <a:p>
+            <a:endParaRPr lang="es-AR" dirty="0"/>
+          </a:p>
+        </p:txBody>
+      </p:sp>
+    </p:spTree>
+    <p:extLst>
+      <p:ext uri="{BB962C8B-B14F-4D97-AF65-F5344CB8AC3E}">
+        <p14:creationId xmlns:p14="http://schemas.microsoft.com/office/powerpoint/2010/main" val="3095403075"/>
+      </p:ext>
+    </p:extLst>
+  </p:cSld>
+  <p:clrMapOvr>
+    <a:masterClrMapping/>
+  </p:clrMapOvr>
+</p:sld>
+</file>
+
+<file path=ppt/slides/slide27.xml><?xml version="1.0" encoding="utf-8"?>
+<p:sld xmlns:a="http://schemas.openxmlformats.org/drawingml/2006/main" xmlns:r="http://schemas.openxmlformats.org/officeDocument/2006/relationships" xmlns:p="http://schemas.openxmlformats.org/presentationml/2006/main">
+  <p:cSld>
+    <p:spTree>
+      <p:nvGrpSpPr>
+        <p:cNvPr id="1" name=""/>
+        <p:cNvGrpSpPr/>
+        <p:nvPr/>
+      </p:nvGrpSpPr>
+      <p:grpSpPr>
+        <a:xfrm>
+          <a:off x="0" y="0"/>
+          <a:ext cx="0" cy="0"/>
+          <a:chOff x="0" y="0"/>
+          <a:chExt cx="0" cy="0"/>
+        </a:xfrm>
+      </p:grpSpPr>
+      <p:sp>
+        <p:nvSpPr>
+          <p:cNvPr id="2" name="Título 1">
+            <a:extLst>
+              <a:ext uri="{FF2B5EF4-FFF2-40B4-BE49-F238E27FC236}">
+                <a16:creationId xmlns:a16="http://schemas.microsoft.com/office/drawing/2014/main" xmlns="" id="{AB5F6D78-C805-49AA-B3DE-EA303AC86AD3}"/>
+              </a:ext>
+            </a:extLst>
+          </p:cNvPr>
+          <p:cNvSpPr>
+            <a:spLocks noGrp="1"/>
+          </p:cNvSpPr>
+          <p:nvPr>
+            <p:ph type="title"/>
+          </p:nvPr>
+        </p:nvSpPr>
+        <p:spPr/>
+        <p:txBody>
+          <a:bodyPr/>
+          <a:lstStyle/>
+          <a:p>
+            <a:r>
+              <a:rPr lang="es-AR" dirty="0"/>
+              <a:t>$.</a:t>
+            </a:r>
+            <a:r>
+              <a:rPr lang="es-AR" dirty="0" err="1"/>
+              <a:t>ajax</a:t>
+            </a:r>
+            <a:r>
+              <a:rPr lang="es-AR" dirty="0"/>
+              <a:t>()</a:t>
+            </a:r>
+          </a:p>
+        </p:txBody>
+      </p:sp>
+      <p:sp>
+        <p:nvSpPr>
+          <p:cNvPr id="3" name="Marcador de contenido 2">
+            <a:extLst>
+              <a:ext uri="{FF2B5EF4-FFF2-40B4-BE49-F238E27FC236}">
+                <a16:creationId xmlns:a16="http://schemas.microsoft.com/office/drawing/2014/main" xmlns="" id="{BAE85C61-DF5E-4098-9F28-7AE6E145AB00}"/>
+              </a:ext>
+            </a:extLst>
+          </p:cNvPr>
+          <p:cNvSpPr>
+            <a:spLocks noGrp="1"/>
+          </p:cNvSpPr>
+          <p:nvPr>
+            <p:ph idx="1"/>
+          </p:nvPr>
+        </p:nvSpPr>
+        <p:spPr>
+          <a:xfrm>
+            <a:off x="466725" y="1371600"/>
+            <a:ext cx="11079163" cy="4876799"/>
+          </a:xfrm>
+        </p:spPr>
+        <p:txBody>
+          <a:bodyPr/>
+          <a:lstStyle/>
+          <a:p>
+            <a:r>
+              <a:rPr lang="es-AR" dirty="0"/>
+              <a:t>El método </a:t>
+            </a:r>
+            <a:r>
+              <a:rPr lang="es-AR" dirty="0" err="1"/>
+              <a:t>ajax</a:t>
+            </a:r>
+            <a:r>
+              <a:rPr lang="es-AR" dirty="0"/>
+              <a:t> () se utiliza para realizar una solicitud AJAX (HTTP asíncrono).</a:t>
+            </a:r>
+          </a:p>
+          <a:p>
+            <a:r>
+              <a:rPr lang="es-AR" dirty="0"/>
+              <a:t>Todos los métodos jQuery AJAX usan el método </a:t>
+            </a:r>
+            <a:r>
+              <a:rPr lang="es-AR" dirty="0" err="1"/>
+              <a:t>ajax</a:t>
+            </a:r>
+            <a:r>
+              <a:rPr lang="es-AR" dirty="0"/>
+              <a:t> (). Este método se usa principalmente para solicitudes donde los otros métodos no se pueden usar.</a:t>
+            </a:r>
+          </a:p>
+          <a:p>
+            <a:endParaRPr lang="es-AR" dirty="0"/>
+          </a:p>
+        </p:txBody>
+      </p:sp>
+      <p:graphicFrame>
+        <p:nvGraphicFramePr>
+          <p:cNvPr id="4" name="Tabla 4">
+            <a:extLst>
+              <a:ext uri="{FF2B5EF4-FFF2-40B4-BE49-F238E27FC236}">
+                <a16:creationId xmlns:a16="http://schemas.microsoft.com/office/drawing/2014/main" xmlns="" id="{AB743ECA-5815-4D85-8A18-B29D5C141877}"/>
+              </a:ext>
+            </a:extLst>
+          </p:cNvPr>
+          <p:cNvGraphicFramePr>
+            <a:graphicFrameLocks noGrp="1"/>
+          </p:cNvGraphicFramePr>
+          <p:nvPr>
+            <p:extLst>
+              <p:ext uri="{D42A27DB-BD31-4B8C-83A1-F6EECF244321}">
+                <p14:modId xmlns:p14="http://schemas.microsoft.com/office/powerpoint/2010/main" val="1458834309"/>
+              </p:ext>
+            </p:extLst>
+          </p:nvPr>
+        </p:nvGraphicFramePr>
+        <p:xfrm>
+          <a:off x="544512" y="2632081"/>
+          <a:ext cx="10923588" cy="3896187"/>
+        </p:xfrm>
+        <a:graphic>
+          <a:graphicData uri="http://schemas.openxmlformats.org/drawingml/2006/table">
+            <a:tbl>
+              <a:tblPr firstRow="1" bandRow="1">
+                <a:tableStyleId>{5C22544A-7EE6-4342-B048-85BDC9FD1C3A}</a:tableStyleId>
+              </a:tblPr>
+              <a:tblGrid>
+                <a:gridCol w="2855913">
+                  <a:extLst>
+                    <a:ext uri="{9D8B030D-6E8A-4147-A177-3AD203B41FA5}">
+                      <a16:colId xmlns:a16="http://schemas.microsoft.com/office/drawing/2014/main" xmlns="" val="4004638405"/>
+                    </a:ext>
+                  </a:extLst>
+                </a:gridCol>
+                <a:gridCol w="8067675">
+                  <a:extLst>
+                    <a:ext uri="{9D8B030D-6E8A-4147-A177-3AD203B41FA5}">
+                      <a16:colId xmlns:a16="http://schemas.microsoft.com/office/drawing/2014/main" xmlns="" val="3469210420"/>
+                    </a:ext>
+                  </a:extLst>
+                </a:gridCol>
+              </a:tblGrid>
+              <a:tr h="483349">
+                <a:tc>
+                  <a:txBody>
+                    <a:bodyPr/>
+                    <a:lstStyle/>
+                    <a:p>
+                      <a:r>
+                        <a:rPr lang="es-AR" dirty="0"/>
+                        <a:t>Nombre</a:t>
+                      </a:r>
+                    </a:p>
+                  </a:txBody>
+                  <a:tcPr/>
+                </a:tc>
+                <a:tc>
+                  <a:txBody>
+                    <a:bodyPr/>
+                    <a:lstStyle/>
+                    <a:p>
+                      <a:r>
+                        <a:rPr lang="es-AR" dirty="0"/>
+                        <a:t>Descripción</a:t>
+                      </a:r>
+                    </a:p>
+                  </a:txBody>
+                  <a:tcPr/>
+                </a:tc>
+                <a:extLst>
+                  <a:ext uri="{0D108BD9-81ED-4DB2-BD59-A6C34878D82A}">
+                    <a16:rowId xmlns:a16="http://schemas.microsoft.com/office/drawing/2014/main" xmlns="" val="804105809"/>
+                  </a:ext>
+                </a:extLst>
+              </a:tr>
+              <a:tr h="725972">
+                <a:tc>
+                  <a:txBody>
+                    <a:bodyPr/>
+                    <a:lstStyle/>
+                    <a:p>
+                      <a:r>
+                        <a:rPr lang="es-AR" dirty="0"/>
+                        <a:t>async</a:t>
+                      </a:r>
+                    </a:p>
+                  </a:txBody>
+                  <a:tcPr/>
+                </a:tc>
+                <a:tc>
+                  <a:txBody>
+                    <a:bodyPr/>
+                    <a:lstStyle/>
+                    <a:p>
+                      <a:r>
+                        <a:rPr lang="es-AR" sz="1800" b="0" i="0" kern="1200" dirty="0">
+                          <a:solidFill>
+                            <a:schemeClr val="dk1"/>
+                          </a:solidFill>
+                          <a:effectLst/>
+                          <a:latin typeface="+mn-lt"/>
+                          <a:ea typeface="+mn-ea"/>
+                          <a:cs typeface="+mn-cs"/>
+                        </a:rPr>
+                        <a:t>Un valor booleano que indica si la solicitud debe manejarse de forma asíncrona o no. El valor predeterminado es verdadero</a:t>
+                      </a:r>
+                      <a:endParaRPr lang="es-AR" dirty="0"/>
+                    </a:p>
+                  </a:txBody>
+                  <a:tcPr/>
+                </a:tc>
+                <a:extLst>
+                  <a:ext uri="{0D108BD9-81ED-4DB2-BD59-A6C34878D82A}">
+                    <a16:rowId xmlns:a16="http://schemas.microsoft.com/office/drawing/2014/main" xmlns="" val="2792670759"/>
+                  </a:ext>
+                </a:extLst>
+              </a:tr>
+              <a:tr h="216415">
+                <a:tc>
+                  <a:txBody>
+                    <a:bodyPr/>
+                    <a:lstStyle/>
+                    <a:p>
+                      <a:pPr marL="0" marR="0" lvl="0" indent="0" algn="l" defTabSz="457200" rtl="0" eaLnBrk="1" fontAlgn="auto" latinLnBrk="0" hangingPunct="1">
+                        <a:lnSpc>
+                          <a:spcPct val="100000"/>
+                        </a:lnSpc>
+                        <a:spcBef>
+                          <a:spcPts val="0"/>
+                        </a:spcBef>
+                        <a:spcAft>
+                          <a:spcPts val="0"/>
+                        </a:spcAft>
+                        <a:buClrTx/>
+                        <a:buSzTx/>
+                        <a:buFontTx/>
+                        <a:buNone/>
+                        <a:tabLst/>
+                        <a:defRPr/>
+                      </a:pPr>
+                      <a:r>
+                        <a:rPr lang="es-AR" dirty="0" err="1"/>
+                        <a:t>beforeSend</a:t>
+                      </a:r>
+                      <a:r>
+                        <a:rPr lang="es-AR" dirty="0"/>
+                        <a:t>(</a:t>
+                      </a:r>
+                      <a:r>
+                        <a:rPr lang="es-AR" dirty="0" err="1"/>
+                        <a:t>xhr</a:t>
+                      </a:r>
+                      <a:r>
+                        <a:rPr lang="es-AR" dirty="0"/>
+                        <a:t>)</a:t>
+                      </a:r>
+                    </a:p>
+                    <a:p>
+                      <a:endParaRPr lang="es-AR" dirty="0"/>
+                    </a:p>
+                  </a:txBody>
+                  <a:tcPr/>
+                </a:tc>
+                <a:tc>
+                  <a:txBody>
+                    <a:bodyPr/>
+                    <a:lstStyle/>
+                    <a:p>
+                      <a:r>
+                        <a:rPr lang="es-ES" dirty="0"/>
+                        <a:t>Una función para ejecutar antes de enviar la solicitud</a:t>
+                      </a:r>
+                      <a:endParaRPr lang="es-AR" dirty="0"/>
+                    </a:p>
+                  </a:txBody>
+                  <a:tcPr/>
+                </a:tc>
+                <a:extLst>
+                  <a:ext uri="{0D108BD9-81ED-4DB2-BD59-A6C34878D82A}">
+                    <a16:rowId xmlns:a16="http://schemas.microsoft.com/office/drawing/2014/main" xmlns="" val="3714785968"/>
+                  </a:ext>
+                </a:extLst>
+              </a:tr>
+              <a:tr h="766626">
+                <a:tc>
+                  <a:txBody>
+                    <a:bodyPr/>
+                    <a:lstStyle/>
+                    <a:p>
+                      <a:r>
+                        <a:rPr lang="es-AR" dirty="0"/>
+                        <a:t>cache</a:t>
+                      </a:r>
+                    </a:p>
+                  </a:txBody>
+                  <a:tcPr/>
+                </a:tc>
+                <a:tc>
+                  <a:txBody>
+                    <a:bodyPr/>
+                    <a:lstStyle/>
+                    <a:p>
+                      <a:r>
+                        <a:rPr lang="es-AR" sz="1800" b="0" i="0" kern="1200" dirty="0">
+                          <a:solidFill>
+                            <a:schemeClr val="dk1"/>
+                          </a:solidFill>
+                          <a:effectLst/>
+                          <a:latin typeface="+mn-lt"/>
+                          <a:ea typeface="+mn-ea"/>
+                          <a:cs typeface="+mn-cs"/>
+                        </a:rPr>
+                        <a:t>Un valor booleano que indica si el navegador debe almacenar en caché las páginas solicitadas. El valor predeterminado es verdadero</a:t>
+                      </a:r>
+                      <a:endParaRPr lang="es-AR" dirty="0"/>
+                    </a:p>
+                  </a:txBody>
+                  <a:tcPr/>
+                </a:tc>
+                <a:extLst>
+                  <a:ext uri="{0D108BD9-81ED-4DB2-BD59-A6C34878D82A}">
+                    <a16:rowId xmlns:a16="http://schemas.microsoft.com/office/drawing/2014/main" xmlns="" val="2715878430"/>
+                  </a:ext>
+                </a:extLst>
+              </a:tr>
+              <a:tr h="127696">
+                <a:tc>
+                  <a:txBody>
+                    <a:bodyPr/>
+                    <a:lstStyle/>
+                    <a:p>
+                      <a:r>
+                        <a:rPr lang="es-AR" dirty="0"/>
+                        <a:t>complete(</a:t>
+                      </a:r>
+                      <a:r>
+                        <a:rPr lang="es-AR" dirty="0" err="1"/>
+                        <a:t>xhr</a:t>
+                      </a:r>
+                      <a:r>
+                        <a:rPr lang="es-AR" dirty="0"/>
+                        <a:t>, status)</a:t>
+                      </a:r>
+                    </a:p>
+                  </a:txBody>
+                  <a:tcPr/>
+                </a:tc>
+                <a:tc>
+                  <a:txBody>
+                    <a:bodyPr/>
+                    <a:lstStyle/>
+                    <a:p>
+                      <a:r>
+                        <a:rPr lang="es-AR" sz="1800" b="0" i="0" kern="1200" dirty="0">
+                          <a:solidFill>
+                            <a:schemeClr val="dk1"/>
+                          </a:solidFill>
+                          <a:effectLst/>
+                          <a:latin typeface="+mn-lt"/>
+                          <a:ea typeface="+mn-ea"/>
+                          <a:cs typeface="+mn-cs"/>
+                        </a:rPr>
+                        <a:t>Una función para ejecutar cuando finaliza la solicitud (después de las funciones de éxito y error)</a:t>
+                      </a:r>
+                      <a:endParaRPr lang="es-AR" dirty="0"/>
+                    </a:p>
+                  </a:txBody>
+                  <a:tcPr/>
+                </a:tc>
+                <a:extLst>
+                  <a:ext uri="{0D108BD9-81ED-4DB2-BD59-A6C34878D82A}">
+                    <a16:rowId xmlns:a16="http://schemas.microsoft.com/office/drawing/2014/main" xmlns="" val="2688151404"/>
+                  </a:ext>
+                </a:extLst>
+              </a:tr>
+              <a:tr h="483349">
+                <a:tc>
+                  <a:txBody>
+                    <a:bodyPr/>
+                    <a:lstStyle/>
+                    <a:p>
+                      <a:r>
+                        <a:rPr lang="es-AR" dirty="0" err="1"/>
+                        <a:t>contentType</a:t>
+                      </a:r>
+                      <a:endParaRPr lang="es-AR" dirty="0"/>
+                    </a:p>
+                  </a:txBody>
+                  <a:tcPr/>
+                </a:tc>
+                <a:tc>
+                  <a:txBody>
+                    <a:bodyPr/>
+                    <a:lstStyle/>
+                    <a:p>
+                      <a:r>
+                        <a:rPr lang="es-AR" sz="1800" b="0" i="0" kern="1200" dirty="0">
+                          <a:solidFill>
+                            <a:schemeClr val="dk1"/>
+                          </a:solidFill>
+                          <a:effectLst/>
+                          <a:latin typeface="+mn-lt"/>
+                          <a:ea typeface="+mn-ea"/>
+                          <a:cs typeface="+mn-cs"/>
+                        </a:rPr>
+                        <a:t>El tipo de contenido utilizado al enviar datos al servidor. El valor predeterminado es: "</a:t>
+                      </a:r>
+                      <a:r>
+                        <a:rPr lang="es-AR" sz="1800" b="0" i="0" kern="1200" dirty="0" err="1">
+                          <a:solidFill>
+                            <a:schemeClr val="dk1"/>
+                          </a:solidFill>
+                          <a:effectLst/>
+                          <a:latin typeface="+mn-lt"/>
+                          <a:ea typeface="+mn-ea"/>
+                          <a:cs typeface="+mn-cs"/>
+                        </a:rPr>
+                        <a:t>application</a:t>
+                      </a:r>
+                      <a:r>
+                        <a:rPr lang="es-AR" sz="1800" b="0" i="0" kern="1200" dirty="0">
+                          <a:solidFill>
+                            <a:schemeClr val="dk1"/>
+                          </a:solidFill>
+                          <a:effectLst/>
+                          <a:latin typeface="+mn-lt"/>
+                          <a:ea typeface="+mn-ea"/>
+                          <a:cs typeface="+mn-cs"/>
+                        </a:rPr>
+                        <a:t> / x-www-</a:t>
+                      </a:r>
+                      <a:r>
+                        <a:rPr lang="es-AR" sz="1800" b="0" i="0" kern="1200" dirty="0" err="1">
+                          <a:solidFill>
+                            <a:schemeClr val="dk1"/>
+                          </a:solidFill>
+                          <a:effectLst/>
+                          <a:latin typeface="+mn-lt"/>
+                          <a:ea typeface="+mn-ea"/>
+                          <a:cs typeface="+mn-cs"/>
+                        </a:rPr>
+                        <a:t>form</a:t>
+                      </a:r>
+                      <a:r>
+                        <a:rPr lang="es-AR" sz="1800" b="0" i="0" kern="1200" dirty="0">
+                          <a:solidFill>
+                            <a:schemeClr val="dk1"/>
+                          </a:solidFill>
+                          <a:effectLst/>
+                          <a:latin typeface="+mn-lt"/>
+                          <a:ea typeface="+mn-ea"/>
+                          <a:cs typeface="+mn-cs"/>
+                        </a:rPr>
+                        <a:t>-</a:t>
+                      </a:r>
+                      <a:r>
+                        <a:rPr lang="es-AR" sz="1800" b="0" i="0" kern="1200" dirty="0" err="1">
+                          <a:solidFill>
+                            <a:schemeClr val="dk1"/>
+                          </a:solidFill>
+                          <a:effectLst/>
+                          <a:latin typeface="+mn-lt"/>
+                          <a:ea typeface="+mn-ea"/>
+                          <a:cs typeface="+mn-cs"/>
+                        </a:rPr>
+                        <a:t>urlencoded</a:t>
+                      </a:r>
+                      <a:r>
+                        <a:rPr lang="es-AR" sz="1800" b="0" i="0" kern="1200" dirty="0">
+                          <a:solidFill>
+                            <a:schemeClr val="dk1"/>
+                          </a:solidFill>
+                          <a:effectLst/>
+                          <a:latin typeface="+mn-lt"/>
+                          <a:ea typeface="+mn-ea"/>
+                          <a:cs typeface="+mn-cs"/>
+                        </a:rPr>
+                        <a:t>"</a:t>
+                      </a:r>
+                      <a:endParaRPr lang="es-AR" dirty="0"/>
+                    </a:p>
+                  </a:txBody>
+                  <a:tcPr/>
+                </a:tc>
+                <a:extLst>
+                  <a:ext uri="{0D108BD9-81ED-4DB2-BD59-A6C34878D82A}">
+                    <a16:rowId xmlns:a16="http://schemas.microsoft.com/office/drawing/2014/main" xmlns="" val="1340399271"/>
+                  </a:ext>
+                </a:extLst>
+              </a:tr>
+            </a:tbl>
+          </a:graphicData>
+        </a:graphic>
+      </p:graphicFrame>
+    </p:spTree>
+    <p:extLst>
+      <p:ext uri="{BB962C8B-B14F-4D97-AF65-F5344CB8AC3E}">
+        <p14:creationId xmlns:p14="http://schemas.microsoft.com/office/powerpoint/2010/main" val="1310010006"/>
+      </p:ext>
+    </p:extLst>
+  </p:cSld>
+  <p:clrMapOvr>
+    <a:masterClrMapping/>
+  </p:clrMapOvr>
+</p:sld>
+</file>
+
+<file path=ppt/slides/slide28.xml><?xml version="1.0" encoding="utf-8"?>
+<p:sld xmlns:a="http://schemas.openxmlformats.org/drawingml/2006/main" xmlns:r="http://schemas.openxmlformats.org/officeDocument/2006/relationships" xmlns:p="http://schemas.openxmlformats.org/presentationml/2006/main">
+  <p:cSld>
+    <p:spTree>
+      <p:nvGrpSpPr>
+        <p:cNvPr id="1" name=""/>
+        <p:cNvGrpSpPr/>
+        <p:nvPr/>
+      </p:nvGrpSpPr>
+      <p:grpSpPr>
+        <a:xfrm>
+          <a:off x="0" y="0"/>
+          <a:ext cx="0" cy="0"/>
+          <a:chOff x="0" y="0"/>
+          <a:chExt cx="0" cy="0"/>
+        </a:xfrm>
+      </p:grpSpPr>
+      <p:sp>
+        <p:nvSpPr>
+          <p:cNvPr id="2" name="Título 1">
+            <a:extLst>
+              <a:ext uri="{FF2B5EF4-FFF2-40B4-BE49-F238E27FC236}">
+                <a16:creationId xmlns:a16="http://schemas.microsoft.com/office/drawing/2014/main" xmlns="" id="{AB5F6D78-C805-49AA-B3DE-EA303AC86AD3}"/>
+              </a:ext>
+            </a:extLst>
+          </p:cNvPr>
+          <p:cNvSpPr>
+            <a:spLocks noGrp="1"/>
+          </p:cNvSpPr>
+          <p:nvPr>
+            <p:ph type="title"/>
+          </p:nvPr>
+        </p:nvSpPr>
+        <p:spPr/>
+        <p:txBody>
+          <a:bodyPr/>
+          <a:lstStyle/>
+          <a:p>
+            <a:r>
+              <a:rPr lang="es-AR" dirty="0"/>
+              <a:t>$.</a:t>
+            </a:r>
+            <a:r>
+              <a:rPr lang="es-AR" dirty="0" err="1"/>
+              <a:t>ajax</a:t>
+            </a:r>
+            <a:r>
+              <a:rPr lang="es-AR" dirty="0"/>
+              <a:t>()  II</a:t>
+            </a:r>
+          </a:p>
+        </p:txBody>
+      </p:sp>
+      <p:sp>
+        <p:nvSpPr>
+          <p:cNvPr id="3" name="Marcador de contenido 2">
+            <a:extLst>
+              <a:ext uri="{FF2B5EF4-FFF2-40B4-BE49-F238E27FC236}">
+                <a16:creationId xmlns:a16="http://schemas.microsoft.com/office/drawing/2014/main" xmlns="" id="{BAE85C61-DF5E-4098-9F28-7AE6E145AB00}"/>
+              </a:ext>
+            </a:extLst>
+          </p:cNvPr>
+          <p:cNvSpPr>
+            <a:spLocks noGrp="1"/>
+          </p:cNvSpPr>
+          <p:nvPr>
+            <p:ph idx="1"/>
+          </p:nvPr>
+        </p:nvSpPr>
+        <p:spPr>
+          <a:xfrm>
+            <a:off x="466725" y="1371600"/>
+            <a:ext cx="11079163" cy="4876799"/>
+          </a:xfrm>
+        </p:spPr>
+        <p:txBody>
+          <a:bodyPr/>
+          <a:lstStyle/>
+          <a:p>
+            <a:r>
+              <a:rPr lang="es-AR" dirty="0"/>
+              <a:t>Sintaxis:       $.</a:t>
+            </a:r>
+            <a:r>
+              <a:rPr lang="es-AR" dirty="0" err="1"/>
+              <a:t>ajax</a:t>
+            </a:r>
+            <a:r>
+              <a:rPr lang="es-AR" dirty="0"/>
+              <a:t>( {</a:t>
+            </a:r>
+            <a:r>
+              <a:rPr lang="es-AR" dirty="0" err="1"/>
+              <a:t>name</a:t>
+            </a:r>
+            <a:r>
+              <a:rPr lang="es-AR" dirty="0"/>
+              <a:t>: </a:t>
+            </a:r>
+            <a:r>
+              <a:rPr lang="es-AR" dirty="0" err="1"/>
+              <a:t>value</a:t>
+            </a:r>
+            <a:r>
+              <a:rPr lang="es-AR" dirty="0"/>
+              <a:t>, </a:t>
+            </a:r>
+            <a:r>
+              <a:rPr lang="es-AR" dirty="0" err="1"/>
+              <a:t>name</a:t>
+            </a:r>
+            <a:r>
+              <a:rPr lang="es-AR" dirty="0"/>
+              <a:t>: </a:t>
+            </a:r>
+            <a:r>
+              <a:rPr lang="es-AR" dirty="0" err="1"/>
+              <a:t>value</a:t>
+            </a:r>
+            <a:r>
+              <a:rPr lang="es-AR" dirty="0"/>
+              <a:t>, …….});</a:t>
+            </a:r>
+          </a:p>
+        </p:txBody>
+      </p:sp>
+      <p:graphicFrame>
+        <p:nvGraphicFramePr>
+          <p:cNvPr id="4" name="Tabla 4">
+            <a:extLst>
+              <a:ext uri="{FF2B5EF4-FFF2-40B4-BE49-F238E27FC236}">
+                <a16:creationId xmlns:a16="http://schemas.microsoft.com/office/drawing/2014/main" xmlns="" id="{AB743ECA-5815-4D85-8A18-B29D5C141877}"/>
+              </a:ext>
+            </a:extLst>
+          </p:cNvPr>
+          <p:cNvGraphicFramePr>
+            <a:graphicFrameLocks noGrp="1"/>
+          </p:cNvGraphicFramePr>
+          <p:nvPr>
+            <p:extLst>
+              <p:ext uri="{D42A27DB-BD31-4B8C-83A1-F6EECF244321}">
+                <p14:modId xmlns:p14="http://schemas.microsoft.com/office/powerpoint/2010/main" val="2590497382"/>
+              </p:ext>
+            </p:extLst>
+          </p:nvPr>
+        </p:nvGraphicFramePr>
+        <p:xfrm>
+          <a:off x="544512" y="2270131"/>
+          <a:ext cx="10923588" cy="4430096"/>
+        </p:xfrm>
+        <a:graphic>
+          <a:graphicData uri="http://schemas.openxmlformats.org/drawingml/2006/table">
+            <a:tbl>
+              <a:tblPr firstRow="1" bandRow="1">
+                <a:tableStyleId>{5C22544A-7EE6-4342-B048-85BDC9FD1C3A}</a:tableStyleId>
+              </a:tblPr>
+              <a:tblGrid>
+                <a:gridCol w="3170238">
+                  <a:extLst>
+                    <a:ext uri="{9D8B030D-6E8A-4147-A177-3AD203B41FA5}">
+                      <a16:colId xmlns:a16="http://schemas.microsoft.com/office/drawing/2014/main" xmlns="" val="4004638405"/>
+                    </a:ext>
+                  </a:extLst>
+                </a:gridCol>
+                <a:gridCol w="7753350">
+                  <a:extLst>
+                    <a:ext uri="{9D8B030D-6E8A-4147-A177-3AD203B41FA5}">
+                      <a16:colId xmlns:a16="http://schemas.microsoft.com/office/drawing/2014/main" xmlns="" val="3469210420"/>
+                    </a:ext>
+                  </a:extLst>
+                </a:gridCol>
+              </a:tblGrid>
+              <a:tr h="483349">
+                <a:tc>
+                  <a:txBody>
+                    <a:bodyPr/>
+                    <a:lstStyle/>
+                    <a:p>
+                      <a:r>
+                        <a:rPr lang="es-AR" dirty="0"/>
+                        <a:t>Nombre</a:t>
+                      </a:r>
+                    </a:p>
+                  </a:txBody>
+                  <a:tcPr/>
+                </a:tc>
+                <a:tc>
+                  <a:txBody>
+                    <a:bodyPr/>
+                    <a:lstStyle/>
+                    <a:p>
+                      <a:r>
+                        <a:rPr lang="es-AR" dirty="0"/>
+                        <a:t>Descripción</a:t>
+                      </a:r>
+                    </a:p>
+                  </a:txBody>
+                  <a:tcPr/>
+                </a:tc>
+                <a:extLst>
+                  <a:ext uri="{0D108BD9-81ED-4DB2-BD59-A6C34878D82A}">
+                    <a16:rowId xmlns:a16="http://schemas.microsoft.com/office/drawing/2014/main" xmlns="" val="804105809"/>
+                  </a:ext>
+                </a:extLst>
+              </a:tr>
+              <a:tr h="725972">
+                <a:tc>
+                  <a:txBody>
+                    <a:bodyPr/>
+                    <a:lstStyle/>
+                    <a:p>
+                      <a:r>
+                        <a:rPr lang="es-AR" dirty="0"/>
+                        <a:t>data</a:t>
+                      </a:r>
+                    </a:p>
+                  </a:txBody>
+                  <a:tcPr/>
+                </a:tc>
+                <a:tc>
+                  <a:txBody>
+                    <a:bodyPr/>
+                    <a:lstStyle/>
+                    <a:p>
+                      <a:r>
+                        <a:rPr lang="es-AR" sz="1800" b="0" i="0" kern="1200" dirty="0">
+                          <a:solidFill>
+                            <a:schemeClr val="dk1"/>
+                          </a:solidFill>
+                          <a:effectLst/>
+                          <a:latin typeface="+mn-lt"/>
+                          <a:ea typeface="+mn-ea"/>
+                          <a:cs typeface="+mn-cs"/>
+                        </a:rPr>
+                        <a:t>Especifica los datos que se enviarán al servidor.</a:t>
+                      </a:r>
+                      <a:endParaRPr lang="es-AR" dirty="0"/>
+                    </a:p>
+                  </a:txBody>
+                  <a:tcPr/>
+                </a:tc>
+                <a:extLst>
+                  <a:ext uri="{0D108BD9-81ED-4DB2-BD59-A6C34878D82A}">
+                    <a16:rowId xmlns:a16="http://schemas.microsoft.com/office/drawing/2014/main" xmlns="" val="2792670759"/>
+                  </a:ext>
+                </a:extLst>
+              </a:tr>
+              <a:tr h="216415">
+                <a:tc>
+                  <a:txBody>
+                    <a:bodyPr/>
+                    <a:lstStyle/>
+                    <a:p>
+                      <a:pPr marL="0" marR="0" lvl="0" indent="0" algn="l" defTabSz="457200" rtl="0" eaLnBrk="1" fontAlgn="auto" latinLnBrk="0" hangingPunct="1">
+                        <a:lnSpc>
+                          <a:spcPct val="100000"/>
+                        </a:lnSpc>
+                        <a:spcBef>
+                          <a:spcPts val="0"/>
+                        </a:spcBef>
+                        <a:spcAft>
+                          <a:spcPts val="0"/>
+                        </a:spcAft>
+                        <a:buClrTx/>
+                        <a:buSzTx/>
+                        <a:buFontTx/>
+                        <a:buNone/>
+                        <a:tabLst/>
+                        <a:defRPr/>
+                      </a:pPr>
+                      <a:r>
+                        <a:rPr lang="es-AR" dirty="0"/>
+                        <a:t>error(</a:t>
+                      </a:r>
+                      <a:r>
+                        <a:rPr lang="es-AR" dirty="0" err="1"/>
+                        <a:t>xhr</a:t>
+                      </a:r>
+                      <a:r>
+                        <a:rPr lang="es-AR" dirty="0"/>
+                        <a:t>, status, error)</a:t>
+                      </a:r>
+                    </a:p>
+                    <a:p>
+                      <a:endParaRPr lang="es-AR" dirty="0"/>
+                    </a:p>
+                  </a:txBody>
+                  <a:tcPr/>
+                </a:tc>
+                <a:tc>
+                  <a:txBody>
+                    <a:bodyPr/>
+                    <a:lstStyle/>
+                    <a:p>
+                      <a:r>
+                        <a:rPr lang="es-AR" sz="1800" b="0" i="0" kern="1200" dirty="0">
+                          <a:solidFill>
+                            <a:schemeClr val="dk1"/>
+                          </a:solidFill>
+                          <a:effectLst/>
+                          <a:latin typeface="+mn-lt"/>
+                          <a:ea typeface="+mn-ea"/>
+                          <a:cs typeface="+mn-cs"/>
+                        </a:rPr>
+                        <a:t>Una función para ejecutar si la solicitud falla.</a:t>
+                      </a:r>
+                      <a:endParaRPr lang="es-AR" dirty="0"/>
+                    </a:p>
+                  </a:txBody>
+                  <a:tcPr/>
+                </a:tc>
+                <a:extLst>
+                  <a:ext uri="{0D108BD9-81ED-4DB2-BD59-A6C34878D82A}">
+                    <a16:rowId xmlns:a16="http://schemas.microsoft.com/office/drawing/2014/main" xmlns="" val="3714785968"/>
+                  </a:ext>
+                </a:extLst>
+              </a:tr>
+              <a:tr h="490568">
+                <a:tc>
+                  <a:txBody>
+                    <a:bodyPr/>
+                    <a:lstStyle/>
+                    <a:p>
+                      <a:r>
+                        <a:rPr lang="es-AR" dirty="0" err="1"/>
+                        <a:t>type</a:t>
+                      </a:r>
+                      <a:endParaRPr lang="es-AR" dirty="0"/>
+                    </a:p>
+                  </a:txBody>
+                  <a:tcPr/>
+                </a:tc>
+                <a:tc>
+                  <a:txBody>
+                    <a:bodyPr/>
+                    <a:lstStyle/>
+                    <a:p>
+                      <a:r>
+                        <a:rPr lang="es-AR" sz="1800" b="0" i="0" kern="1200" dirty="0">
+                          <a:solidFill>
+                            <a:schemeClr val="dk1"/>
+                          </a:solidFill>
+                          <a:effectLst/>
+                          <a:latin typeface="+mn-lt"/>
+                          <a:ea typeface="+mn-ea"/>
+                          <a:cs typeface="+mn-cs"/>
+                        </a:rPr>
+                        <a:t>Especifica el tipo de solicitud. ( GET o POST)</a:t>
+                      </a:r>
+                      <a:endParaRPr lang="es-AR" dirty="0"/>
+                    </a:p>
+                  </a:txBody>
+                  <a:tcPr/>
+                </a:tc>
+                <a:extLst>
+                  <a:ext uri="{0D108BD9-81ED-4DB2-BD59-A6C34878D82A}">
+                    <a16:rowId xmlns:a16="http://schemas.microsoft.com/office/drawing/2014/main" xmlns="" val="2715878430"/>
+                  </a:ext>
+                </a:extLst>
+              </a:tr>
+              <a:tr h="127696">
+                <a:tc>
+                  <a:txBody>
+                    <a:bodyPr/>
+                    <a:lstStyle/>
+                    <a:p>
+                      <a:r>
+                        <a:rPr lang="es-AR" dirty="0"/>
+                        <a:t>url</a:t>
+                      </a:r>
+                    </a:p>
+                  </a:txBody>
+                  <a:tcPr/>
+                </a:tc>
+                <a:tc>
+                  <a:txBody>
+                    <a:bodyPr/>
+                    <a:lstStyle/>
+                    <a:p>
+                      <a:r>
+                        <a:rPr lang="es-AR" sz="1800" b="0" i="0" kern="1200" dirty="0">
+                          <a:solidFill>
+                            <a:schemeClr val="dk1"/>
+                          </a:solidFill>
+                          <a:effectLst/>
+                          <a:latin typeface="+mn-lt"/>
+                          <a:ea typeface="+mn-ea"/>
+                          <a:cs typeface="+mn-cs"/>
+                        </a:rPr>
+                        <a:t>Especifica la URL a la que enviar la solicitud. El valor predeterminado es la página actual.</a:t>
+                      </a:r>
+                      <a:endParaRPr lang="es-AR" dirty="0"/>
+                    </a:p>
+                  </a:txBody>
+                  <a:tcPr/>
+                </a:tc>
+                <a:extLst>
+                  <a:ext uri="{0D108BD9-81ED-4DB2-BD59-A6C34878D82A}">
+                    <a16:rowId xmlns:a16="http://schemas.microsoft.com/office/drawing/2014/main" xmlns="" val="2688151404"/>
+                  </a:ext>
+                </a:extLst>
+              </a:tr>
+              <a:tr h="483349">
+                <a:tc>
+                  <a:txBody>
+                    <a:bodyPr/>
+                    <a:lstStyle/>
+                    <a:p>
+                      <a:r>
+                        <a:rPr lang="es-AR" dirty="0" err="1"/>
+                        <a:t>success</a:t>
+                      </a:r>
+                      <a:r>
+                        <a:rPr lang="es-AR" dirty="0"/>
+                        <a:t>(</a:t>
+                      </a:r>
+                      <a:r>
+                        <a:rPr lang="es-AR" dirty="0" err="1"/>
+                        <a:t>result</a:t>
+                      </a:r>
+                      <a:r>
+                        <a:rPr lang="es-AR" dirty="0"/>
+                        <a:t>, status, </a:t>
+                      </a:r>
+                      <a:r>
+                        <a:rPr lang="es-AR" dirty="0" err="1"/>
+                        <a:t>xhr</a:t>
+                      </a:r>
+                      <a:r>
+                        <a:rPr lang="es-AR" dirty="0"/>
+                        <a:t>)</a:t>
+                      </a:r>
+                    </a:p>
+                  </a:txBody>
+                  <a:tcPr/>
+                </a:tc>
+                <a:tc>
+                  <a:txBody>
+                    <a:bodyPr/>
+                    <a:lstStyle/>
+                    <a:p>
+                      <a:r>
+                        <a:rPr lang="es-AR" sz="1800" b="0" i="0" kern="1200" dirty="0">
+                          <a:solidFill>
+                            <a:schemeClr val="dk1"/>
+                          </a:solidFill>
+                          <a:effectLst/>
+                          <a:latin typeface="+mn-lt"/>
+                          <a:ea typeface="+mn-ea"/>
+                          <a:cs typeface="+mn-cs"/>
+                        </a:rPr>
+                        <a:t>Una función que se ejecutará cuando la solicitud tenga éxito</a:t>
+                      </a:r>
+                      <a:endParaRPr lang="es-AR" dirty="0"/>
+                    </a:p>
+                  </a:txBody>
+                  <a:tcPr/>
+                </a:tc>
+                <a:extLst>
+                  <a:ext uri="{0D108BD9-81ED-4DB2-BD59-A6C34878D82A}">
+                    <a16:rowId xmlns:a16="http://schemas.microsoft.com/office/drawing/2014/main" xmlns="" val="1340399271"/>
+                  </a:ext>
+                </a:extLst>
+              </a:tr>
+              <a:tr h="483349">
+                <a:tc>
+                  <a:txBody>
+                    <a:bodyPr/>
+                    <a:lstStyle/>
+                    <a:p>
+                      <a:r>
+                        <a:rPr lang="es-AR" dirty="0" err="1"/>
+                        <a:t>dataType</a:t>
+                      </a:r>
+                      <a:endParaRPr lang="es-AR" dirty="0"/>
+                    </a:p>
+                  </a:txBody>
+                  <a:tcPr/>
+                </a:tc>
+                <a:tc>
+                  <a:txBody>
+                    <a:bodyPr/>
+                    <a:lstStyle/>
+                    <a:p>
+                      <a:r>
+                        <a:rPr lang="es-AR" dirty="0"/>
+                        <a:t>El tipo de información que se espera de </a:t>
+                      </a:r>
+                      <a:r>
+                        <a:rPr lang="es-AR"/>
+                        <a:t>la respuesta</a:t>
+                      </a:r>
+                      <a:endParaRPr lang="es-AR" dirty="0"/>
+                    </a:p>
+                  </a:txBody>
+                  <a:tcPr/>
+                </a:tc>
+                <a:extLst>
+                  <a:ext uri="{0D108BD9-81ED-4DB2-BD59-A6C34878D82A}">
+                    <a16:rowId xmlns:a16="http://schemas.microsoft.com/office/drawing/2014/main" xmlns="" val="657509231"/>
+                  </a:ext>
+                </a:extLst>
+              </a:tr>
+              <a:tr h="483349">
+                <a:tc>
+                  <a:txBody>
+                    <a:bodyPr/>
+                    <a:lstStyle/>
+                    <a:p>
+                      <a:endParaRPr lang="es-AR" dirty="0"/>
+                    </a:p>
+                  </a:txBody>
+                  <a:tcPr/>
+                </a:tc>
+                <a:tc>
+                  <a:txBody>
+                    <a:bodyPr/>
+                    <a:lstStyle/>
+                    <a:p>
+                      <a:endParaRPr lang="es-AR" dirty="0"/>
+                    </a:p>
+                  </a:txBody>
+                  <a:tcPr/>
+                </a:tc>
+                <a:extLst>
+                  <a:ext uri="{0D108BD9-81ED-4DB2-BD59-A6C34878D82A}">
+                    <a16:rowId xmlns:a16="http://schemas.microsoft.com/office/drawing/2014/main" xmlns="" val="145666458"/>
+                  </a:ext>
+                </a:extLst>
+              </a:tr>
+            </a:tbl>
+          </a:graphicData>
+        </a:graphic>
+      </p:graphicFrame>
+    </p:spTree>
+    <p:extLst>
+      <p:ext uri="{BB962C8B-B14F-4D97-AF65-F5344CB8AC3E}">
+        <p14:creationId xmlns:p14="http://schemas.microsoft.com/office/powerpoint/2010/main" val="3082408763"/>
+      </p:ext>
+    </p:extLst>
+  </p:cSld>
+  <p:clrMapOvr>
+    <a:masterClrMapping/>
+  </p:clrMapOvr>
+</p:sld>
+</file>
+
+<file path=ppt/slides/slide29.xml><?xml version="1.0" encoding="utf-8"?>
+<p:sld xmlns:a="http://schemas.openxmlformats.org/drawingml/2006/main" xmlns:r="http://schemas.openxmlformats.org/officeDocument/2006/relationships" xmlns:p="http://schemas.openxmlformats.org/presentationml/2006/main">
+  <p:cSld>
+    <p:spTree>
+      <p:nvGrpSpPr>
+        <p:cNvPr id="1" name=""/>
+        <p:cNvGrpSpPr/>
+        <p:nvPr/>
+      </p:nvGrpSpPr>
+      <p:grpSpPr>
+        <a:xfrm>
+          <a:off x="0" y="0"/>
+          <a:ext cx="0" cy="0"/>
+          <a:chOff x="0" y="0"/>
+          <a:chExt cx="0" cy="0"/>
+        </a:xfrm>
+      </p:grpSpPr>
+      <p:sp>
+        <p:nvSpPr>
+          <p:cNvPr id="2" name="Título 1">
+            <a:extLst>
+              <a:ext uri="{FF2B5EF4-FFF2-40B4-BE49-F238E27FC236}">
+                <a16:creationId xmlns:a16="http://schemas.microsoft.com/office/drawing/2014/main" xmlns="" id="{42E87DBB-73C8-4673-B06D-51F7D72A2CDD}"/>
+              </a:ext>
+            </a:extLst>
+          </p:cNvPr>
+          <p:cNvSpPr>
+            <a:spLocks noGrp="1"/>
+          </p:cNvSpPr>
+          <p:nvPr>
+            <p:ph type="title"/>
+          </p:nvPr>
+        </p:nvSpPr>
+        <p:spPr/>
+        <p:txBody>
+          <a:bodyPr/>
+          <a:lstStyle/>
+          <a:p>
+            <a:r>
+              <a:rPr lang="es-AR" dirty="0"/>
+              <a:t>Método animate</a:t>
+            </a:r>
+          </a:p>
+        </p:txBody>
+      </p:sp>
+      <p:sp>
+        <p:nvSpPr>
+          <p:cNvPr id="3" name="Marcador de contenido 2">
+            <a:extLst>
+              <a:ext uri="{FF2B5EF4-FFF2-40B4-BE49-F238E27FC236}">
+                <a16:creationId xmlns:a16="http://schemas.microsoft.com/office/drawing/2014/main" xmlns="" id="{B6F1ADC1-478D-485F-A926-D01CFCE81043}"/>
+              </a:ext>
+            </a:extLst>
+          </p:cNvPr>
+          <p:cNvSpPr>
+            <a:spLocks noGrp="1"/>
+          </p:cNvSpPr>
+          <p:nvPr>
+            <p:ph idx="1"/>
+          </p:nvPr>
+        </p:nvSpPr>
+        <p:spPr>
+          <a:xfrm>
+            <a:off x="533400" y="1853248"/>
+            <a:ext cx="11153775" cy="4395151"/>
+          </a:xfrm>
+        </p:spPr>
+        <p:txBody>
+          <a:bodyPr/>
+          <a:lstStyle/>
+          <a:p>
+            <a:r>
+              <a:rPr lang="es-AR" dirty="0"/>
+              <a:t>Con </a:t>
+            </a:r>
+            <a:r>
+              <a:rPr lang="es-AR" b="1" dirty="0"/>
+              <a:t>jQuery animate()</a:t>
+            </a:r>
+            <a:r>
+              <a:rPr lang="es-AR" dirty="0"/>
+              <a:t> podemos hacer efectos de animación </a:t>
+            </a:r>
+            <a:r>
+              <a:rPr lang="es-AR" b="1" dirty="0"/>
+              <a:t>modificando las propiedades CSS</a:t>
+            </a:r>
+            <a:r>
+              <a:rPr lang="es-AR" dirty="0"/>
+              <a:t> de los elementos del DOM de nuestra web.</a:t>
+            </a:r>
+          </a:p>
+          <a:p>
+            <a:r>
+              <a:rPr lang="es-AR" dirty="0"/>
+              <a:t>Hasta ahora habíamos visto una serie de acciones cerradas con las funciones FadeIn y FadeOut, show y </a:t>
+            </a:r>
+            <a:r>
+              <a:rPr lang="es-AR" dirty="0" err="1"/>
+              <a:t>hide</a:t>
+            </a:r>
+            <a:r>
+              <a:rPr lang="es-AR" dirty="0"/>
+              <a:t>, addClass y removeCLass y </a:t>
+            </a:r>
+            <a:r>
+              <a:rPr lang="es-AR" dirty="0" err="1"/>
+              <a:t>attr</a:t>
+            </a:r>
+            <a:r>
+              <a:rPr lang="es-AR" dirty="0"/>
+              <a:t>.</a:t>
+            </a:r>
+          </a:p>
+          <a:p>
+            <a:r>
+              <a:rPr lang="es-AR" dirty="0"/>
+              <a:t>Pero con estas funciones nunca habíamos accedido a </a:t>
+            </a:r>
+            <a:r>
+              <a:rPr lang="es-AR" b="1" dirty="0"/>
+              <a:t>modificar CSS</a:t>
+            </a:r>
+            <a:r>
+              <a:rPr lang="es-AR" dirty="0"/>
+              <a:t> en tiempo real con jQuery. Con la función </a:t>
+            </a:r>
+            <a:r>
+              <a:rPr lang="es-AR" b="1" dirty="0"/>
+              <a:t>animate()</a:t>
+            </a:r>
+            <a:r>
+              <a:rPr lang="es-AR" dirty="0"/>
+              <a:t> podemos modificar CSS realizando animaciones, mientras que con la función css(), podemos modificar u obtener valores de las CSS.</a:t>
+            </a:r>
+          </a:p>
+          <a:p>
+            <a:endParaRPr lang="es-AR" dirty="0"/>
+          </a:p>
+        </p:txBody>
+      </p:sp>
+    </p:spTree>
+    <p:extLst>
+      <p:ext uri="{BB962C8B-B14F-4D97-AF65-F5344CB8AC3E}">
+        <p14:creationId xmlns:p14="http://schemas.microsoft.com/office/powerpoint/2010/main" val="1453772373"/>
       </p:ext>
     </p:extLst>
   </p:cSld>
@@ -8968,6 +10774,637 @@
     <p:extLst>
       <p:ext uri="{BB962C8B-B14F-4D97-AF65-F5344CB8AC3E}">
         <p14:creationId xmlns:p14="http://schemas.microsoft.com/office/powerpoint/2010/main" val="4172902354"/>
+      </p:ext>
+    </p:extLst>
+  </p:cSld>
+  <p:clrMapOvr>
+    <a:masterClrMapping/>
+  </p:clrMapOvr>
+</p:sld>
+</file>
+
+<file path=ppt/slides/slide30.xml><?xml version="1.0" encoding="utf-8"?>
+<p:sld xmlns:a="http://schemas.openxmlformats.org/drawingml/2006/main" xmlns:r="http://schemas.openxmlformats.org/officeDocument/2006/relationships" xmlns:p="http://schemas.openxmlformats.org/presentationml/2006/main">
+  <p:cSld>
+    <p:spTree>
+      <p:nvGrpSpPr>
+        <p:cNvPr id="1" name=""/>
+        <p:cNvGrpSpPr/>
+        <p:nvPr/>
+      </p:nvGrpSpPr>
+      <p:grpSpPr>
+        <a:xfrm>
+          <a:off x="0" y="0"/>
+          <a:ext cx="0" cy="0"/>
+          <a:chOff x="0" y="0"/>
+          <a:chExt cx="0" cy="0"/>
+        </a:xfrm>
+      </p:grpSpPr>
+      <p:sp>
+        <p:nvSpPr>
+          <p:cNvPr id="2" name="Título 1">
+            <a:extLst>
+              <a:ext uri="{FF2B5EF4-FFF2-40B4-BE49-F238E27FC236}">
+                <a16:creationId xmlns:a16="http://schemas.microsoft.com/office/drawing/2014/main" xmlns="" id="{57DCA016-D59E-4C7B-B861-54AF878FBB4E}"/>
+              </a:ext>
+            </a:extLst>
+          </p:cNvPr>
+          <p:cNvSpPr>
+            <a:spLocks noGrp="1"/>
+          </p:cNvSpPr>
+          <p:nvPr>
+            <p:ph type="title"/>
+          </p:nvPr>
+        </p:nvSpPr>
+        <p:spPr/>
+        <p:txBody>
+          <a:bodyPr/>
+          <a:lstStyle/>
+          <a:p>
+            <a:r>
+              <a:rPr lang="es-AR" dirty="0"/>
+              <a:t>Propiedades CSS modificables por jQuery animate()</a:t>
+            </a:r>
+          </a:p>
+        </p:txBody>
+      </p:sp>
+      <p:sp>
+        <p:nvSpPr>
+          <p:cNvPr id="3" name="Marcador de contenido 2">
+            <a:extLst>
+              <a:ext uri="{FF2B5EF4-FFF2-40B4-BE49-F238E27FC236}">
+                <a16:creationId xmlns:a16="http://schemas.microsoft.com/office/drawing/2014/main" xmlns="" id="{EABC5BE2-4A50-470B-8F48-3E3CC5879470}"/>
+              </a:ext>
+            </a:extLst>
+          </p:cNvPr>
+          <p:cNvSpPr>
+            <a:spLocks noGrp="1"/>
+          </p:cNvSpPr>
+          <p:nvPr>
+            <p:ph idx="1"/>
+          </p:nvPr>
+        </p:nvSpPr>
+        <p:spPr>
+          <a:xfrm>
+            <a:off x="323850" y="1962150"/>
+            <a:ext cx="11163300" cy="4895850"/>
+          </a:xfrm>
+        </p:spPr>
+        <p:txBody>
+          <a:bodyPr>
+            <a:normAutofit lnSpcReduction="10000"/>
+          </a:bodyPr>
+          <a:lstStyle/>
+          <a:p>
+            <a:r>
+              <a:rPr lang="es-AR" b="1" dirty="0"/>
+              <a:t>Propiedades del fondo</a:t>
+            </a:r>
+            <a:r>
+              <a:rPr lang="es-AR" dirty="0"/>
+              <a:t>: </a:t>
+            </a:r>
+            <a:r>
+              <a:rPr lang="es-AR" dirty="0" err="1"/>
+              <a:t>backgroundPositionX</a:t>
+            </a:r>
+            <a:r>
+              <a:rPr lang="es-AR" dirty="0"/>
+              <a:t> y </a:t>
+            </a:r>
+            <a:r>
+              <a:rPr lang="es-AR" dirty="0" err="1"/>
+              <a:t>backgroundPositionY</a:t>
+            </a:r>
+            <a:r>
+              <a:rPr lang="es-AR" dirty="0"/>
+              <a:t>.</a:t>
+            </a:r>
+          </a:p>
+          <a:p>
+            <a:r>
+              <a:rPr lang="es-AR" b="1" dirty="0"/>
+              <a:t>Propiedades de bordes</a:t>
+            </a:r>
+            <a:r>
+              <a:rPr lang="es-AR" dirty="0"/>
+              <a:t>: </a:t>
+            </a:r>
+            <a:r>
+              <a:rPr lang="es-AR" dirty="0" err="1"/>
+              <a:t>outlineWidth</a:t>
+            </a:r>
+            <a:r>
+              <a:rPr lang="es-AR" dirty="0"/>
+              <a:t>, </a:t>
+            </a:r>
+            <a:r>
+              <a:rPr lang="es-AR" dirty="0" err="1"/>
+              <a:t>borderWidth</a:t>
+            </a:r>
+            <a:r>
+              <a:rPr lang="es-AR" dirty="0"/>
+              <a:t>, </a:t>
+            </a:r>
+            <a:r>
+              <a:rPr lang="es-AR" dirty="0" err="1"/>
+              <a:t>borderBottomWidth</a:t>
+            </a:r>
+            <a:r>
+              <a:rPr lang="es-AR" dirty="0"/>
+              <a:t>, </a:t>
+            </a:r>
+            <a:r>
+              <a:rPr lang="es-AR" dirty="0" err="1"/>
+              <a:t>borderLeftWidth</a:t>
+            </a:r>
+            <a:r>
+              <a:rPr lang="es-AR" dirty="0"/>
+              <a:t>, </a:t>
+            </a:r>
+            <a:r>
+              <a:rPr lang="es-AR" dirty="0" err="1"/>
+              <a:t>borderRightWidth</a:t>
+            </a:r>
+            <a:r>
+              <a:rPr lang="es-AR" dirty="0"/>
+              <a:t>, </a:t>
+            </a:r>
+            <a:r>
+              <a:rPr lang="es-AR" dirty="0" err="1"/>
+              <a:t>borderTopWidth</a:t>
+            </a:r>
+            <a:r>
+              <a:rPr lang="es-AR" dirty="0"/>
+              <a:t> y </a:t>
+            </a:r>
+            <a:r>
+              <a:rPr lang="es-AR" dirty="0" err="1"/>
+              <a:t>borderSpacing</a:t>
+            </a:r>
+            <a:r>
+              <a:rPr lang="es-AR" dirty="0"/>
+              <a:t>.</a:t>
+            </a:r>
+          </a:p>
+          <a:p>
+            <a:r>
+              <a:rPr lang="es-AR" b="1" dirty="0"/>
+              <a:t>Los márgenes de elementos</a:t>
+            </a:r>
+            <a:r>
+              <a:rPr lang="es-AR" dirty="0"/>
+              <a:t>: margin, </a:t>
+            </a:r>
+            <a:r>
+              <a:rPr lang="es-AR" dirty="0" err="1"/>
+              <a:t>marginBottom</a:t>
+            </a:r>
+            <a:r>
+              <a:rPr lang="es-AR" dirty="0"/>
+              <a:t>, </a:t>
+            </a:r>
+            <a:r>
+              <a:rPr lang="es-AR" dirty="0" err="1"/>
+              <a:t>marginLeft</a:t>
+            </a:r>
+            <a:r>
+              <a:rPr lang="es-AR" dirty="0"/>
+              <a:t>, </a:t>
+            </a:r>
+            <a:r>
+              <a:rPr lang="es-AR" dirty="0" err="1"/>
+              <a:t>marginRight</a:t>
+            </a:r>
+            <a:r>
+              <a:rPr lang="es-AR" dirty="0"/>
+              <a:t> y </a:t>
+            </a:r>
+            <a:r>
+              <a:rPr lang="es-AR" dirty="0" err="1"/>
+              <a:t>marginTop</a:t>
+            </a:r>
+            <a:r>
+              <a:rPr lang="es-AR" dirty="0"/>
+              <a:t>.</a:t>
+            </a:r>
+          </a:p>
+          <a:p>
+            <a:r>
+              <a:rPr lang="es-AR" b="1" dirty="0"/>
+              <a:t>Los márgenes internos</a:t>
+            </a:r>
+            <a:r>
+              <a:rPr lang="es-AR" dirty="0"/>
+              <a:t>: padding, </a:t>
+            </a:r>
+            <a:r>
+              <a:rPr lang="es-AR" dirty="0" err="1"/>
+              <a:t>paddingBottom</a:t>
+            </a:r>
+            <a:r>
+              <a:rPr lang="es-AR" dirty="0"/>
+              <a:t>, </a:t>
+            </a:r>
+            <a:r>
+              <a:rPr lang="es-AR" dirty="0" err="1"/>
+              <a:t>paddingLeft</a:t>
+            </a:r>
+            <a:r>
+              <a:rPr lang="es-AR" dirty="0"/>
+              <a:t>, </a:t>
+            </a:r>
+            <a:r>
+              <a:rPr lang="es-AR" dirty="0" err="1"/>
+              <a:t>paddingRight</a:t>
+            </a:r>
+            <a:r>
+              <a:rPr lang="es-AR" dirty="0"/>
+              <a:t> y </a:t>
+            </a:r>
+            <a:r>
+              <a:rPr lang="es-AR" dirty="0" err="1"/>
+              <a:t>paddingTop</a:t>
+            </a:r>
+            <a:r>
+              <a:rPr lang="es-AR" dirty="0"/>
+              <a:t>.</a:t>
+            </a:r>
+          </a:p>
+          <a:p>
+            <a:r>
+              <a:rPr lang="es-AR" b="1" dirty="0"/>
+              <a:t>Altura y anchura</a:t>
+            </a:r>
+            <a:r>
+              <a:rPr lang="es-AR" dirty="0"/>
+              <a:t>: height, width, </a:t>
+            </a:r>
+            <a:r>
+              <a:rPr lang="es-AR" dirty="0" err="1"/>
+              <a:t>maxHeight</a:t>
+            </a:r>
+            <a:r>
+              <a:rPr lang="es-AR" dirty="0"/>
+              <a:t>, </a:t>
+            </a:r>
+            <a:r>
+              <a:rPr lang="es-AR" dirty="0" err="1"/>
+              <a:t>maxWidth</a:t>
+            </a:r>
+            <a:r>
+              <a:rPr lang="es-AR" dirty="0"/>
+              <a:t>, </a:t>
+            </a:r>
+            <a:r>
+              <a:rPr lang="es-AR" dirty="0" err="1"/>
+              <a:t>minHeight</a:t>
+            </a:r>
+            <a:r>
+              <a:rPr lang="es-AR" dirty="0"/>
+              <a:t> y </a:t>
+            </a:r>
+            <a:r>
+              <a:rPr lang="es-AR" dirty="0" err="1"/>
+              <a:t>minWidth</a:t>
+            </a:r>
+            <a:r>
+              <a:rPr lang="es-AR" dirty="0"/>
+              <a:t>.</a:t>
+            </a:r>
+          </a:p>
+          <a:p>
+            <a:r>
+              <a:rPr lang="es-AR" b="1" dirty="0"/>
+              <a:t>Coordenadas</a:t>
+            </a:r>
+            <a:r>
+              <a:rPr lang="es-AR" dirty="0"/>
+              <a:t>: bottom, left, right y top.</a:t>
+            </a:r>
+          </a:p>
+          <a:p>
+            <a:r>
+              <a:rPr lang="es-AR" b="1" dirty="0"/>
+              <a:t>Propiedades de párrafo</a:t>
+            </a:r>
+            <a:r>
+              <a:rPr lang="es-AR" dirty="0"/>
+              <a:t>: </a:t>
+            </a:r>
+            <a:r>
+              <a:rPr lang="es-AR" dirty="0" err="1"/>
+              <a:t>fontSize</a:t>
+            </a:r>
+            <a:r>
+              <a:rPr lang="es-AR" dirty="0"/>
+              <a:t>, </a:t>
+            </a:r>
+            <a:r>
+              <a:rPr lang="es-AR" dirty="0" err="1"/>
+              <a:t>letterSpacing</a:t>
+            </a:r>
+            <a:r>
+              <a:rPr lang="es-AR" dirty="0"/>
+              <a:t>, </a:t>
+            </a:r>
+            <a:r>
+              <a:rPr lang="es-AR" dirty="0" err="1"/>
+              <a:t>wordSpacing</a:t>
+            </a:r>
+            <a:r>
+              <a:rPr lang="es-AR" dirty="0"/>
+              <a:t>, </a:t>
+            </a:r>
+            <a:r>
+              <a:rPr lang="es-AR" dirty="0" err="1"/>
+              <a:t>lineHeight</a:t>
+            </a:r>
+            <a:r>
+              <a:rPr lang="es-AR" dirty="0"/>
+              <a:t> y </a:t>
+            </a:r>
+            <a:r>
+              <a:rPr lang="es-AR" dirty="0" err="1"/>
+              <a:t>textIndent</a:t>
+            </a:r>
+            <a:r>
+              <a:rPr lang="es-AR" dirty="0"/>
+              <a:t>.</a:t>
+            </a:r>
+          </a:p>
+          <a:p>
+            <a:r>
+              <a:rPr lang="es-AR" dirty="0"/>
+              <a:t>Solo se puede aplicar  </a:t>
+            </a:r>
+            <a:r>
+              <a:rPr lang="es-AR" b="1" dirty="0"/>
+              <a:t>jQuery animate()</a:t>
+            </a:r>
+            <a:r>
+              <a:rPr lang="es-AR" dirty="0"/>
+              <a:t> a elementos cuyos </a:t>
+            </a:r>
+            <a:r>
+              <a:rPr lang="es-AR" b="1" dirty="0"/>
+              <a:t>valores son numéricos</a:t>
+            </a:r>
+            <a:r>
+              <a:rPr lang="es-AR" dirty="0"/>
+              <a:t>, tales como los mencionados anteriormente, por ejemplo, la propiedad ‘</a:t>
+            </a:r>
+            <a:r>
+              <a:rPr lang="es-AR" b="1" dirty="0"/>
+              <a:t>background-color</a:t>
+            </a:r>
+            <a:r>
+              <a:rPr lang="es-AR" dirty="0"/>
+              <a:t>‘ NO sería accesible por esta función.</a:t>
+            </a:r>
+          </a:p>
+        </p:txBody>
+      </p:sp>
+    </p:spTree>
+    <p:extLst>
+      <p:ext uri="{BB962C8B-B14F-4D97-AF65-F5344CB8AC3E}">
+        <p14:creationId xmlns:p14="http://schemas.microsoft.com/office/powerpoint/2010/main" val="68239542"/>
+      </p:ext>
+    </p:extLst>
+  </p:cSld>
+  <p:clrMapOvr>
+    <a:masterClrMapping/>
+  </p:clrMapOvr>
+</p:sld>
+</file>
+
+<file path=ppt/slides/slide31.xml><?xml version="1.0" encoding="utf-8"?>
+<p:sld xmlns:a="http://schemas.openxmlformats.org/drawingml/2006/main" xmlns:r="http://schemas.openxmlformats.org/officeDocument/2006/relationships" xmlns:p="http://schemas.openxmlformats.org/presentationml/2006/main">
+  <p:cSld>
+    <p:spTree>
+      <p:nvGrpSpPr>
+        <p:cNvPr id="1" name=""/>
+        <p:cNvGrpSpPr/>
+        <p:nvPr/>
+      </p:nvGrpSpPr>
+      <p:grpSpPr>
+        <a:xfrm>
+          <a:off x="0" y="0"/>
+          <a:ext cx="0" cy="0"/>
+          <a:chOff x="0" y="0"/>
+          <a:chExt cx="0" cy="0"/>
+        </a:xfrm>
+      </p:grpSpPr>
+      <p:sp>
+        <p:nvSpPr>
+          <p:cNvPr id="2" name="Título 1">
+            <a:extLst>
+              <a:ext uri="{FF2B5EF4-FFF2-40B4-BE49-F238E27FC236}">
+                <a16:creationId xmlns:a16="http://schemas.microsoft.com/office/drawing/2014/main" xmlns="" id="{C2E3DD98-DAD3-4134-BFAB-4C6210115320}"/>
+              </a:ext>
+            </a:extLst>
+          </p:cNvPr>
+          <p:cNvSpPr>
+            <a:spLocks noGrp="1"/>
+          </p:cNvSpPr>
+          <p:nvPr>
+            <p:ph type="title"/>
+          </p:nvPr>
+        </p:nvSpPr>
+        <p:spPr/>
+        <p:txBody>
+          <a:bodyPr/>
+          <a:lstStyle/>
+          <a:p>
+            <a:r>
+              <a:rPr lang="es-AR" dirty="0"/>
+              <a:t>Sintaxis de animate()</a:t>
+            </a:r>
+          </a:p>
+        </p:txBody>
+      </p:sp>
+      <p:sp>
+        <p:nvSpPr>
+          <p:cNvPr id="3" name="Marcador de contenido 2">
+            <a:extLst>
+              <a:ext uri="{FF2B5EF4-FFF2-40B4-BE49-F238E27FC236}">
+                <a16:creationId xmlns:a16="http://schemas.microsoft.com/office/drawing/2014/main" xmlns="" id="{D480C85B-AB6C-4908-BC96-24D8D659185B}"/>
+              </a:ext>
+            </a:extLst>
+          </p:cNvPr>
+          <p:cNvSpPr>
+            <a:spLocks noGrp="1"/>
+          </p:cNvSpPr>
+          <p:nvPr>
+            <p:ph idx="1"/>
+          </p:nvPr>
+        </p:nvSpPr>
+        <p:spPr>
+          <a:xfrm>
+            <a:off x="876300" y="1485900"/>
+            <a:ext cx="10553700" cy="4919382"/>
+          </a:xfrm>
+        </p:spPr>
+        <p:txBody>
+          <a:bodyPr>
+            <a:normAutofit fontScale="92500" lnSpcReduction="10000"/>
+          </a:bodyPr>
+          <a:lstStyle/>
+          <a:p>
+            <a:pPr marL="0" indent="0" algn="ctr">
+              <a:buNone/>
+            </a:pPr>
+            <a:r>
+              <a:rPr lang="es-AR" sz="2200" dirty="0"/>
+              <a:t> $(elemento).animate(</a:t>
+            </a:r>
+            <a:r>
+              <a:rPr lang="es-AR" sz="2200" dirty="0" err="1"/>
+              <a:t>propiedadesCSS</a:t>
+            </a:r>
+            <a:r>
+              <a:rPr lang="es-AR" sz="2200" dirty="0"/>
+              <a:t>, duración, </a:t>
+            </a:r>
+            <a:r>
+              <a:rPr lang="es-AR" sz="2200" dirty="0" err="1"/>
+              <a:t>easing</a:t>
+            </a:r>
+            <a:r>
+              <a:rPr lang="es-AR" sz="2200" dirty="0"/>
+              <a:t>, callback)</a:t>
+            </a:r>
+          </a:p>
+          <a:p>
+            <a:endParaRPr lang="es-AR" dirty="0"/>
+          </a:p>
+          <a:p>
+            <a:r>
+              <a:rPr lang="es-AR" b="1" dirty="0"/>
+              <a:t>elemento (obligatorio):</a:t>
+            </a:r>
+            <a:r>
+              <a:rPr lang="es-AR" dirty="0"/>
+              <a:t> Este valor será normalmente el id del elemento (‘#’) que queremos manipular. También puede ser un class (‘.’) o etiqueta.</a:t>
+            </a:r>
+          </a:p>
+          <a:p>
+            <a:r>
+              <a:rPr lang="es-AR" b="1" dirty="0" err="1"/>
+              <a:t>propiedadesCSS</a:t>
+            </a:r>
+            <a:r>
+              <a:rPr lang="es-AR" b="1" dirty="0"/>
+              <a:t> (obligatorio)</a:t>
+            </a:r>
+            <a:r>
+              <a:rPr lang="es-AR" dirty="0"/>
+              <a:t>: Propiedades de estilos CSS que queremos animar, los valores son los del listado anterior.</a:t>
+            </a:r>
+          </a:p>
+          <a:p>
+            <a:r>
+              <a:rPr lang="es-AR" b="1" dirty="0" err="1"/>
+              <a:t>duracion</a:t>
+            </a:r>
+            <a:r>
+              <a:rPr lang="es-AR" b="1" dirty="0"/>
+              <a:t> (opcional):</a:t>
+            </a:r>
+            <a:r>
+              <a:rPr lang="es-AR" dirty="0"/>
+              <a:t> Velocidad de la duración del efecto en </a:t>
+            </a:r>
+            <a:r>
+              <a:rPr lang="es-AR" b="1" dirty="0" err="1"/>
+              <a:t>milisengundos</a:t>
+            </a:r>
+            <a:r>
+              <a:rPr lang="es-AR" dirty="0"/>
+              <a:t>. También pueden pasarse los valores ‘</a:t>
+            </a:r>
+            <a:r>
+              <a:rPr lang="es-AR" b="1" dirty="0" err="1"/>
+              <a:t>fast</a:t>
+            </a:r>
+            <a:r>
+              <a:rPr lang="es-AR" dirty="0"/>
+              <a:t>‘, ‘</a:t>
+            </a:r>
+            <a:r>
+              <a:rPr lang="es-AR" b="1" dirty="0" err="1"/>
+              <a:t>slow</a:t>
+            </a:r>
+            <a:r>
+              <a:rPr lang="es-AR" dirty="0"/>
+              <a:t>‘ y ‘</a:t>
+            </a:r>
+            <a:r>
+              <a:rPr lang="es-AR" b="1" dirty="0"/>
+              <a:t>normal</a:t>
+            </a:r>
+            <a:r>
+              <a:rPr lang="es-AR" dirty="0"/>
+              <a:t>‘. Por defecto 400 milisegundos.</a:t>
+            </a:r>
+          </a:p>
+          <a:p>
+            <a:r>
+              <a:rPr lang="es-AR" b="1" dirty="0" err="1"/>
+              <a:t>easing</a:t>
+            </a:r>
+            <a:r>
+              <a:rPr lang="es-AR" b="1" dirty="0"/>
+              <a:t> (opcional):</a:t>
+            </a:r>
+            <a:r>
+              <a:rPr lang="es-AR" dirty="0"/>
+              <a:t> Velocidad de la animación en diferentes puntos de la misma. El valor por defecto es ‘</a:t>
+            </a:r>
+            <a:r>
+              <a:rPr lang="es-AR" b="1" dirty="0"/>
+              <a:t>swing</a:t>
+            </a:r>
+            <a:r>
+              <a:rPr lang="es-AR" dirty="0"/>
+              <a:t>‘  (movimiento rápido al principio y final y lento por el medio de la animación), en cambio el valor ‘</a:t>
+            </a:r>
+            <a:r>
+              <a:rPr lang="es-AR" b="1" dirty="0"/>
+              <a:t>linear</a:t>
+            </a:r>
+            <a:r>
+              <a:rPr lang="es-AR" dirty="0"/>
+              <a:t>‘ ofrece una animación constante sin cambios de velocidad.</a:t>
+            </a:r>
+          </a:p>
+          <a:p>
+            <a:r>
+              <a:rPr lang="es-AR" b="1" u="sng" dirty="0" smtClean="0"/>
+              <a:t>callback</a:t>
+            </a:r>
+            <a:r>
+              <a:rPr lang="es-AR" b="1" dirty="0" smtClean="0"/>
+              <a:t> </a:t>
+            </a:r>
+            <a:r>
+              <a:rPr lang="es-AR" b="1" dirty="0"/>
+              <a:t>(opcional):</a:t>
+            </a:r>
+            <a:r>
+              <a:rPr lang="es-AR" dirty="0"/>
+              <a:t> Función/acción que se ejecutará cuando el efecto se haya completado satisfactoriamente..</a:t>
+            </a:r>
+          </a:p>
+          <a:p>
+            <a:endParaRPr lang="es-AR" dirty="0"/>
+          </a:p>
+        </p:txBody>
+      </p:sp>
+    </p:spTree>
+    <p:extLst>
+      <p:ext uri="{BB962C8B-B14F-4D97-AF65-F5344CB8AC3E}">
+        <p14:creationId xmlns:p14="http://schemas.microsoft.com/office/powerpoint/2010/main" val="2053512645"/>
       </p:ext>
     </p:extLst>
   </p:cSld>
@@ -9163,7 +11600,15 @@
             <a:pPr lvl="2"/>
             <a:r>
               <a:rPr lang="es-AR" sz="2400" dirty="0"/>
-              <a:t>Js:    document.getElementByTagName(‘p’);</a:t>
+              <a:t>Js:    </a:t>
+            </a:r>
+            <a:r>
+              <a:rPr lang="es-AR" sz="2400" dirty="0" err="1"/>
+              <a:t>document.getElementByTagName</a:t>
+            </a:r>
+            <a:r>
+              <a:rPr lang="es-AR" sz="2400" dirty="0"/>
+              <a:t>(‘p’);</a:t>
             </a:r>
           </a:p>
           <a:p>
@@ -9259,8 +11704,12 @@
           <a:lstStyle/>
           <a:p>
             <a:r>
-              <a:rPr lang="es-AR" dirty="0"/>
-              <a:t>document.addEventListener(‘load’, function(){       </a:t>
+              <a:rPr lang="es-AR" dirty="0" err="1"/>
+              <a:t>document.addEventListener</a:t>
+            </a:r>
+            <a:r>
+              <a:rPr lang="es-AR" dirty="0"/>
+              <a:t>(‘load’, function(){       </a:t>
             </a:r>
           </a:p>
           <a:p>
@@ -9475,8 +11924,12 @@
               <a:buNone/>
             </a:pPr>
             <a:r>
-              <a:rPr lang="es-AR" dirty="0"/>
-              <a:t>document.getElementsByTagName(‘tipo de elemento’);</a:t>
+              <a:rPr lang="es-AR" dirty="0" err="1"/>
+              <a:t>document.getElementsByTagName</a:t>
+            </a:r>
+            <a:r>
+              <a:rPr lang="es-AR" dirty="0"/>
+              <a:t>(‘tipo de elemento’);</a:t>
             </a:r>
           </a:p>
           <a:p>
@@ -9618,7 +12071,15 @@
             <a:pPr lvl="1"/>
             <a:r>
               <a:rPr lang="es-AR" dirty="0"/>
-              <a:t>JS: document.getElemenstByClassName(‘nombre clase’);</a:t>
+              <a:t>JS: </a:t>
+            </a:r>
+            <a:r>
+              <a:rPr lang="es-AR" dirty="0" err="1"/>
+              <a:t>document.getElemenstByClassName</a:t>
+            </a:r>
+            <a:r>
+              <a:rPr lang="es-AR" dirty="0"/>
+              <a:t>(‘nombre clase’);</a:t>
             </a:r>
           </a:p>
           <a:p>
